--- a/ppt/curso-devops-ulpgc-docker.pptx
+++ b/ppt/curso-devops-ulpgc-docker.pptx
@@ -5,10 +5,10 @@
     <p:sldMasterId id="2147483807" r:id="rId4"/>
   </p:sldMasterIdLst>
   <p:notesMasterIdLst>
-    <p:notesMasterId r:id="rId68"/>
+    <p:notesMasterId r:id="rId72"/>
   </p:notesMasterIdLst>
   <p:handoutMasterIdLst>
-    <p:handoutMasterId r:id="rId69"/>
+    <p:handoutMasterId r:id="rId73"/>
   </p:handoutMasterIdLst>
   <p:sldIdLst>
     <p:sldId id="257" r:id="rId5"/>
@@ -61,19 +61,23 @@
     <p:sldId id="317" r:id="rId52"/>
     <p:sldId id="318" r:id="rId53"/>
     <p:sldId id="321" r:id="rId54"/>
-    <p:sldId id="323" r:id="rId55"/>
-    <p:sldId id="324" r:id="rId56"/>
-    <p:sldId id="325" r:id="rId57"/>
-    <p:sldId id="327" r:id="rId58"/>
-    <p:sldId id="328" r:id="rId59"/>
-    <p:sldId id="329" r:id="rId60"/>
-    <p:sldId id="331" r:id="rId61"/>
-    <p:sldId id="334" r:id="rId62"/>
-    <p:sldId id="335" r:id="rId63"/>
-    <p:sldId id="337" r:id="rId64"/>
-    <p:sldId id="336" r:id="rId65"/>
-    <p:sldId id="330" r:id="rId66"/>
-    <p:sldId id="338" r:id="rId67"/>
+    <p:sldId id="320" r:id="rId55"/>
+    <p:sldId id="323" r:id="rId56"/>
+    <p:sldId id="324" r:id="rId57"/>
+    <p:sldId id="325" r:id="rId58"/>
+    <p:sldId id="326" r:id="rId59"/>
+    <p:sldId id="327" r:id="rId60"/>
+    <p:sldId id="332" r:id="rId61"/>
+    <p:sldId id="328" r:id="rId62"/>
+    <p:sldId id="329" r:id="rId63"/>
+    <p:sldId id="331" r:id="rId64"/>
+    <p:sldId id="333" r:id="rId65"/>
+    <p:sldId id="334" r:id="rId66"/>
+    <p:sldId id="335" r:id="rId67"/>
+    <p:sldId id="337" r:id="rId68"/>
+    <p:sldId id="336" r:id="rId69"/>
+    <p:sldId id="330" r:id="rId70"/>
+    <p:sldId id="338" r:id="rId71"/>
   </p:sldIdLst>
   <p:sldSz cx="12188825" cy="6858000"/>
   <p:notesSz cx="6858000" cy="9144000"/>
@@ -302,7 +306,7 @@
           <a:p>
             <a:fld id="{FE5B4EDC-59C0-49C7-8ADA-5A781B329E02}" type="datetimeFigureOut">
               <a:rPr lang="en-US"/>
-              <a:t>2/1/2024</a:t>
+              <a:t>2/19/2024</a:t>
             </a:fld>
             <a:endParaRPr dirty="0"/>
           </a:p>
@@ -467,7 +471,7 @@
           <a:p>
             <a:fld id="{F2D8D46A-B586-417D-BFBD-8C8FE0AAF762}" type="datetimeFigureOut">
               <a:rPr lang="en-US"/>
-              <a:t>2/1/2024</a:t>
+              <a:t>2/19/2024</a:t>
             </a:fld>
             <a:endParaRPr dirty="0"/>
           </a:p>
@@ -9480,7 +9484,7 @@
           <a:p>
             <a:fld id="{6AD6EE87-EBD5-4F12-A48A-63ACA297AC8F}" type="datetimeFigureOut">
               <a:rPr lang="en-US" dirty="0"/>
-              <a:t>2/1/2024</a:t>
+              <a:t>2/19/2024</a:t>
             </a:fld>
             <a:endParaRPr lang="en-US" dirty="0"/>
           </a:p>
@@ -9779,7 +9783,7 @@
           <a:p>
             <a:fld id="{4CD73815-2707-4475-8F1A-B873CB631BB4}" type="datetimeFigureOut">
               <a:rPr lang="en-US" dirty="0"/>
-              <a:t>2/1/2024</a:t>
+              <a:t>2/19/2024</a:t>
             </a:fld>
             <a:endParaRPr lang="en-US" dirty="0"/>
           </a:p>
@@ -9957,7 +9961,7 @@
           <a:p>
             <a:fld id="{2A4AFB99-0EAB-4182-AFF8-E214C82A68F6}" type="datetimeFigureOut">
               <a:rPr lang="en-US" dirty="0"/>
-              <a:t>2/1/2024</a:t>
+              <a:t>2/19/2024</a:t>
             </a:fld>
             <a:endParaRPr lang="en-US" dirty="0"/>
           </a:p>
@@ -10160,7 +10164,7 @@
           <a:p>
             <a:fld id="{A5D3794B-289A-4A80-97D7-111025398D45}" type="datetimeFigureOut">
               <a:rPr lang="en-US" dirty="0"/>
-              <a:t>2/1/2024</a:t>
+              <a:t>2/19/2024</a:t>
             </a:fld>
             <a:endParaRPr lang="en-US" dirty="0"/>
           </a:p>
@@ -19057,7 +19061,7 @@
           <a:p>
             <a:fld id="{5A61015F-7CC6-4D0A-9D87-873EA4C304CC}" type="datetimeFigureOut">
               <a:rPr lang="en-US" dirty="0"/>
-              <a:t>2/1/2024</a:t>
+              <a:t>2/19/2024</a:t>
             </a:fld>
             <a:endParaRPr lang="en-US" dirty="0"/>
           </a:p>
@@ -19328,7 +19332,7 @@
           <a:p>
             <a:fld id="{93C6A301-0538-44EC-B09D-202E1042A48B}" type="datetimeFigureOut">
               <a:rPr lang="en-US" dirty="0"/>
-              <a:t>2/1/2024</a:t>
+              <a:t>2/19/2024</a:t>
             </a:fld>
             <a:endParaRPr lang="en-US" dirty="0"/>
           </a:p>
@@ -19723,7 +19727,7 @@
           <a:p>
             <a:fld id="{D789574A-8875-45EF-8EA2-3CAA0F7ABC4C}" type="datetimeFigureOut">
               <a:rPr lang="en-US" dirty="0"/>
-              <a:t>2/1/2024</a:t>
+              <a:t>2/19/2024</a:t>
             </a:fld>
             <a:endParaRPr lang="en-US" dirty="0"/>
           </a:p>
@@ -19840,7 +19844,7 @@
           <a:p>
             <a:fld id="{67EF4D4C-5367-4C26-9E2B-D8088D7FCA81}" type="datetimeFigureOut">
               <a:rPr lang="en-US" dirty="0"/>
-              <a:t>2/1/2024</a:t>
+              <a:t>2/19/2024</a:t>
             </a:fld>
             <a:endParaRPr lang="en-US" dirty="0"/>
           </a:p>
@@ -19935,7 +19939,7 @@
           <a:p>
             <a:fld id="{56E91E96-98B0-4413-9547-46F3504108EF}" type="datetimeFigureOut">
               <a:rPr lang="en-US" dirty="0"/>
-              <a:t>2/1/2024</a:t>
+              <a:t>2/19/2024</a:t>
             </a:fld>
             <a:endParaRPr lang="en-US" dirty="0"/>
           </a:p>
@@ -20223,7 +20227,7 @@
           <a:p>
             <a:fld id="{05C68B11-C5A8-448C-8CE9-B1A273C79CFC}" type="datetimeFigureOut">
               <a:rPr lang="en-US" dirty="0"/>
-              <a:t>2/1/2024</a:t>
+              <a:t>2/19/2024</a:t>
             </a:fld>
             <a:endParaRPr lang="en-US" dirty="0"/>
           </a:p>
@@ -20498,7 +20502,7 @@
           <a:p>
             <a:fld id="{C7616CA0-919D-4A49-9C8A-62FDFB3A5183}" type="datetimeFigureOut">
               <a:rPr lang="en-US" dirty="0"/>
-              <a:t>2/1/2024</a:t>
+              <a:t>2/19/2024</a:t>
             </a:fld>
             <a:endParaRPr lang="en-US" dirty="0"/>
           </a:p>
@@ -20747,7 +20751,7 @@
             <a:fld id="{90298CD5-6C1E-4009-B41F-6DF62E31D3BE}" type="datetimeFigureOut">
               <a:rPr lang="en-US" dirty="0"/>
               <a:pPr/>
-              <a:t>2/1/2024</a:t>
+              <a:t>2/19/2024</a:t>
             </a:fld>
             <a:endParaRPr lang="en-US" dirty="0"/>
           </a:p>
@@ -25826,6 +25830,30 @@
             <a:endParaRPr lang="es-ES" dirty="0"/>
           </a:p>
           <a:p>
+            <a:r>
+              <a:rPr lang="es-ES" dirty="0">
+                <a:hlinkClick r:id="rId3"/>
+              </a:rPr>
+              <a:t>https://mohibulalam75.medium.com/exploring-lightweight-docker-base-images-alpine-slim-and-debian-releases-bookworm-bullseye-688f88067f4b</a:t>
+            </a:r>
+            <a:endParaRPr lang="es-ES" dirty="0"/>
+          </a:p>
+          <a:p>
+            <a:r>
+              <a:rPr lang="es-ES">
+                <a:hlinkClick r:id="rId4"/>
+              </a:rPr>
+              <a:t>https://thegreencodes.com/docker-image-optimization-tips-and-tricks-for-faster-builds-and-smaller-sizes</a:t>
+            </a:r>
+            <a:endParaRPr lang="es-ES"/>
+          </a:p>
+          <a:p>
+            <a:endParaRPr lang="es-ES"/>
+          </a:p>
+          <a:p>
+            <a:endParaRPr lang="es-ES" dirty="0"/>
+          </a:p>
+          <a:p>
             <a:endParaRPr lang="es-ES" dirty="0"/>
           </a:p>
         </p:txBody>
@@ -37510,6 +37538,239 @@
           <p:cNvPr id="2" name="Title 1">
             <a:extLst>
               <a:ext uri="{FF2B5EF4-FFF2-40B4-BE49-F238E27FC236}">
+                <a16:creationId xmlns:a16="http://schemas.microsoft.com/office/drawing/2014/main" id="{60DACEFC-49B2-B0E0-7B9C-407058CFAB3B}"/>
+              </a:ext>
+            </a:extLst>
+          </p:cNvPr>
+          <p:cNvSpPr>
+            <a:spLocks noGrp="1"/>
+          </p:cNvSpPr>
+          <p:nvPr>
+            <p:ph type="title"/>
+          </p:nvPr>
+        </p:nvSpPr>
+        <p:spPr/>
+        <p:txBody>
+          <a:bodyPr/>
+          <a:lstStyle/>
+          <a:p>
+            <a:r>
+              <a:rPr lang="en-US" dirty="0"/>
+              <a:t>Nuestra base de </a:t>
+            </a:r>
+            <a:r>
+              <a:rPr lang="en-US" dirty="0" err="1"/>
+              <a:t>datos</a:t>
+            </a:r>
+          </a:p>
+        </p:txBody>
+      </p:sp>
+      <p:sp>
+        <p:nvSpPr>
+          <p:cNvPr id="6" name="TextBox 5">
+            <a:extLst>
+              <a:ext uri="{FF2B5EF4-FFF2-40B4-BE49-F238E27FC236}">
+                <a16:creationId xmlns:a16="http://schemas.microsoft.com/office/drawing/2014/main" id="{A3AF42E5-8ADA-7791-815D-4CE2472E6CB6}"/>
+              </a:ext>
+            </a:extLst>
+          </p:cNvPr>
+          <p:cNvSpPr txBox="1"/>
+          <p:nvPr/>
+        </p:nvSpPr>
+        <p:spPr>
+          <a:xfrm>
+            <a:off x="763365" y="2802424"/>
+            <a:ext cx="10684740" cy="2308324"/>
+          </a:xfrm>
+          <a:prstGeom prst="rect">
+            <a:avLst/>
+          </a:prstGeom>
+          <a:noFill/>
+        </p:spPr>
+        <p:txBody>
+          <a:bodyPr rot="0" spcFirstLastPara="0" vertOverflow="overflow" horzOverflow="overflow" vert="horz" wrap="square" lIns="91440" tIns="45720" rIns="91440" bIns="45720" numCol="1" spcCol="0" rtlCol="0" fromWordArt="0" anchor="t" anchorCtr="0" forceAA="0" compatLnSpc="1">
+            <a:prstTxWarp prst="textNoShape">
+              <a:avLst/>
+            </a:prstTxWarp>
+            <a:spAutoFit/>
+          </a:bodyPr>
+          <a:lstStyle/>
+          <a:p>
+            <a:r>
+              <a:rPr lang="en-US" dirty="0">
+                <a:latin typeface="Consolas"/>
+              </a:rPr>
+              <a:t>docker run -d -p 5432:5432 --name </a:t>
+            </a:r>
+            <a:r>
+              <a:rPr lang="en-US" dirty="0" err="1">
+                <a:latin typeface="Consolas"/>
+              </a:rPr>
+              <a:t>bookReview_bdd</a:t>
+            </a:r>
+            <a:r>
+              <a:rPr lang="en-US" dirty="0">
+                <a:latin typeface="Consolas"/>
+              </a:rPr>
+              <a:t> \</a:t>
+            </a:r>
+            <a:endParaRPr lang="en-US" dirty="0"/>
+          </a:p>
+          <a:p>
+            <a:pPr marL="608965" lvl="1"/>
+            <a:r>
+              <a:rPr lang="en-US" dirty="0">
+                <a:latin typeface="Consolas"/>
+              </a:rPr>
+              <a:t>-e POSTGRES_PASSWORD=</a:t>
+            </a:r>
+            <a:r>
+              <a:rPr lang="en-US" dirty="0" err="1">
+                <a:latin typeface="Consolas"/>
+              </a:rPr>
+              <a:t>bookreview</a:t>
+            </a:r>
+            <a:r>
+              <a:rPr lang="en-US" dirty="0">
+                <a:latin typeface="Consolas"/>
+              </a:rPr>
+              <a:t> \</a:t>
+            </a:r>
+            <a:endParaRPr lang="en-US" dirty="0">
+              <a:latin typeface="Tw Cen MT" panose="020B0602020104020603"/>
+            </a:endParaRPr>
+          </a:p>
+          <a:p>
+            <a:pPr marL="608965" lvl="1"/>
+            <a:r>
+              <a:rPr lang="en-US" dirty="0">
+                <a:latin typeface="Consolas"/>
+              </a:rPr>
+              <a:t>-e POSTGRES_USER=</a:t>
+            </a:r>
+            <a:r>
+              <a:rPr lang="en-US" dirty="0" err="1">
+                <a:latin typeface="Consolas"/>
+              </a:rPr>
+              <a:t>bookreview</a:t>
+            </a:r>
+            <a:r>
+              <a:rPr lang="en-US" dirty="0">
+                <a:latin typeface="Consolas"/>
+              </a:rPr>
+              <a:t> \</a:t>
+            </a:r>
+            <a:endParaRPr lang="en-US" dirty="0">
+              <a:latin typeface="Tw Cen MT" panose="020B0602020104020603"/>
+            </a:endParaRPr>
+          </a:p>
+          <a:p>
+            <a:pPr marL="608965" lvl="1"/>
+            <a:r>
+              <a:rPr lang="en-US" dirty="0">
+                <a:latin typeface="Consolas"/>
+              </a:rPr>
+              <a:t>-e POSTGRES_DB=</a:t>
+            </a:r>
+            <a:r>
+              <a:rPr lang="en-US" dirty="0" err="1">
+                <a:latin typeface="Consolas"/>
+              </a:rPr>
+              <a:t>bookreview</a:t>
+            </a:r>
+            <a:r>
+              <a:rPr lang="en-US" dirty="0">
+                <a:latin typeface="Consolas"/>
+              </a:rPr>
+              <a:t> \</a:t>
+            </a:r>
+            <a:endParaRPr lang="en-US" dirty="0">
+              <a:latin typeface="Tw Cen MT" panose="020B0602020104020603"/>
+            </a:endParaRPr>
+          </a:p>
+          <a:p>
+            <a:pPr marL="608965" lvl="1"/>
+            <a:r>
+              <a:rPr lang="en-US" dirty="0">
+                <a:latin typeface="Consolas"/>
+              </a:rPr>
+              <a:t>-v </a:t>
+            </a:r>
+            <a:r>
+              <a:rPr lang="en-US" dirty="0" err="1">
+                <a:latin typeface="Consolas"/>
+              </a:rPr>
+              <a:t>bookReview_bdd_vol</a:t>
+            </a:r>
+            <a:r>
+              <a:rPr lang="en-US" dirty="0">
+                <a:latin typeface="Consolas"/>
+              </a:rPr>
+              <a:t>:/var/lib/</a:t>
+            </a:r>
+            <a:r>
+              <a:rPr lang="en-US" dirty="0" err="1">
+                <a:latin typeface="Consolas"/>
+              </a:rPr>
+              <a:t>postgresql</a:t>
+            </a:r>
+            <a:r>
+              <a:rPr lang="en-US" dirty="0">
+                <a:latin typeface="Consolas"/>
+              </a:rPr>
+              <a:t>/data \</a:t>
+            </a:r>
+            <a:endParaRPr lang="en-US" dirty="0">
+              <a:latin typeface="Tw Cen MT" panose="020B0602020104020603"/>
+            </a:endParaRPr>
+          </a:p>
+          <a:p>
+            <a:pPr marL="608965" lvl="1"/>
+            <a:r>
+              <a:rPr lang="en-US" dirty="0">
+                <a:latin typeface="Consolas"/>
+              </a:rPr>
+              <a:t>postgres:15.1</a:t>
+            </a:r>
+            <a:endParaRPr lang="en-US" dirty="0"/>
+          </a:p>
+        </p:txBody>
+      </p:sp>
+    </p:spTree>
+    <p:extLst>
+      <p:ext uri="{BB962C8B-B14F-4D97-AF65-F5344CB8AC3E}">
+        <p14:creationId xmlns:p14="http://schemas.microsoft.com/office/powerpoint/2010/main" val="1957190575"/>
+      </p:ext>
+    </p:extLst>
+  </p:cSld>
+  <p:clrMapOvr>
+    <a:masterClrMapping/>
+  </p:clrMapOvr>
+</p:sld>
+</file>
+
+<file path=ppt/slides/slide52.xml><?xml version="1.0" encoding="utf-8"?>
+<p:sld xmlns:a="http://schemas.openxmlformats.org/drawingml/2006/main" xmlns:r="http://schemas.openxmlformats.org/officeDocument/2006/relationships" xmlns:p="http://schemas.openxmlformats.org/presentationml/2006/main">
+  <p:cSld>
+    <p:spTree>
+      <p:nvGrpSpPr>
+        <p:cNvPr id="1" name=""/>
+        <p:cNvGrpSpPr/>
+        <p:nvPr/>
+      </p:nvGrpSpPr>
+      <p:grpSpPr>
+        <a:xfrm>
+          <a:off x="0" y="0"/>
+          <a:ext cx="0" cy="0"/>
+          <a:chOff x="0" y="0"/>
+          <a:chExt cx="0" cy="0"/>
+        </a:xfrm>
+      </p:grpSpPr>
+      <p:sp>
+        <p:nvSpPr>
+          <p:cNvPr id="2" name="Title 1">
+            <a:extLst>
+              <a:ext uri="{FF2B5EF4-FFF2-40B4-BE49-F238E27FC236}">
                 <a16:creationId xmlns:a16="http://schemas.microsoft.com/office/drawing/2014/main" id="{064A4EFE-BBDE-A188-6948-4F11187F84E2}"/>
               </a:ext>
             </a:extLst>
@@ -38008,7 +38269,7 @@
 </p:sld>
 </file>
 
-<file path=ppt/slides/slide52.xml><?xml version="1.0" encoding="utf-8"?>
+<file path=ppt/slides/slide53.xml><?xml version="1.0" encoding="utf-8"?>
 <p:sld xmlns:a="http://schemas.openxmlformats.org/drawingml/2006/main" xmlns:r="http://schemas.openxmlformats.org/officeDocument/2006/relationships" xmlns:p="http://schemas.openxmlformats.org/presentationml/2006/main">
   <p:cSld>
     <p:spTree>
@@ -38319,7 +38580,7 @@
 </p:sld>
 </file>
 
-<file path=ppt/slides/slide53.xml><?xml version="1.0" encoding="utf-8"?>
+<file path=ppt/slides/slide54.xml><?xml version="1.0" encoding="utf-8"?>
 <p:sld xmlns:a="http://schemas.openxmlformats.org/drawingml/2006/main" xmlns:r="http://schemas.openxmlformats.org/officeDocument/2006/relationships" xmlns:p="http://schemas.openxmlformats.org/presentationml/2006/main">
   <p:cSld>
     <p:spTree>
@@ -38439,7 +38700,7 @@
               </a:rPr>
               <a:t>bookreview_back</a:t>
             </a:r>
-            <a:endParaRPr lang="en-US">
+            <a:endParaRPr lang="en-US" dirty="0">
               <a:latin typeface="Consolas"/>
               <a:ea typeface="+mn-lt"/>
               <a:cs typeface="+mn-lt"/>
@@ -38516,7 +38777,7 @@
               </a:rPr>
               <a:t>Dockerfile</a:t>
             </a:r>
-            <a:endParaRPr lang="en-US">
+            <a:endParaRPr lang="en-US" dirty="0">
               <a:latin typeface="Consolas"/>
             </a:endParaRPr>
           </a:p>
@@ -38535,7 +38796,124 @@
 </p:sld>
 </file>
 
-<file path=ppt/slides/slide54.xml><?xml version="1.0" encoding="utf-8"?>
+<file path=ppt/slides/slide55.xml><?xml version="1.0" encoding="utf-8"?>
+<p:sld xmlns:a="http://schemas.openxmlformats.org/drawingml/2006/main" xmlns:r="http://schemas.openxmlformats.org/officeDocument/2006/relationships" xmlns:p="http://schemas.openxmlformats.org/presentationml/2006/main">
+  <p:cSld>
+    <p:spTree>
+      <p:nvGrpSpPr>
+        <p:cNvPr id="1" name=""/>
+        <p:cNvGrpSpPr/>
+        <p:nvPr/>
+      </p:nvGrpSpPr>
+      <p:grpSpPr>
+        <a:xfrm>
+          <a:off x="0" y="0"/>
+          <a:ext cx="0" cy="0"/>
+          <a:chOff x="0" y="0"/>
+          <a:chExt cx="0" cy="0"/>
+        </a:xfrm>
+      </p:grpSpPr>
+      <p:sp>
+        <p:nvSpPr>
+          <p:cNvPr id="2" name="Title 1">
+            <a:extLst>
+              <a:ext uri="{FF2B5EF4-FFF2-40B4-BE49-F238E27FC236}">
+                <a16:creationId xmlns:a16="http://schemas.microsoft.com/office/drawing/2014/main" id="{B438F801-7414-3E53-3D15-5DC7CF732E3E}"/>
+              </a:ext>
+            </a:extLst>
+          </p:cNvPr>
+          <p:cNvSpPr>
+            <a:spLocks noGrp="1"/>
+          </p:cNvSpPr>
+          <p:nvPr>
+            <p:ph type="title"/>
+          </p:nvPr>
+        </p:nvSpPr>
+        <p:spPr/>
+        <p:txBody>
+          <a:bodyPr/>
+          <a:lstStyle/>
+          <a:p>
+            <a:r>
+              <a:rPr lang="en-US" dirty="0"/>
+              <a:t>Nuestra API</a:t>
+            </a:r>
+          </a:p>
+        </p:txBody>
+      </p:sp>
+      <p:sp>
+        <p:nvSpPr>
+          <p:cNvPr id="7" name="TextBox 6">
+            <a:extLst>
+              <a:ext uri="{FF2B5EF4-FFF2-40B4-BE49-F238E27FC236}">
+                <a16:creationId xmlns:a16="http://schemas.microsoft.com/office/drawing/2014/main" id="{FF81CB5B-5DC8-CBF4-AE6C-ED11F031B867}"/>
+              </a:ext>
+            </a:extLst>
+          </p:cNvPr>
+          <p:cNvSpPr txBox="1"/>
+          <p:nvPr/>
+        </p:nvSpPr>
+        <p:spPr>
+          <a:xfrm>
+            <a:off x="3209489" y="2990636"/>
+            <a:ext cx="5762989" cy="461665"/>
+          </a:xfrm>
+          <a:prstGeom prst="rect">
+            <a:avLst/>
+          </a:prstGeom>
+          <a:noFill/>
+        </p:spPr>
+        <p:txBody>
+          <a:bodyPr rot="0" spcFirstLastPara="0" vertOverflow="overflow" horzOverflow="overflow" vert="horz" wrap="square" lIns="91440" tIns="45720" rIns="91440" bIns="45720" numCol="1" spcCol="0" rtlCol="0" fromWordArt="0" anchor="t" anchorCtr="0" forceAA="0" compatLnSpc="1">
+            <a:prstTxWarp prst="textNoShape">
+              <a:avLst/>
+            </a:prstTxWarp>
+            <a:spAutoFit/>
+          </a:bodyPr>
+          <a:lstStyle/>
+          <a:p>
+            <a:r>
+              <a:rPr lang="en-US" dirty="0">
+                <a:latin typeface="Consolas"/>
+              </a:rPr>
+              <a:t>docker build -t </a:t>
+            </a:r>
+            <a:r>
+              <a:rPr lang="en-US" dirty="0" err="1">
+                <a:latin typeface="Consolas"/>
+                <a:ea typeface="+mn-lt"/>
+                <a:cs typeface="+mn-lt"/>
+              </a:rPr>
+              <a:t>bookreview_back</a:t>
+            </a:r>
+            <a:r>
+              <a:rPr lang="en-US" dirty="0">
+                <a:latin typeface="Consolas"/>
+                <a:ea typeface="+mn-lt"/>
+                <a:cs typeface="+mn-lt"/>
+              </a:rPr>
+              <a:t> .</a:t>
+            </a:r>
+            <a:endParaRPr lang="en-US" dirty="0" err="1">
+              <a:latin typeface="Consolas"/>
+            </a:endParaRPr>
+          </a:p>
+        </p:txBody>
+      </p:sp>
+    </p:spTree>
+    <p:extLst>
+      <p:ext uri="{BB962C8B-B14F-4D97-AF65-F5344CB8AC3E}">
+        <p14:creationId xmlns:p14="http://schemas.microsoft.com/office/powerpoint/2010/main" val="3197979249"/>
+      </p:ext>
+    </p:extLst>
+  </p:cSld>
+  <p:clrMapOvr>
+    <a:masterClrMapping/>
+  </p:clrMapOvr>
+</p:sld>
+</file>
+
+<file path=ppt/slides/slide56.xml><?xml version="1.0" encoding="utf-8"?>
 <p:sld xmlns:a="http://schemas.openxmlformats.org/drawingml/2006/main" xmlns:r="http://schemas.openxmlformats.org/officeDocument/2006/relationships" xmlns:p="http://schemas.openxmlformats.org/presentationml/2006/main">
   <p:cSld>
     <p:spTree>
@@ -38681,7 +39059,129 @@
 </p:sld>
 </file>
 
-<file path=ppt/slides/slide55.xml><?xml version="1.0" encoding="utf-8"?>
+<file path=ppt/slides/slide57.xml><?xml version="1.0" encoding="utf-8"?>
+<p:sld xmlns:a="http://schemas.openxmlformats.org/drawingml/2006/main" xmlns:r="http://schemas.openxmlformats.org/officeDocument/2006/relationships" xmlns:p="http://schemas.openxmlformats.org/presentationml/2006/main">
+  <p:cSld>
+    <p:spTree>
+      <p:nvGrpSpPr>
+        <p:cNvPr id="1" name=""/>
+        <p:cNvGrpSpPr/>
+        <p:nvPr/>
+      </p:nvGrpSpPr>
+      <p:grpSpPr>
+        <a:xfrm>
+          <a:off x="0" y="0"/>
+          <a:ext cx="0" cy="0"/>
+          <a:chOff x="0" y="0"/>
+          <a:chExt cx="0" cy="0"/>
+        </a:xfrm>
+      </p:grpSpPr>
+      <p:sp>
+        <p:nvSpPr>
+          <p:cNvPr id="2" name="Title 1">
+            <a:extLst>
+              <a:ext uri="{FF2B5EF4-FFF2-40B4-BE49-F238E27FC236}">
+                <a16:creationId xmlns:a16="http://schemas.microsoft.com/office/drawing/2014/main" id="{F540D636-37B7-C627-9BE6-895273CC28F3}"/>
+              </a:ext>
+            </a:extLst>
+          </p:cNvPr>
+          <p:cNvSpPr>
+            <a:spLocks noGrp="1"/>
+          </p:cNvSpPr>
+          <p:nvPr>
+            <p:ph type="title"/>
+          </p:nvPr>
+        </p:nvSpPr>
+        <p:spPr/>
+        <p:txBody>
+          <a:bodyPr/>
+          <a:lstStyle/>
+          <a:p>
+            <a:r>
+              <a:rPr lang="en-US" dirty="0"/>
+              <a:t>Nuestra API</a:t>
+            </a:r>
+          </a:p>
+        </p:txBody>
+      </p:sp>
+      <p:sp>
+        <p:nvSpPr>
+          <p:cNvPr id="7" name="TextBox 6">
+            <a:extLst>
+              <a:ext uri="{FF2B5EF4-FFF2-40B4-BE49-F238E27FC236}">
+                <a16:creationId xmlns:a16="http://schemas.microsoft.com/office/drawing/2014/main" id="{96A686C8-0937-5DB5-2E87-A0ACC20315D1}"/>
+              </a:ext>
+            </a:extLst>
+          </p:cNvPr>
+          <p:cNvSpPr txBox="1"/>
+          <p:nvPr/>
+        </p:nvSpPr>
+        <p:spPr>
+          <a:xfrm>
+            <a:off x="752311" y="2249680"/>
+            <a:ext cx="10684740" cy="830997"/>
+          </a:xfrm>
+          <a:prstGeom prst="rect">
+            <a:avLst/>
+          </a:prstGeom>
+          <a:noFill/>
+        </p:spPr>
+        <p:txBody>
+          <a:bodyPr rot="0" spcFirstLastPara="0" vertOverflow="overflow" horzOverflow="overflow" vert="horz" wrap="square" lIns="91440" tIns="45720" rIns="91440" bIns="45720" numCol="1" spcCol="0" rtlCol="0" fromWordArt="0" anchor="t" anchorCtr="0" forceAA="0" compatLnSpc="1">
+            <a:prstTxWarp prst="textNoShape">
+              <a:avLst/>
+            </a:prstTxWarp>
+            <a:spAutoFit/>
+          </a:bodyPr>
+          <a:lstStyle/>
+          <a:p>
+            <a:endParaRPr lang="en-US" dirty="0">
+              <a:latin typeface="Consolas"/>
+            </a:endParaRPr>
+          </a:p>
+          <a:p>
+            <a:r>
+              <a:rPr lang="en-US" dirty="0">
+                <a:latin typeface="Consolas"/>
+              </a:rPr>
+              <a:t>docker run -p 8080:8080 --name </a:t>
+            </a:r>
+            <a:r>
+              <a:rPr lang="en-US" dirty="0" err="1">
+                <a:latin typeface="Consolas"/>
+              </a:rPr>
+              <a:t>bookReview_back</a:t>
+            </a:r>
+            <a:r>
+              <a:rPr lang="en-US" dirty="0">
+                <a:latin typeface="Consolas"/>
+              </a:rPr>
+              <a:t> </a:t>
+            </a:r>
+            <a:r>
+              <a:rPr lang="en-US" dirty="0" err="1">
+                <a:latin typeface="Consolas"/>
+              </a:rPr>
+              <a:t>bookreview_back</a:t>
+            </a:r>
+            <a:endParaRPr lang="en-US" dirty="0" err="1"/>
+          </a:p>
+        </p:txBody>
+      </p:sp>
+    </p:spTree>
+    <p:extLst>
+      <p:ext uri="{BB962C8B-B14F-4D97-AF65-F5344CB8AC3E}">
+        <p14:creationId xmlns:p14="http://schemas.microsoft.com/office/powerpoint/2010/main" val="3762342398"/>
+      </p:ext>
+    </p:extLst>
+  </p:cSld>
+  <p:clrMapOvr>
+    <a:masterClrMapping/>
+  </p:clrMapOvr>
+</p:sld>
+</file>
+
+<file path=ppt/slides/slide58.xml><?xml version="1.0" encoding="utf-8"?>
 <p:sld xmlns:a="http://schemas.openxmlformats.org/drawingml/2006/main" xmlns:r="http://schemas.openxmlformats.org/officeDocument/2006/relationships" xmlns:p="http://schemas.openxmlformats.org/presentationml/2006/main">
   <p:cSld>
     <p:spTree>
@@ -39467,7 +39967,7 @@
 </p:sld>
 </file>
 
-<file path=ppt/slides/slide56.xml><?xml version="1.0" encoding="utf-8"?>
+<file path=ppt/slides/slide59.xml><?xml version="1.0" encoding="utf-8"?>
 <p:sld xmlns:a="http://schemas.openxmlformats.org/drawingml/2006/main" xmlns:r="http://schemas.openxmlformats.org/officeDocument/2006/relationships" xmlns:p="http://schemas.openxmlformats.org/presentationml/2006/main">
   <p:cSld>
     <p:spTree>
@@ -39770,1903 +40270,6 @@
     <p:extLst>
       <p:ext uri="{BB962C8B-B14F-4D97-AF65-F5344CB8AC3E}">
         <p14:creationId xmlns:p14="http://schemas.microsoft.com/office/powerpoint/2010/main" val="2715313278"/>
-      </p:ext>
-    </p:extLst>
-  </p:cSld>
-  <p:clrMapOvr>
-    <a:masterClrMapping/>
-  </p:clrMapOvr>
-</p:sld>
-</file>
-
-<file path=ppt/slides/slide57.xml><?xml version="1.0" encoding="utf-8"?>
-<p:sld xmlns:a="http://schemas.openxmlformats.org/drawingml/2006/main" xmlns:r="http://schemas.openxmlformats.org/officeDocument/2006/relationships" xmlns:p="http://schemas.openxmlformats.org/presentationml/2006/main">
-  <p:cSld>
-    <p:spTree>
-      <p:nvGrpSpPr>
-        <p:cNvPr id="1" name=""/>
-        <p:cNvGrpSpPr/>
-        <p:nvPr/>
-      </p:nvGrpSpPr>
-      <p:grpSpPr>
-        <a:xfrm>
-          <a:off x="0" y="0"/>
-          <a:ext cx="0" cy="0"/>
-          <a:chOff x="0" y="0"/>
-          <a:chExt cx="0" cy="0"/>
-        </a:xfrm>
-      </p:grpSpPr>
-      <p:sp>
-        <p:nvSpPr>
-          <p:cNvPr id="2" name="Title 1">
-            <a:extLst>
-              <a:ext uri="{FF2B5EF4-FFF2-40B4-BE49-F238E27FC236}">
-                <a16:creationId xmlns:a16="http://schemas.microsoft.com/office/drawing/2014/main" id="{F3A99012-2587-718A-F9B3-3638E1B99DD9}"/>
-              </a:ext>
-            </a:extLst>
-          </p:cNvPr>
-          <p:cNvSpPr>
-            <a:spLocks noGrp="1"/>
-          </p:cNvSpPr>
-          <p:nvPr>
-            <p:ph type="title"/>
-          </p:nvPr>
-        </p:nvSpPr>
-        <p:spPr/>
-        <p:txBody>
-          <a:bodyPr/>
-          <a:lstStyle/>
-          <a:p>
-            <a:r>
-              <a:rPr lang="en-US" dirty="0" err="1"/>
-              <a:t>Comunicando</a:t>
-            </a:r>
-            <a:r>
-              <a:rPr lang="en-US" dirty="0"/>
-              <a:t> API y base de </a:t>
-            </a:r>
-            <a:r>
-              <a:rPr lang="en-US" dirty="0" err="1"/>
-              <a:t>datos</a:t>
-            </a:r>
-          </a:p>
-        </p:txBody>
-      </p:sp>
-      <p:sp>
-        <p:nvSpPr>
-          <p:cNvPr id="3" name="Content Placeholder 2">
-            <a:extLst>
-              <a:ext uri="{FF2B5EF4-FFF2-40B4-BE49-F238E27FC236}">
-                <a16:creationId xmlns:a16="http://schemas.microsoft.com/office/drawing/2014/main" id="{EF8C1078-5C20-3E9B-E5BC-ED52C0CA3F09}"/>
-              </a:ext>
-            </a:extLst>
-          </p:cNvPr>
-          <p:cNvSpPr>
-            <a:spLocks noGrp="1"/>
-          </p:cNvSpPr>
-          <p:nvPr>
-            <p:ph idx="1"/>
-          </p:nvPr>
-        </p:nvSpPr>
-        <p:spPr/>
-        <p:txBody>
-          <a:bodyPr vert="horz" lIns="45720" tIns="45720" rIns="45720" bIns="45720" rtlCol="0" anchor="t">
-            <a:normAutofit/>
-          </a:bodyPr>
-          <a:lstStyle/>
-          <a:p>
-            <a:r>
-              <a:rPr lang="en-US" dirty="0"/>
-              <a:t>Crea </a:t>
-            </a:r>
-            <a:r>
-              <a:rPr lang="en-US" dirty="0" err="1"/>
-              <a:t>una</a:t>
-            </a:r>
-            <a:r>
-              <a:rPr lang="en-US" dirty="0"/>
-              <a:t> red de </a:t>
-            </a:r>
-            <a:r>
-              <a:rPr lang="en-US" dirty="0" err="1"/>
-              <a:t>tipo</a:t>
-            </a:r>
-            <a:r>
-              <a:rPr lang="en-US" dirty="0"/>
-              <a:t> bridge con </a:t>
-            </a:r>
-            <a:r>
-              <a:rPr lang="en-US" dirty="0" err="1"/>
-              <a:t>nombre</a:t>
-            </a:r>
-            <a:r>
-              <a:rPr lang="en-US" dirty="0"/>
-              <a:t> </a:t>
-            </a:r>
-            <a:r>
-              <a:rPr lang="en-US" dirty="0" err="1"/>
-              <a:t>bookReview_network</a:t>
-            </a:r>
-            <a:endParaRPr lang="en-US" dirty="0"/>
-          </a:p>
-          <a:p>
-            <a:r>
-              <a:rPr lang="en-US" dirty="0"/>
-              <a:t>Para y </a:t>
-            </a:r>
-            <a:r>
-              <a:rPr lang="en-US" dirty="0" err="1"/>
-              <a:t>elimina</a:t>
-            </a:r>
-            <a:r>
-              <a:rPr lang="en-US" dirty="0"/>
-              <a:t> </a:t>
-            </a:r>
-            <a:r>
-              <a:rPr lang="en-US" dirty="0" err="1"/>
-              <a:t>los</a:t>
-            </a:r>
-            <a:r>
-              <a:rPr lang="en-US" dirty="0"/>
-              <a:t> </a:t>
-            </a:r>
-            <a:r>
-              <a:rPr lang="en-US" dirty="0" err="1"/>
-              <a:t>contenedores</a:t>
-            </a:r>
-            <a:r>
-              <a:rPr lang="en-US" dirty="0"/>
-              <a:t> de la base de </a:t>
-            </a:r>
-            <a:r>
-              <a:rPr lang="en-US" dirty="0" err="1"/>
-              <a:t>datos</a:t>
-            </a:r>
-            <a:r>
-              <a:rPr lang="en-US" dirty="0"/>
-              <a:t> (</a:t>
-            </a:r>
-            <a:r>
-              <a:rPr lang="en-US" dirty="0" err="1"/>
-              <a:t>bookReview_bdd</a:t>
-            </a:r>
-            <a:r>
-              <a:rPr lang="en-US" dirty="0"/>
-              <a:t>) y de la API (</a:t>
-            </a:r>
-            <a:r>
-              <a:rPr lang="en-US" dirty="0" err="1"/>
-              <a:t>bookRevew_back</a:t>
-            </a:r>
-            <a:r>
-              <a:rPr lang="en-US" dirty="0"/>
-              <a:t>)</a:t>
-            </a:r>
-          </a:p>
-          <a:p>
-            <a:r>
-              <a:rPr lang="en-US" dirty="0"/>
-              <a:t>Vuelve a </a:t>
-            </a:r>
-            <a:r>
-              <a:rPr lang="en-US" dirty="0" err="1"/>
-              <a:t>recrear</a:t>
-            </a:r>
-            <a:r>
-              <a:rPr lang="en-US" dirty="0"/>
-              <a:t> </a:t>
-            </a:r>
-            <a:r>
-              <a:rPr lang="en-US" dirty="0" err="1"/>
-              <a:t>estos</a:t>
-            </a:r>
-            <a:r>
-              <a:rPr lang="en-US" dirty="0"/>
-              <a:t> </a:t>
-            </a:r>
-            <a:r>
-              <a:rPr lang="en-US" dirty="0" err="1"/>
-              <a:t>contenedores</a:t>
-            </a:r>
-            <a:r>
-              <a:rPr lang="en-US" dirty="0"/>
-              <a:t>, </a:t>
-            </a:r>
-            <a:r>
-              <a:rPr lang="en-US" dirty="0" err="1"/>
-              <a:t>pero</a:t>
-            </a:r>
-            <a:r>
-              <a:rPr lang="en-US" dirty="0"/>
-              <a:t> </a:t>
-            </a:r>
-            <a:r>
-              <a:rPr lang="en-US" dirty="0" err="1"/>
-              <a:t>ahora</a:t>
-            </a:r>
-            <a:r>
-              <a:rPr lang="en-US" dirty="0"/>
-              <a:t> </a:t>
-            </a:r>
-            <a:r>
-              <a:rPr lang="en-US" dirty="0" err="1"/>
-              <a:t>conectándolos</a:t>
-            </a:r>
-            <a:r>
-              <a:rPr lang="en-US" dirty="0"/>
-              <a:t> a la red </a:t>
-            </a:r>
-            <a:r>
-              <a:rPr lang="en-US" dirty="0" err="1"/>
-              <a:t>bookReview</a:t>
-            </a:r>
-          </a:p>
-        </p:txBody>
-      </p:sp>
-    </p:spTree>
-    <p:extLst>
-      <p:ext uri="{BB962C8B-B14F-4D97-AF65-F5344CB8AC3E}">
-        <p14:creationId xmlns:p14="http://schemas.microsoft.com/office/powerpoint/2010/main" val="1563564516"/>
-      </p:ext>
-    </p:extLst>
-  </p:cSld>
-  <p:clrMapOvr>
-    <a:masterClrMapping/>
-  </p:clrMapOvr>
-</p:sld>
-</file>
-
-<file path=ppt/slides/slide58.xml><?xml version="1.0" encoding="utf-8"?>
-<p:sld xmlns:a="http://schemas.openxmlformats.org/drawingml/2006/main" xmlns:r="http://schemas.openxmlformats.org/officeDocument/2006/relationships" xmlns:p="http://schemas.openxmlformats.org/presentationml/2006/main">
-  <p:cSld>
-    <p:spTree>
-      <p:nvGrpSpPr>
-        <p:cNvPr id="1" name=""/>
-        <p:cNvGrpSpPr/>
-        <p:nvPr/>
-      </p:nvGrpSpPr>
-      <p:grpSpPr>
-        <a:xfrm>
-          <a:off x="0" y="0"/>
-          <a:ext cx="0" cy="0"/>
-          <a:chOff x="0" y="0"/>
-          <a:chExt cx="0" cy="0"/>
-        </a:xfrm>
-      </p:grpSpPr>
-      <p:sp>
-        <p:nvSpPr>
-          <p:cNvPr id="2" name="Title 1">
-            <a:extLst>
-              <a:ext uri="{FF2B5EF4-FFF2-40B4-BE49-F238E27FC236}">
-                <a16:creationId xmlns:a16="http://schemas.microsoft.com/office/drawing/2014/main" id="{C1DD615F-64D5-DDB4-3D6E-1CB6EE049D25}"/>
-              </a:ext>
-            </a:extLst>
-          </p:cNvPr>
-          <p:cNvSpPr>
-            <a:spLocks noGrp="1"/>
-          </p:cNvSpPr>
-          <p:nvPr>
-            <p:ph type="title"/>
-          </p:nvPr>
-        </p:nvSpPr>
-        <p:spPr/>
-        <p:txBody>
-          <a:bodyPr/>
-          <a:lstStyle/>
-          <a:p>
-            <a:r>
-              <a:rPr lang="en-US"/>
-              <a:t>Docker Compose</a:t>
-            </a:r>
-          </a:p>
-        </p:txBody>
-      </p:sp>
-      <p:sp>
-        <p:nvSpPr>
-          <p:cNvPr id="3" name="Content Placeholder 2">
-            <a:extLst>
-              <a:ext uri="{FF2B5EF4-FFF2-40B4-BE49-F238E27FC236}">
-                <a16:creationId xmlns:a16="http://schemas.microsoft.com/office/drawing/2014/main" id="{8A7921A7-8953-6A98-8467-15B3FADD51E1}"/>
-              </a:ext>
-            </a:extLst>
-          </p:cNvPr>
-          <p:cNvSpPr>
-            <a:spLocks noGrp="1"/>
-          </p:cNvSpPr>
-          <p:nvPr>
-            <p:ph idx="1"/>
-          </p:nvPr>
-        </p:nvSpPr>
-        <p:spPr/>
-        <p:txBody>
-          <a:bodyPr vert="horz" lIns="45720" tIns="45720" rIns="45720" bIns="45720" rtlCol="0" anchor="t">
-            <a:normAutofit fontScale="92500" lnSpcReduction="10000"/>
-          </a:bodyPr>
-          <a:lstStyle/>
-          <a:p>
-            <a:r>
-              <a:rPr lang="en-US" dirty="0" err="1"/>
-              <a:t>Herramienta</a:t>
-            </a:r>
-            <a:r>
-              <a:rPr lang="en-US" dirty="0"/>
-              <a:t> que </a:t>
-            </a:r>
-            <a:r>
-              <a:rPr lang="en-US" dirty="0" err="1"/>
-              <a:t>permite</a:t>
-            </a:r>
-            <a:r>
-              <a:rPr lang="en-US" dirty="0"/>
-              <a:t> </a:t>
-            </a:r>
-            <a:r>
-              <a:rPr lang="en-US" dirty="0" err="1"/>
-              <a:t>definir</a:t>
-            </a:r>
-            <a:r>
-              <a:rPr lang="en-US" dirty="0"/>
-              <a:t> y </a:t>
-            </a:r>
-            <a:r>
-              <a:rPr lang="en-US" dirty="0" err="1"/>
-              <a:t>ejecutar</a:t>
-            </a:r>
-            <a:r>
-              <a:rPr lang="en-US" dirty="0"/>
-              <a:t> </a:t>
-            </a:r>
-            <a:r>
-              <a:rPr lang="en-US" dirty="0" err="1"/>
-              <a:t>múltiples</a:t>
-            </a:r>
-            <a:r>
-              <a:rPr lang="en-US" dirty="0"/>
-              <a:t> </a:t>
-            </a:r>
-            <a:r>
-              <a:rPr lang="en-US" dirty="0" err="1"/>
-              <a:t>contenedores</a:t>
-            </a:r>
-            <a:r>
-              <a:rPr lang="en-US" dirty="0"/>
-              <a:t> </a:t>
-            </a:r>
-            <a:r>
-              <a:rPr lang="en-US" dirty="0" err="1"/>
-              <a:t>en</a:t>
-            </a:r>
-            <a:r>
-              <a:rPr lang="en-US" dirty="0"/>
-              <a:t> un solo </a:t>
-            </a:r>
-            <a:r>
-              <a:rPr lang="en-US" dirty="0" err="1"/>
-              <a:t>archivo</a:t>
-            </a:r>
-            <a:r>
-              <a:rPr lang="en-US" dirty="0"/>
-              <a:t> de </a:t>
-            </a:r>
-            <a:r>
-              <a:rPr lang="en-US" dirty="0" err="1"/>
-              <a:t>texto</a:t>
-            </a:r>
-            <a:r>
-              <a:rPr lang="en-US" dirty="0"/>
-              <a:t>: </a:t>
-            </a:r>
-            <a:r>
-              <a:rPr lang="en-US" dirty="0">
-                <a:latin typeface="Consolas"/>
-              </a:rPr>
-              <a:t>docker-</a:t>
-            </a:r>
-            <a:r>
-              <a:rPr lang="en-US" dirty="0" err="1">
-                <a:latin typeface="Consolas"/>
-              </a:rPr>
-              <a:t>compose.yml</a:t>
-            </a:r>
-            <a:endParaRPr lang="en-US" dirty="0">
-              <a:latin typeface="Consolas"/>
-            </a:endParaRPr>
-          </a:p>
-          <a:p>
-            <a:r>
-              <a:rPr lang="en-US" dirty="0" err="1"/>
-              <a:t>Sustutiye</a:t>
-            </a:r>
-            <a:r>
-              <a:rPr lang="en-US" dirty="0"/>
-              <a:t> la </a:t>
-            </a:r>
-            <a:r>
-              <a:rPr lang="en-US" dirty="0" err="1"/>
-              <a:t>ejecución</a:t>
-            </a:r>
-            <a:r>
-              <a:rPr lang="en-US" dirty="0"/>
-              <a:t> de </a:t>
-            </a:r>
-            <a:r>
-              <a:rPr lang="en-US" dirty="0">
-                <a:latin typeface="Consolas"/>
-              </a:rPr>
-              <a:t>docker run</a:t>
-            </a:r>
-            <a:r>
-              <a:rPr lang="en-US" dirty="0"/>
-              <a:t>, </a:t>
-            </a:r>
-            <a:r>
-              <a:rPr lang="en-US" dirty="0" err="1"/>
-              <a:t>así</a:t>
-            </a:r>
-            <a:r>
-              <a:rPr lang="en-US" dirty="0"/>
-              <a:t> </a:t>
-            </a:r>
-            <a:r>
-              <a:rPr lang="en-US" dirty="0" err="1"/>
-              <a:t>como</a:t>
-            </a:r>
-            <a:r>
-              <a:rPr lang="en-US" dirty="0"/>
-              <a:t> de </a:t>
-            </a:r>
-            <a:r>
-              <a:rPr lang="en-US" dirty="0">
-                <a:latin typeface="Consolas"/>
-              </a:rPr>
-              <a:t>docker network create </a:t>
-            </a:r>
-            <a:r>
-              <a:rPr lang="en-US" dirty="0"/>
-              <a:t>y</a:t>
-            </a:r>
-            <a:r>
-              <a:rPr lang="en-US" dirty="0">
-                <a:latin typeface="Consolas"/>
-              </a:rPr>
-              <a:t> network volume create</a:t>
-            </a:r>
-          </a:p>
-          <a:p>
-            <a:pPr>
-              <a:buFont typeface="Tw Cen MT" pitchFamily="18" charset="2"/>
-              <a:buChar char=" "/>
-            </a:pPr>
-            <a:r>
-              <a:rPr lang="en-US" dirty="0"/>
-              <a:t>Archivo </a:t>
-            </a:r>
-            <a:r>
-              <a:rPr lang="en-US" dirty="0" err="1"/>
-              <a:t>en</a:t>
-            </a:r>
-            <a:r>
-              <a:rPr lang="en-US" dirty="0"/>
-              <a:t> </a:t>
-            </a:r>
-            <a:r>
-              <a:rPr lang="en-US" dirty="0" err="1"/>
-              <a:t>formato</a:t>
-            </a:r>
-            <a:r>
-              <a:rPr lang="en-US" dirty="0"/>
-              <a:t> YAML</a:t>
-            </a:r>
-          </a:p>
-          <a:p>
-            <a:pPr marL="264795" lvl="1"/>
-            <a:r>
-              <a:rPr lang="en-US" dirty="0" err="1">
-                <a:ea typeface="+mn-lt"/>
-                <a:cs typeface="+mn-lt"/>
-              </a:rPr>
-              <a:t>Uso</a:t>
-            </a:r>
-            <a:r>
-              <a:rPr lang="en-US" dirty="0">
-                <a:ea typeface="+mn-lt"/>
-                <a:cs typeface="+mn-lt"/>
-              </a:rPr>
-              <a:t> de </a:t>
-            </a:r>
-            <a:r>
-              <a:rPr lang="en-US" dirty="0" err="1">
-                <a:ea typeface="+mn-lt"/>
-                <a:cs typeface="+mn-lt"/>
-              </a:rPr>
-              <a:t>sangrías</a:t>
-            </a:r>
-            <a:r>
-              <a:rPr lang="en-US" dirty="0">
-                <a:ea typeface="+mn-lt"/>
-                <a:cs typeface="+mn-lt"/>
-              </a:rPr>
-              <a:t>: Las </a:t>
-            </a:r>
-            <a:r>
-              <a:rPr lang="en-US" dirty="0" err="1">
-                <a:ea typeface="+mn-lt"/>
-                <a:cs typeface="+mn-lt"/>
-              </a:rPr>
-              <a:t>estructuras</a:t>
-            </a:r>
-            <a:r>
-              <a:rPr lang="en-US" dirty="0">
-                <a:ea typeface="+mn-lt"/>
-                <a:cs typeface="+mn-lt"/>
-              </a:rPr>
-              <a:t> de </a:t>
-            </a:r>
-            <a:r>
-              <a:rPr lang="en-US" dirty="0" err="1">
-                <a:ea typeface="+mn-lt"/>
-                <a:cs typeface="+mn-lt"/>
-              </a:rPr>
-              <a:t>datos</a:t>
-            </a:r>
-            <a:r>
-              <a:rPr lang="en-US" dirty="0">
-                <a:ea typeface="+mn-lt"/>
-                <a:cs typeface="+mn-lt"/>
-              </a:rPr>
-              <a:t> </a:t>
-            </a:r>
-            <a:r>
-              <a:rPr lang="en-US" dirty="0" err="1">
-                <a:ea typeface="+mn-lt"/>
-                <a:cs typeface="+mn-lt"/>
-              </a:rPr>
-              <a:t>en</a:t>
-            </a:r>
-            <a:r>
-              <a:rPr lang="en-US" dirty="0">
-                <a:ea typeface="+mn-lt"/>
-                <a:cs typeface="+mn-lt"/>
-              </a:rPr>
-              <a:t> YAML se </a:t>
-            </a:r>
-            <a:r>
-              <a:rPr lang="en-US" dirty="0" err="1">
-                <a:ea typeface="+mn-lt"/>
-                <a:cs typeface="+mn-lt"/>
-              </a:rPr>
-              <a:t>definen</a:t>
-            </a:r>
-            <a:r>
-              <a:rPr lang="en-US" dirty="0">
-                <a:ea typeface="+mn-lt"/>
-                <a:cs typeface="+mn-lt"/>
-              </a:rPr>
-              <a:t> </a:t>
-            </a:r>
-            <a:r>
-              <a:rPr lang="en-US" dirty="0" err="1">
-                <a:ea typeface="+mn-lt"/>
-                <a:cs typeface="+mn-lt"/>
-              </a:rPr>
-              <a:t>mediante</a:t>
-            </a:r>
-            <a:r>
-              <a:rPr lang="en-US" dirty="0">
-                <a:ea typeface="+mn-lt"/>
-                <a:cs typeface="+mn-lt"/>
-              </a:rPr>
-              <a:t> </a:t>
-            </a:r>
-            <a:r>
-              <a:rPr lang="en-US" dirty="0" err="1">
-                <a:ea typeface="+mn-lt"/>
-                <a:cs typeface="+mn-lt"/>
-              </a:rPr>
-              <a:t>el</a:t>
-            </a:r>
-            <a:r>
-              <a:rPr lang="en-US" dirty="0">
-                <a:ea typeface="+mn-lt"/>
-                <a:cs typeface="+mn-lt"/>
-              </a:rPr>
-              <a:t> </a:t>
-            </a:r>
-            <a:r>
-              <a:rPr lang="en-US" dirty="0" err="1">
-                <a:ea typeface="+mn-lt"/>
-                <a:cs typeface="+mn-lt"/>
-              </a:rPr>
-              <a:t>uso</a:t>
-            </a:r>
-            <a:r>
-              <a:rPr lang="en-US" dirty="0">
-                <a:ea typeface="+mn-lt"/>
-                <a:cs typeface="+mn-lt"/>
-              </a:rPr>
-              <a:t> de </a:t>
-            </a:r>
-            <a:r>
-              <a:rPr lang="en-US" dirty="0" err="1">
-                <a:ea typeface="+mn-lt"/>
-                <a:cs typeface="+mn-lt"/>
-              </a:rPr>
-              <a:t>sangrías</a:t>
-            </a:r>
-            <a:r>
-              <a:rPr lang="en-US" dirty="0">
-                <a:ea typeface="+mn-lt"/>
-                <a:cs typeface="+mn-lt"/>
-              </a:rPr>
-              <a:t> o </a:t>
-            </a:r>
-            <a:r>
-              <a:rPr lang="en-US" dirty="0" err="1">
-                <a:ea typeface="+mn-lt"/>
-                <a:cs typeface="+mn-lt"/>
-              </a:rPr>
-              <a:t>tabulaciones</a:t>
-            </a:r>
-            <a:r>
-              <a:rPr lang="en-US" dirty="0">
-                <a:ea typeface="+mn-lt"/>
-                <a:cs typeface="+mn-lt"/>
-              </a:rPr>
-              <a:t> para </a:t>
-            </a:r>
-            <a:r>
-              <a:rPr lang="en-US" dirty="0" err="1">
-                <a:ea typeface="+mn-lt"/>
-                <a:cs typeface="+mn-lt"/>
-              </a:rPr>
-              <a:t>denotar</a:t>
-            </a:r>
-            <a:r>
-              <a:rPr lang="en-US" dirty="0">
-                <a:ea typeface="+mn-lt"/>
-                <a:cs typeface="+mn-lt"/>
-              </a:rPr>
-              <a:t> la </a:t>
-            </a:r>
-            <a:r>
-              <a:rPr lang="en-US" dirty="0" err="1">
-                <a:ea typeface="+mn-lt"/>
-                <a:cs typeface="+mn-lt"/>
-              </a:rPr>
-              <a:t>jerarquía</a:t>
-            </a:r>
-            <a:r>
-              <a:rPr lang="en-US" dirty="0">
-                <a:ea typeface="+mn-lt"/>
-                <a:cs typeface="+mn-lt"/>
-              </a:rPr>
-              <a:t> de </a:t>
-            </a:r>
-            <a:r>
-              <a:rPr lang="en-US" dirty="0" err="1">
-                <a:ea typeface="+mn-lt"/>
-                <a:cs typeface="+mn-lt"/>
-              </a:rPr>
-              <a:t>los</a:t>
-            </a:r>
-            <a:r>
-              <a:rPr lang="en-US" dirty="0">
-                <a:ea typeface="+mn-lt"/>
-                <a:cs typeface="+mn-lt"/>
-              </a:rPr>
-              <a:t> </a:t>
-            </a:r>
-            <a:r>
-              <a:rPr lang="en-US" dirty="0" err="1">
-                <a:ea typeface="+mn-lt"/>
-                <a:cs typeface="+mn-lt"/>
-              </a:rPr>
-              <a:t>elementos</a:t>
-            </a:r>
-            <a:r>
-              <a:rPr lang="en-US" dirty="0">
-                <a:ea typeface="+mn-lt"/>
-                <a:cs typeface="+mn-lt"/>
-              </a:rPr>
-              <a:t>.</a:t>
-            </a:r>
-            <a:endParaRPr lang="en-US" dirty="0"/>
-          </a:p>
-          <a:p>
-            <a:pPr marL="264795" lvl="1"/>
-            <a:r>
-              <a:rPr lang="en-US" dirty="0">
-                <a:ea typeface="+mn-lt"/>
-                <a:cs typeface="+mn-lt"/>
-              </a:rPr>
-              <a:t>Claves-Valor: YAML </a:t>
-            </a:r>
-            <a:r>
-              <a:rPr lang="en-US" dirty="0" err="1">
-                <a:ea typeface="+mn-lt"/>
-                <a:cs typeface="+mn-lt"/>
-              </a:rPr>
-              <a:t>está</a:t>
-            </a:r>
-            <a:r>
-              <a:rPr lang="en-US" dirty="0">
-                <a:ea typeface="+mn-lt"/>
-                <a:cs typeface="+mn-lt"/>
-              </a:rPr>
-              <a:t> </a:t>
-            </a:r>
-            <a:r>
-              <a:rPr lang="en-US" dirty="0" err="1">
-                <a:ea typeface="+mn-lt"/>
-                <a:cs typeface="+mn-lt"/>
-              </a:rPr>
-              <a:t>basado</a:t>
-            </a:r>
-            <a:r>
-              <a:rPr lang="en-US" dirty="0">
-                <a:ea typeface="+mn-lt"/>
-                <a:cs typeface="+mn-lt"/>
-              </a:rPr>
-              <a:t> </a:t>
-            </a:r>
-            <a:r>
-              <a:rPr lang="en-US" dirty="0" err="1">
-                <a:ea typeface="+mn-lt"/>
-                <a:cs typeface="+mn-lt"/>
-              </a:rPr>
-              <a:t>en</a:t>
-            </a:r>
-            <a:r>
-              <a:rPr lang="en-US" dirty="0">
-                <a:ea typeface="+mn-lt"/>
-                <a:cs typeface="+mn-lt"/>
-              </a:rPr>
-              <a:t> </a:t>
-            </a:r>
-            <a:r>
-              <a:rPr lang="en-US" dirty="0" err="1">
-                <a:ea typeface="+mn-lt"/>
-                <a:cs typeface="+mn-lt"/>
-              </a:rPr>
-              <a:t>una</a:t>
-            </a:r>
-            <a:r>
-              <a:rPr lang="en-US" dirty="0">
-                <a:ea typeface="+mn-lt"/>
-                <a:cs typeface="+mn-lt"/>
-              </a:rPr>
-              <a:t> </a:t>
-            </a:r>
-            <a:r>
-              <a:rPr lang="en-US" dirty="0" err="1">
-                <a:ea typeface="+mn-lt"/>
-                <a:cs typeface="+mn-lt"/>
-              </a:rPr>
-              <a:t>estructura</a:t>
-            </a:r>
-            <a:r>
-              <a:rPr lang="en-US" dirty="0">
-                <a:ea typeface="+mn-lt"/>
-                <a:cs typeface="+mn-lt"/>
-              </a:rPr>
-              <a:t> de claves y </a:t>
-            </a:r>
-            <a:r>
-              <a:rPr lang="en-US" dirty="0" err="1">
-                <a:ea typeface="+mn-lt"/>
-                <a:cs typeface="+mn-lt"/>
-              </a:rPr>
-              <a:t>valores</a:t>
-            </a:r>
-            <a:r>
-              <a:rPr lang="en-US" dirty="0">
-                <a:ea typeface="+mn-lt"/>
-                <a:cs typeface="+mn-lt"/>
-              </a:rPr>
-              <a:t>, </a:t>
-            </a:r>
-            <a:r>
-              <a:rPr lang="en-US" dirty="0" err="1">
-                <a:ea typeface="+mn-lt"/>
-                <a:cs typeface="+mn-lt"/>
-              </a:rPr>
-              <a:t>donde</a:t>
-            </a:r>
-            <a:r>
-              <a:rPr lang="en-US" dirty="0">
-                <a:ea typeface="+mn-lt"/>
-                <a:cs typeface="+mn-lt"/>
-              </a:rPr>
-              <a:t> </a:t>
-            </a:r>
-            <a:r>
-              <a:rPr lang="en-US" dirty="0" err="1">
-                <a:ea typeface="+mn-lt"/>
-                <a:cs typeface="+mn-lt"/>
-              </a:rPr>
-              <a:t>cada</a:t>
-            </a:r>
-            <a:r>
-              <a:rPr lang="en-US" dirty="0">
-                <a:ea typeface="+mn-lt"/>
-                <a:cs typeface="+mn-lt"/>
-              </a:rPr>
-              <a:t> </a:t>
-            </a:r>
-            <a:r>
-              <a:rPr lang="en-US" dirty="0" err="1">
-                <a:ea typeface="+mn-lt"/>
-                <a:cs typeface="+mn-lt"/>
-              </a:rPr>
-              <a:t>elemento</a:t>
-            </a:r>
-            <a:r>
-              <a:rPr lang="en-US" dirty="0">
-                <a:ea typeface="+mn-lt"/>
-                <a:cs typeface="+mn-lt"/>
-              </a:rPr>
-              <a:t> </a:t>
-            </a:r>
-            <a:r>
-              <a:rPr lang="en-US" dirty="0" err="1">
-                <a:ea typeface="+mn-lt"/>
-                <a:cs typeface="+mn-lt"/>
-              </a:rPr>
-              <a:t>tiene</a:t>
-            </a:r>
-            <a:r>
-              <a:rPr lang="en-US" dirty="0">
-                <a:ea typeface="+mn-lt"/>
-                <a:cs typeface="+mn-lt"/>
-              </a:rPr>
-              <a:t> </a:t>
-            </a:r>
-            <a:r>
-              <a:rPr lang="en-US" dirty="0" err="1">
-                <a:ea typeface="+mn-lt"/>
-                <a:cs typeface="+mn-lt"/>
-              </a:rPr>
-              <a:t>una</a:t>
-            </a:r>
-            <a:r>
-              <a:rPr lang="en-US" dirty="0">
-                <a:ea typeface="+mn-lt"/>
-                <a:cs typeface="+mn-lt"/>
-              </a:rPr>
-              <a:t> clave </a:t>
-            </a:r>
-            <a:r>
-              <a:rPr lang="en-US" dirty="0" err="1">
-                <a:ea typeface="+mn-lt"/>
-                <a:cs typeface="+mn-lt"/>
-              </a:rPr>
-              <a:t>única</a:t>
-            </a:r>
-            <a:r>
-              <a:rPr lang="en-US" dirty="0">
-                <a:ea typeface="+mn-lt"/>
-                <a:cs typeface="+mn-lt"/>
-              </a:rPr>
-              <a:t> y un valor </a:t>
-            </a:r>
-            <a:r>
-              <a:rPr lang="en-US" dirty="0" err="1">
-                <a:ea typeface="+mn-lt"/>
-                <a:cs typeface="+mn-lt"/>
-              </a:rPr>
-              <a:t>asociado</a:t>
-            </a:r>
-            <a:r>
-              <a:rPr lang="en-US" dirty="0">
-                <a:ea typeface="+mn-lt"/>
-                <a:cs typeface="+mn-lt"/>
-              </a:rPr>
-              <a:t>.</a:t>
-            </a:r>
-          </a:p>
-          <a:p>
-            <a:pPr>
-              <a:buFont typeface="Tw Cen MT" pitchFamily="18" charset="2"/>
-              <a:buChar char=" "/>
-            </a:pPr>
-            <a:r>
-              <a:rPr lang="en-US" dirty="0" err="1">
-                <a:ea typeface="+mn-lt"/>
-                <a:cs typeface="+mn-lt"/>
-              </a:rPr>
-              <a:t>Utilizaremos</a:t>
-            </a:r>
-            <a:r>
-              <a:rPr lang="en-US" dirty="0">
-                <a:ea typeface="+mn-lt"/>
-                <a:cs typeface="+mn-lt"/>
-              </a:rPr>
-              <a:t> </a:t>
-            </a:r>
-            <a:r>
-              <a:rPr lang="en-US" dirty="0" err="1">
-                <a:ea typeface="+mn-lt"/>
-                <a:cs typeface="+mn-lt"/>
-              </a:rPr>
-              <a:t>tres</a:t>
-            </a:r>
-            <a:r>
-              <a:rPr lang="en-US" dirty="0">
-                <a:ea typeface="+mn-lt"/>
-                <a:cs typeface="+mn-lt"/>
-              </a:rPr>
-              <a:t> </a:t>
-            </a:r>
-            <a:r>
-              <a:rPr lang="en-US" dirty="0" err="1">
-                <a:ea typeface="+mn-lt"/>
-                <a:cs typeface="+mn-lt"/>
-              </a:rPr>
-              <a:t>tipos</a:t>
-            </a:r>
-            <a:r>
-              <a:rPr lang="en-US" dirty="0">
-                <a:ea typeface="+mn-lt"/>
-                <a:cs typeface="+mn-lt"/>
-              </a:rPr>
-              <a:t> de </a:t>
-            </a:r>
-            <a:r>
-              <a:rPr lang="en-US" dirty="0" err="1">
-                <a:ea typeface="+mn-lt"/>
-                <a:cs typeface="+mn-lt"/>
-              </a:rPr>
-              <a:t>elementos</a:t>
-            </a:r>
-            <a:r>
-              <a:rPr lang="en-US" dirty="0">
-                <a:ea typeface="+mn-lt"/>
-                <a:cs typeface="+mn-lt"/>
-              </a:rPr>
-              <a:t> </a:t>
-            </a:r>
-            <a:r>
-              <a:rPr lang="en-US" dirty="0" err="1">
-                <a:ea typeface="+mn-lt"/>
-                <a:cs typeface="+mn-lt"/>
-              </a:rPr>
-              <a:t>en</a:t>
-            </a:r>
-            <a:r>
-              <a:rPr lang="en-US" dirty="0">
-                <a:ea typeface="+mn-lt"/>
-                <a:cs typeface="+mn-lt"/>
-              </a:rPr>
-              <a:t> </a:t>
-            </a:r>
-            <a:r>
-              <a:rPr lang="en-US" dirty="0" err="1">
-                <a:ea typeface="+mn-lt"/>
-                <a:cs typeface="+mn-lt"/>
-              </a:rPr>
-              <a:t>el</a:t>
-            </a:r>
-            <a:r>
-              <a:rPr lang="en-US" dirty="0">
-                <a:ea typeface="+mn-lt"/>
-                <a:cs typeface="+mn-lt"/>
-              </a:rPr>
-              <a:t> </a:t>
-            </a:r>
-            <a:r>
-              <a:rPr lang="en-US" dirty="0" err="1">
-                <a:ea typeface="+mn-lt"/>
-                <a:cs typeface="+mn-lt"/>
-              </a:rPr>
-              <a:t>nivel</a:t>
-            </a:r>
-            <a:r>
-              <a:rPr lang="en-US" dirty="0">
-                <a:ea typeface="+mn-lt"/>
-                <a:cs typeface="+mn-lt"/>
-              </a:rPr>
-              <a:t> </a:t>
-            </a:r>
-            <a:r>
-              <a:rPr lang="en-US" dirty="0" err="1">
-                <a:ea typeface="+mn-lt"/>
-                <a:cs typeface="+mn-lt"/>
-              </a:rPr>
-              <a:t>jerárquico</a:t>
-            </a:r>
-            <a:r>
-              <a:rPr lang="en-US" dirty="0">
-                <a:ea typeface="+mn-lt"/>
-                <a:cs typeface="+mn-lt"/>
-              </a:rPr>
-              <a:t> superior (sin </a:t>
-            </a:r>
-            <a:r>
-              <a:rPr lang="en-US" dirty="0" err="1">
-                <a:ea typeface="+mn-lt"/>
-                <a:cs typeface="+mn-lt"/>
-              </a:rPr>
-              <a:t>indentar</a:t>
-            </a:r>
-            <a:r>
-              <a:rPr lang="en-US" dirty="0">
-                <a:ea typeface="+mn-lt"/>
-                <a:cs typeface="+mn-lt"/>
-              </a:rPr>
-              <a:t>): </a:t>
-            </a:r>
-            <a:endParaRPr lang="en-US" dirty="0"/>
-          </a:p>
-          <a:p>
-            <a:pPr marL="264795" lvl="1"/>
-            <a:r>
-              <a:rPr lang="en-US" dirty="0">
-                <a:ea typeface="+mn-lt"/>
-                <a:cs typeface="+mn-lt"/>
-              </a:rPr>
-              <a:t>networks: Define las redes que se van a </a:t>
-            </a:r>
-            <a:r>
-              <a:rPr lang="en-US" dirty="0" err="1">
-                <a:ea typeface="+mn-lt"/>
-                <a:cs typeface="+mn-lt"/>
-              </a:rPr>
-              <a:t>conectar</a:t>
-            </a:r>
-            <a:r>
-              <a:rPr lang="en-US" dirty="0">
-                <a:ea typeface="+mn-lt"/>
-                <a:cs typeface="+mn-lt"/>
-              </a:rPr>
-              <a:t> a </a:t>
-            </a:r>
-            <a:r>
-              <a:rPr lang="en-US" dirty="0" err="1">
-                <a:ea typeface="+mn-lt"/>
-                <a:cs typeface="+mn-lt"/>
-              </a:rPr>
-              <a:t>los</a:t>
-            </a:r>
-            <a:r>
-              <a:rPr lang="en-US" dirty="0">
-                <a:ea typeface="+mn-lt"/>
-                <a:cs typeface="+mn-lt"/>
-              </a:rPr>
-              <a:t> </a:t>
-            </a:r>
-            <a:r>
-              <a:rPr lang="en-US" dirty="0" err="1">
-                <a:ea typeface="+mn-lt"/>
-                <a:cs typeface="+mn-lt"/>
-              </a:rPr>
-              <a:t>contenedores</a:t>
-            </a:r>
-            <a:r>
-              <a:rPr lang="en-US" dirty="0">
-                <a:ea typeface="+mn-lt"/>
-                <a:cs typeface="+mn-lt"/>
-              </a:rPr>
-              <a:t> </a:t>
-            </a:r>
-          </a:p>
-          <a:p>
-            <a:pPr marL="264795" lvl="1"/>
-            <a:r>
-              <a:rPr lang="en-US" dirty="0">
-                <a:ea typeface="+mn-lt"/>
-                <a:cs typeface="+mn-lt"/>
-              </a:rPr>
-              <a:t>services: Define </a:t>
-            </a:r>
-            <a:r>
-              <a:rPr lang="en-US" dirty="0" err="1">
-                <a:ea typeface="+mn-lt"/>
-                <a:cs typeface="+mn-lt"/>
-              </a:rPr>
-              <a:t>los</a:t>
-            </a:r>
-            <a:r>
-              <a:rPr lang="en-US" dirty="0">
-                <a:ea typeface="+mn-lt"/>
-                <a:cs typeface="+mn-lt"/>
-              </a:rPr>
-              <a:t> </a:t>
-            </a:r>
-            <a:r>
-              <a:rPr lang="en-US" dirty="0" err="1">
-                <a:ea typeface="+mn-lt"/>
-                <a:cs typeface="+mn-lt"/>
-              </a:rPr>
-              <a:t>contenedores</a:t>
-            </a:r>
-            <a:r>
-              <a:rPr lang="en-US" dirty="0">
-                <a:ea typeface="+mn-lt"/>
-                <a:cs typeface="+mn-lt"/>
-              </a:rPr>
-              <a:t> </a:t>
-            </a:r>
-          </a:p>
-          <a:p>
-            <a:pPr marL="264795" lvl="1"/>
-            <a:r>
-              <a:rPr lang="en-US" dirty="0">
-                <a:ea typeface="+mn-lt"/>
-                <a:cs typeface="+mn-lt"/>
-              </a:rPr>
-              <a:t>volumes: Define </a:t>
-            </a:r>
-            <a:r>
-              <a:rPr lang="en-US" dirty="0" err="1">
-                <a:ea typeface="+mn-lt"/>
-                <a:cs typeface="+mn-lt"/>
-              </a:rPr>
-              <a:t>los</a:t>
-            </a:r>
-            <a:r>
-              <a:rPr lang="en-US" dirty="0">
-                <a:ea typeface="+mn-lt"/>
-                <a:cs typeface="+mn-lt"/>
-              </a:rPr>
-              <a:t> </a:t>
-            </a:r>
-            <a:r>
-              <a:rPr lang="en-US" dirty="0" err="1">
-                <a:ea typeface="+mn-lt"/>
-                <a:cs typeface="+mn-lt"/>
-              </a:rPr>
-              <a:t>volúmenes</a:t>
-            </a:r>
-            <a:r>
-              <a:rPr lang="en-US" dirty="0">
-                <a:ea typeface="+mn-lt"/>
-                <a:cs typeface="+mn-lt"/>
-              </a:rPr>
-              <a:t> que se </a:t>
-            </a:r>
-            <a:r>
-              <a:rPr lang="en-US" dirty="0" err="1">
-                <a:ea typeface="+mn-lt"/>
-                <a:cs typeface="+mn-lt"/>
-              </a:rPr>
-              <a:t>va</a:t>
-            </a:r>
-            <a:r>
-              <a:rPr lang="en-US" dirty="0">
-                <a:ea typeface="+mn-lt"/>
-                <a:cs typeface="+mn-lt"/>
-              </a:rPr>
-              <a:t> a </a:t>
-            </a:r>
-            <a:r>
-              <a:rPr lang="en-US" dirty="0" err="1">
-                <a:ea typeface="+mn-lt"/>
-                <a:cs typeface="+mn-lt"/>
-              </a:rPr>
-              <a:t>asociar</a:t>
-            </a:r>
-            <a:r>
-              <a:rPr lang="en-US" dirty="0">
-                <a:ea typeface="+mn-lt"/>
-                <a:cs typeface="+mn-lt"/>
-              </a:rPr>
-              <a:t> a </a:t>
-            </a:r>
-            <a:r>
-              <a:rPr lang="en-US" dirty="0" err="1">
-                <a:ea typeface="+mn-lt"/>
-                <a:cs typeface="+mn-lt"/>
-              </a:rPr>
-              <a:t>los</a:t>
-            </a:r>
-            <a:r>
-              <a:rPr lang="en-US" dirty="0">
-                <a:ea typeface="+mn-lt"/>
-                <a:cs typeface="+mn-lt"/>
-              </a:rPr>
-              <a:t> </a:t>
-            </a:r>
-            <a:r>
-              <a:rPr lang="en-US" dirty="0" err="1">
-                <a:ea typeface="+mn-lt"/>
-                <a:cs typeface="+mn-lt"/>
-              </a:rPr>
-              <a:t>contenedores</a:t>
-            </a:r>
-            <a:endParaRPr lang="en-US" dirty="0">
-              <a:ea typeface="+mn-lt"/>
-              <a:cs typeface="+mn-lt"/>
-            </a:endParaRPr>
-          </a:p>
-        </p:txBody>
-      </p:sp>
-    </p:spTree>
-    <p:extLst>
-      <p:ext uri="{BB962C8B-B14F-4D97-AF65-F5344CB8AC3E}">
-        <p14:creationId xmlns:p14="http://schemas.microsoft.com/office/powerpoint/2010/main" val="1769932685"/>
-      </p:ext>
-    </p:extLst>
-  </p:cSld>
-  <p:clrMapOvr>
-    <a:masterClrMapping/>
-  </p:clrMapOvr>
-</p:sld>
-</file>
-
-<file path=ppt/slides/slide59.xml><?xml version="1.0" encoding="utf-8"?>
-<p:sld xmlns:a="http://schemas.openxmlformats.org/drawingml/2006/main" xmlns:r="http://schemas.openxmlformats.org/officeDocument/2006/relationships" xmlns:p="http://schemas.openxmlformats.org/presentationml/2006/main">
-  <p:cSld>
-    <p:spTree>
-      <p:nvGrpSpPr>
-        <p:cNvPr id="1" name=""/>
-        <p:cNvGrpSpPr/>
-        <p:nvPr/>
-      </p:nvGrpSpPr>
-      <p:grpSpPr>
-        <a:xfrm>
-          <a:off x="0" y="0"/>
-          <a:ext cx="0" cy="0"/>
-          <a:chOff x="0" y="0"/>
-          <a:chExt cx="0" cy="0"/>
-        </a:xfrm>
-      </p:grpSpPr>
-      <p:sp>
-        <p:nvSpPr>
-          <p:cNvPr id="2" name="Title 1">
-            <a:extLst>
-              <a:ext uri="{FF2B5EF4-FFF2-40B4-BE49-F238E27FC236}">
-                <a16:creationId xmlns:a16="http://schemas.microsoft.com/office/drawing/2014/main" id="{58B7934E-9ADF-93A8-F24C-BBC817D0B60A}"/>
-              </a:ext>
-            </a:extLst>
-          </p:cNvPr>
-          <p:cNvSpPr>
-            <a:spLocks noGrp="1"/>
-          </p:cNvSpPr>
-          <p:nvPr>
-            <p:ph type="title"/>
-          </p:nvPr>
-        </p:nvSpPr>
-        <p:spPr/>
-        <p:txBody>
-          <a:bodyPr/>
-          <a:lstStyle/>
-          <a:p>
-            <a:r>
-              <a:rPr lang="en-US" dirty="0" err="1"/>
-              <a:t>Pequeña</a:t>
-            </a:r>
-            <a:r>
-              <a:rPr lang="en-US" dirty="0"/>
-              <a:t> </a:t>
-            </a:r>
-            <a:r>
-              <a:rPr lang="en-US" dirty="0" err="1"/>
-              <a:t>referencia</a:t>
-            </a:r>
-            <a:r>
-              <a:rPr lang="en-US" dirty="0"/>
-              <a:t> de Docker Compose</a:t>
-            </a:r>
-          </a:p>
-        </p:txBody>
-      </p:sp>
-      <p:sp>
-        <p:nvSpPr>
-          <p:cNvPr id="3" name="Content Placeholder 2">
-            <a:extLst>
-              <a:ext uri="{FF2B5EF4-FFF2-40B4-BE49-F238E27FC236}">
-                <a16:creationId xmlns:a16="http://schemas.microsoft.com/office/drawing/2014/main" id="{36C28938-0F7E-D277-3F6A-6A5ADB13C7E1}"/>
-              </a:ext>
-            </a:extLst>
-          </p:cNvPr>
-          <p:cNvSpPr>
-            <a:spLocks noGrp="1"/>
-          </p:cNvSpPr>
-          <p:nvPr>
-            <p:ph idx="1"/>
-          </p:nvPr>
-        </p:nvSpPr>
-        <p:spPr/>
-        <p:txBody>
-          <a:bodyPr vert="horz" lIns="45720" tIns="45720" rIns="45720" bIns="45720" rtlCol="0" anchor="t">
-            <a:normAutofit/>
-          </a:bodyPr>
-          <a:lstStyle/>
-          <a:p>
-            <a:pPr>
-              <a:buFont typeface="Tw Cen MT" pitchFamily="18" charset="2"/>
-              <a:buChar char=" "/>
-            </a:pPr>
-            <a:r>
-              <a:rPr lang="en-US" dirty="0"/>
-              <a:t>Para </a:t>
-            </a:r>
-            <a:r>
-              <a:rPr lang="en-US" dirty="0" err="1"/>
-              <a:t>cada</a:t>
-            </a:r>
-            <a:r>
-              <a:rPr lang="en-US" dirty="0"/>
-              <a:t> </a:t>
-            </a:r>
-            <a:r>
-              <a:rPr lang="en-US" dirty="0" err="1"/>
-              <a:t>contenedor</a:t>
-            </a:r>
-            <a:r>
-              <a:rPr lang="en-US" dirty="0"/>
-              <a:t>, </a:t>
-            </a:r>
-            <a:r>
-              <a:rPr lang="en-US" dirty="0" err="1"/>
-              <a:t>utilizaremos</a:t>
-            </a:r>
-            <a:r>
-              <a:rPr lang="en-US" dirty="0"/>
-              <a:t> </a:t>
-            </a:r>
-            <a:r>
-              <a:rPr lang="en-US" dirty="0" err="1"/>
-              <a:t>los</a:t>
-            </a:r>
-            <a:r>
-              <a:rPr lang="en-US" dirty="0"/>
-              <a:t> </a:t>
-            </a:r>
-            <a:r>
-              <a:rPr lang="en-US" dirty="0" err="1"/>
-              <a:t>siguientes</a:t>
-            </a:r>
-            <a:r>
-              <a:rPr lang="en-US" dirty="0"/>
-              <a:t> </a:t>
-            </a:r>
-            <a:r>
-              <a:rPr lang="en-US" dirty="0" err="1"/>
-              <a:t>elementos</a:t>
-            </a:r>
-            <a:r>
-              <a:rPr lang="en-US" dirty="0"/>
-              <a:t>:</a:t>
-            </a:r>
-          </a:p>
-          <a:p>
-            <a:pPr marL="264795" lvl="1"/>
-            <a:r>
-              <a:rPr lang="en-US" dirty="0"/>
-              <a:t>image: Define la imagen que se </a:t>
-            </a:r>
-            <a:r>
-              <a:rPr lang="en-US" dirty="0" err="1"/>
-              <a:t>va</a:t>
-            </a:r>
-            <a:r>
-              <a:rPr lang="en-US" dirty="0"/>
-              <a:t> a </a:t>
-            </a:r>
-            <a:r>
-              <a:rPr lang="en-US" dirty="0" err="1"/>
-              <a:t>utilizar</a:t>
-            </a:r>
-            <a:r>
-              <a:rPr lang="en-US" dirty="0"/>
-              <a:t> para </a:t>
-            </a:r>
-            <a:r>
-              <a:rPr lang="en-US" dirty="0" err="1"/>
-              <a:t>construir</a:t>
-            </a:r>
-            <a:r>
-              <a:rPr lang="en-US" dirty="0"/>
-              <a:t> </a:t>
-            </a:r>
-            <a:r>
-              <a:rPr lang="en-US" dirty="0" err="1"/>
-              <a:t>el</a:t>
-            </a:r>
-            <a:r>
-              <a:rPr lang="en-US" dirty="0"/>
-              <a:t> </a:t>
-            </a:r>
-            <a:r>
-              <a:rPr lang="en-US" dirty="0" err="1"/>
-              <a:t>contenedor</a:t>
-            </a:r>
-            <a:endParaRPr lang="en-US"/>
-          </a:p>
-          <a:p>
-            <a:pPr marL="264795" lvl="1"/>
-            <a:r>
-              <a:rPr lang="en-US" dirty="0"/>
-              <a:t>build: Define </a:t>
-            </a:r>
-            <a:r>
-              <a:rPr lang="en-US" dirty="0" err="1"/>
-              <a:t>el</a:t>
-            </a:r>
-            <a:r>
-              <a:rPr lang="en-US" dirty="0"/>
-              <a:t> </a:t>
-            </a:r>
-            <a:r>
-              <a:rPr lang="en-US" dirty="0" err="1"/>
-              <a:t>directorio</a:t>
-            </a:r>
-            <a:r>
-              <a:rPr lang="en-US" dirty="0"/>
-              <a:t> (</a:t>
-            </a:r>
-            <a:r>
-              <a:rPr lang="en-US" dirty="0" err="1">
-                <a:ea typeface="+mn-lt"/>
-                <a:cs typeface="+mn-lt"/>
-              </a:rPr>
-              <a:t>contexto</a:t>
-            </a:r>
-            <a:r>
-              <a:rPr lang="en-US" dirty="0"/>
-              <a:t>) </a:t>
-            </a:r>
-            <a:r>
-              <a:rPr lang="en-US" dirty="0" err="1"/>
-              <a:t>donde</a:t>
-            </a:r>
-            <a:r>
-              <a:rPr lang="en-US" dirty="0"/>
-              <a:t> </a:t>
-            </a:r>
-            <a:r>
-              <a:rPr lang="en-US" dirty="0" err="1"/>
-              <a:t>está</a:t>
-            </a:r>
-            <a:r>
-              <a:rPr lang="en-US" dirty="0"/>
-              <a:t> </a:t>
-            </a:r>
-            <a:r>
-              <a:rPr lang="en-US" dirty="0" err="1"/>
-              <a:t>el</a:t>
-            </a:r>
-            <a:r>
-              <a:rPr lang="en-US" dirty="0"/>
-              <a:t> </a:t>
-            </a:r>
-            <a:r>
-              <a:rPr lang="en-US" dirty="0" err="1"/>
-              <a:t>Dockerfile</a:t>
-            </a:r>
-            <a:r>
-              <a:rPr lang="en-US" dirty="0"/>
-              <a:t> que se </a:t>
-            </a:r>
-            <a:r>
-              <a:rPr lang="en-US" dirty="0" err="1"/>
-              <a:t>va</a:t>
-            </a:r>
-            <a:r>
-              <a:rPr lang="en-US" dirty="0"/>
-              <a:t> a </a:t>
-            </a:r>
-            <a:r>
-              <a:rPr lang="en-US" dirty="0" err="1"/>
-              <a:t>utilizar</a:t>
-            </a:r>
-            <a:r>
-              <a:rPr lang="en-US" dirty="0"/>
-              <a:t> para </a:t>
-            </a:r>
-            <a:r>
-              <a:rPr lang="en-US" dirty="0" err="1"/>
-              <a:t>crear</a:t>
-            </a:r>
-            <a:r>
-              <a:rPr lang="en-US" dirty="0"/>
-              <a:t> la imagen. Si se </a:t>
-            </a:r>
-            <a:r>
-              <a:rPr lang="en-US" dirty="0" err="1"/>
-              <a:t>usa</a:t>
-            </a:r>
-            <a:r>
-              <a:rPr lang="en-US" dirty="0"/>
-              <a:t> </a:t>
-            </a:r>
-            <a:r>
-              <a:rPr lang="en-US" dirty="0" err="1"/>
-              <a:t>esta</a:t>
-            </a:r>
-            <a:r>
-              <a:rPr lang="en-US" dirty="0"/>
-              <a:t> </a:t>
-            </a:r>
-            <a:r>
-              <a:rPr lang="en-US" dirty="0" err="1"/>
-              <a:t>opción</a:t>
-            </a:r>
-            <a:r>
-              <a:rPr lang="en-US" dirty="0"/>
-              <a:t>, </a:t>
-            </a:r>
-            <a:r>
-              <a:rPr lang="en-US" dirty="0" err="1"/>
-              <a:t>el</a:t>
-            </a:r>
-            <a:r>
-              <a:rPr lang="en-US" dirty="0"/>
-              <a:t> </a:t>
-            </a:r>
-            <a:r>
-              <a:rPr lang="en-US" dirty="0" err="1"/>
-              <a:t>atributo</a:t>
-            </a:r>
-            <a:r>
-              <a:rPr lang="en-US" dirty="0"/>
-              <a:t> image define </a:t>
-            </a:r>
-            <a:r>
-              <a:rPr lang="en-US" dirty="0" err="1"/>
-              <a:t>el</a:t>
-            </a:r>
-            <a:r>
-              <a:rPr lang="en-US" dirty="0"/>
-              <a:t> </a:t>
-            </a:r>
-            <a:r>
-              <a:rPr lang="en-US" dirty="0" err="1"/>
-              <a:t>nombre</a:t>
-            </a:r>
-            <a:r>
-              <a:rPr lang="en-US" dirty="0"/>
-              <a:t> que se le </a:t>
-            </a:r>
-            <a:r>
-              <a:rPr lang="en-US" dirty="0" err="1"/>
-              <a:t>pondrá</a:t>
-            </a:r>
-            <a:r>
-              <a:rPr lang="en-US" dirty="0"/>
-              <a:t> a la </a:t>
-            </a:r>
-            <a:r>
-              <a:rPr lang="en-US" dirty="0" err="1"/>
-              <a:t>nueva</a:t>
-            </a:r>
-            <a:r>
-              <a:rPr lang="en-US" dirty="0"/>
-              <a:t> imagen</a:t>
-            </a:r>
-          </a:p>
-          <a:p>
-            <a:pPr marL="264795" lvl="1"/>
-            <a:r>
-              <a:rPr lang="en-US" dirty="0" err="1"/>
-              <a:t>container_name</a:t>
-            </a:r>
-            <a:r>
-              <a:rPr lang="en-US" dirty="0"/>
-              <a:t>: Nombre del </a:t>
-            </a:r>
-            <a:r>
-              <a:rPr lang="en-US" dirty="0" err="1"/>
-              <a:t>contenedor</a:t>
-            </a:r>
-            <a:endParaRPr lang="en-US"/>
-          </a:p>
-          <a:p>
-            <a:pPr marL="264795" lvl="1"/>
-            <a:r>
-              <a:rPr lang="en-US" dirty="0" err="1"/>
-              <a:t>depends_on</a:t>
-            </a:r>
-            <a:r>
-              <a:rPr lang="en-US" dirty="0"/>
-              <a:t>: Espera a que </a:t>
-            </a:r>
-            <a:r>
-              <a:rPr lang="en-US" dirty="0" err="1"/>
-              <a:t>los</a:t>
-            </a:r>
-            <a:r>
-              <a:rPr lang="en-US" dirty="0"/>
-              <a:t> </a:t>
-            </a:r>
-            <a:r>
-              <a:rPr lang="en-US" dirty="0" err="1"/>
-              <a:t>contenedores</a:t>
-            </a:r>
-            <a:r>
-              <a:rPr lang="en-US" dirty="0"/>
-              <a:t> que se </a:t>
-            </a:r>
-            <a:r>
-              <a:rPr lang="en-US" dirty="0" err="1"/>
-              <a:t>especifican</a:t>
-            </a:r>
-            <a:r>
-              <a:rPr lang="en-US" dirty="0"/>
-              <a:t> </a:t>
-            </a:r>
-            <a:r>
-              <a:rPr lang="en-US" dirty="0" err="1"/>
-              <a:t>en</a:t>
-            </a:r>
-            <a:r>
-              <a:rPr lang="en-US" dirty="0"/>
-              <a:t> la </a:t>
-            </a:r>
-            <a:r>
-              <a:rPr lang="en-US" dirty="0" err="1"/>
-              <a:t>lista</a:t>
-            </a:r>
-            <a:r>
-              <a:rPr lang="en-US" dirty="0"/>
-              <a:t> </a:t>
-            </a:r>
-            <a:r>
-              <a:rPr lang="en-US" dirty="0" err="1"/>
-              <a:t>estén</a:t>
-            </a:r>
-            <a:r>
-              <a:rPr lang="en-US" dirty="0"/>
-              <a:t> </a:t>
-            </a:r>
-            <a:r>
-              <a:rPr lang="en-US" dirty="0" err="1"/>
-              <a:t>operativos</a:t>
-            </a:r>
-            <a:r>
-              <a:rPr lang="en-US" dirty="0"/>
-              <a:t> antes de </a:t>
-            </a:r>
-            <a:r>
-              <a:rPr lang="en-US" dirty="0" err="1"/>
-              <a:t>iniciar</a:t>
-            </a:r>
-            <a:endParaRPr lang="en-US" dirty="0"/>
-          </a:p>
-          <a:p>
-            <a:pPr marL="264795" lvl="1"/>
-            <a:r>
-              <a:rPr lang="en-US" dirty="0"/>
-              <a:t>environment: Define variables de </a:t>
-            </a:r>
-            <a:r>
-              <a:rPr lang="en-US" dirty="0" err="1"/>
-              <a:t>entorno</a:t>
-            </a:r>
-            <a:r>
-              <a:rPr lang="en-US" dirty="0"/>
-              <a:t> para </a:t>
-            </a:r>
-            <a:r>
-              <a:rPr lang="en-US" dirty="0" err="1"/>
-              <a:t>el</a:t>
-            </a:r>
-            <a:r>
-              <a:rPr lang="en-US" dirty="0"/>
-              <a:t> </a:t>
-            </a:r>
-            <a:r>
-              <a:rPr lang="en-US" dirty="0" err="1"/>
-              <a:t>contenedor</a:t>
-            </a:r>
-            <a:r>
-              <a:rPr lang="en-US" dirty="0"/>
-              <a:t>.</a:t>
-            </a:r>
-          </a:p>
-          <a:p>
-            <a:pPr marL="264795" lvl="1"/>
-            <a:r>
-              <a:rPr lang="en-US" dirty="0"/>
-              <a:t>ports: Define la </a:t>
-            </a:r>
-            <a:r>
-              <a:rPr lang="en-US" dirty="0" err="1"/>
-              <a:t>publicación</a:t>
-            </a:r>
-            <a:r>
-              <a:rPr lang="en-US" dirty="0"/>
-              <a:t> de </a:t>
-            </a:r>
-            <a:r>
-              <a:rPr lang="en-US" dirty="0" err="1"/>
-              <a:t>puertos</a:t>
-            </a:r>
-            <a:r>
-              <a:rPr lang="en-US" dirty="0"/>
-              <a:t> del </a:t>
-            </a:r>
-            <a:r>
-              <a:rPr lang="en-US" dirty="0" err="1"/>
-              <a:t>contenedor</a:t>
-            </a:r>
-            <a:r>
-              <a:rPr lang="en-US" dirty="0"/>
-              <a:t> a </a:t>
-            </a:r>
-            <a:r>
-              <a:rPr lang="en-US" dirty="0" err="1"/>
-              <a:t>través</a:t>
-            </a:r>
-            <a:r>
-              <a:rPr lang="en-US" dirty="0"/>
-              <a:t> del host</a:t>
-            </a:r>
-          </a:p>
-          <a:p>
-            <a:pPr marL="264795" lvl="1"/>
-            <a:r>
-              <a:rPr lang="en-US" dirty="0"/>
-              <a:t>volumes: </a:t>
-            </a:r>
-            <a:r>
-              <a:rPr lang="en-US" dirty="0" err="1"/>
-              <a:t>Volúmenes</a:t>
-            </a:r>
-            <a:r>
-              <a:rPr lang="en-US" dirty="0"/>
-              <a:t> y bind mounts que se van a </a:t>
-            </a:r>
-            <a:r>
-              <a:rPr lang="en-US" dirty="0" err="1"/>
-              <a:t>asociar</a:t>
-            </a:r>
-            <a:r>
-              <a:rPr lang="en-US" dirty="0"/>
-              <a:t> al </a:t>
-            </a:r>
-            <a:r>
-              <a:rPr lang="en-US" dirty="0" err="1"/>
-              <a:t>contenedor</a:t>
-            </a:r>
-            <a:endParaRPr lang="en-US" dirty="0"/>
-          </a:p>
-          <a:p>
-            <a:pPr marL="264795" lvl="1"/>
-            <a:r>
-              <a:rPr lang="en-US" dirty="0"/>
-              <a:t>networks: Redes a las que se </a:t>
-            </a:r>
-            <a:r>
-              <a:rPr lang="en-US" dirty="0" err="1"/>
-              <a:t>va</a:t>
-            </a:r>
-            <a:r>
-              <a:rPr lang="en-US" dirty="0"/>
-              <a:t> a </a:t>
-            </a:r>
-            <a:r>
-              <a:rPr lang="en-US" dirty="0" err="1"/>
-              <a:t>conectar</a:t>
-            </a:r>
-            <a:r>
-              <a:rPr lang="en-US" dirty="0"/>
-              <a:t> </a:t>
-            </a:r>
-            <a:r>
-              <a:rPr lang="en-US" dirty="0" err="1"/>
-              <a:t>el</a:t>
-            </a:r>
-            <a:r>
-              <a:rPr lang="en-US" dirty="0"/>
-              <a:t> </a:t>
-            </a:r>
-            <a:r>
-              <a:rPr lang="en-US" dirty="0" err="1"/>
-              <a:t>contenedor</a:t>
-            </a:r>
-            <a:r>
-              <a:rPr lang="en-US" dirty="0"/>
-              <a:t>. Mediante la </a:t>
-            </a:r>
-            <a:r>
-              <a:rPr lang="en-US" dirty="0" err="1"/>
-              <a:t>propiedad</a:t>
-            </a:r>
-            <a:r>
-              <a:rPr lang="en-US" dirty="0"/>
-              <a:t> aliases, es </a:t>
-            </a:r>
-            <a:r>
-              <a:rPr lang="en-US" dirty="0" err="1"/>
-              <a:t>posible</a:t>
-            </a:r>
-            <a:r>
-              <a:rPr lang="en-US" dirty="0"/>
-              <a:t> </a:t>
-            </a:r>
-            <a:r>
-              <a:rPr lang="en-US" dirty="0" err="1"/>
-              <a:t>añadir</a:t>
-            </a:r>
-            <a:r>
-              <a:rPr lang="en-US" dirty="0"/>
-              <a:t> </a:t>
-            </a:r>
-            <a:r>
-              <a:rPr lang="en-US" dirty="0" err="1"/>
-              <a:t>nombres</a:t>
-            </a:r>
-            <a:r>
-              <a:rPr lang="en-US" dirty="0"/>
-              <a:t> </a:t>
-            </a:r>
-            <a:r>
-              <a:rPr lang="en-US" dirty="0" err="1"/>
-              <a:t>adicionales</a:t>
-            </a:r>
-            <a:r>
-              <a:rPr lang="en-US" dirty="0"/>
-              <a:t> al </a:t>
-            </a:r>
-            <a:r>
-              <a:rPr lang="en-US" dirty="0" err="1"/>
-              <a:t>contenedor</a:t>
-            </a:r>
-            <a:r>
-              <a:rPr lang="en-US" dirty="0"/>
-              <a:t> que </a:t>
-            </a:r>
-            <a:r>
-              <a:rPr lang="en-US" dirty="0" err="1"/>
-              <a:t>podrán</a:t>
-            </a:r>
-            <a:r>
-              <a:rPr lang="en-US" dirty="0"/>
-              <a:t> </a:t>
-            </a:r>
-            <a:r>
-              <a:rPr lang="en-US" dirty="0" err="1"/>
-              <a:t>utilizar</a:t>
-            </a:r>
-            <a:r>
-              <a:rPr lang="en-US" dirty="0"/>
-              <a:t> </a:t>
-            </a:r>
-            <a:r>
-              <a:rPr lang="en-US" dirty="0" err="1"/>
-              <a:t>otros</a:t>
-            </a:r>
-            <a:r>
-              <a:rPr lang="en-US" dirty="0"/>
-              <a:t> </a:t>
-            </a:r>
-            <a:r>
-              <a:rPr lang="en-US" dirty="0" err="1"/>
-              <a:t>contenedores</a:t>
-            </a:r>
-            <a:r>
-              <a:rPr lang="en-US" dirty="0"/>
-              <a:t> </a:t>
-            </a:r>
-            <a:r>
-              <a:rPr lang="en-US" dirty="0" err="1"/>
-              <a:t>conectados</a:t>
-            </a:r>
-            <a:r>
-              <a:rPr lang="en-US" dirty="0"/>
-              <a:t> a la </a:t>
-            </a:r>
-            <a:r>
-              <a:rPr lang="en-US" dirty="0" err="1"/>
-              <a:t>misma</a:t>
-            </a:r>
-            <a:r>
-              <a:rPr lang="en-US" dirty="0"/>
-              <a:t> red</a:t>
-            </a:r>
-          </a:p>
-          <a:p>
-            <a:pPr marL="264795" lvl="1"/>
-            <a:endParaRPr lang="en-US" dirty="0"/>
-          </a:p>
-        </p:txBody>
-      </p:sp>
-    </p:spTree>
-    <p:extLst>
-      <p:ext uri="{BB962C8B-B14F-4D97-AF65-F5344CB8AC3E}">
-        <p14:creationId xmlns:p14="http://schemas.microsoft.com/office/powerpoint/2010/main" val="4290294234"/>
       </p:ext>
     </p:extLst>
   </p:cSld>
@@ -41813,6 +40416,2273 @@
           <p:cNvPr id="2" name="Title 1">
             <a:extLst>
               <a:ext uri="{FF2B5EF4-FFF2-40B4-BE49-F238E27FC236}">
+                <a16:creationId xmlns:a16="http://schemas.microsoft.com/office/drawing/2014/main" id="{F3A99012-2587-718A-F9B3-3638E1B99DD9}"/>
+              </a:ext>
+            </a:extLst>
+          </p:cNvPr>
+          <p:cNvSpPr>
+            <a:spLocks noGrp="1"/>
+          </p:cNvSpPr>
+          <p:nvPr>
+            <p:ph type="title"/>
+          </p:nvPr>
+        </p:nvSpPr>
+        <p:spPr/>
+        <p:txBody>
+          <a:bodyPr/>
+          <a:lstStyle/>
+          <a:p>
+            <a:r>
+              <a:rPr lang="en-US" dirty="0" err="1"/>
+              <a:t>Comunicando</a:t>
+            </a:r>
+            <a:r>
+              <a:rPr lang="en-US" dirty="0"/>
+              <a:t> API y base de </a:t>
+            </a:r>
+            <a:r>
+              <a:rPr lang="en-US" dirty="0" err="1"/>
+              <a:t>datos</a:t>
+            </a:r>
+          </a:p>
+        </p:txBody>
+      </p:sp>
+      <p:sp>
+        <p:nvSpPr>
+          <p:cNvPr id="3" name="Content Placeholder 2">
+            <a:extLst>
+              <a:ext uri="{FF2B5EF4-FFF2-40B4-BE49-F238E27FC236}">
+                <a16:creationId xmlns:a16="http://schemas.microsoft.com/office/drawing/2014/main" id="{EF8C1078-5C20-3E9B-E5BC-ED52C0CA3F09}"/>
+              </a:ext>
+            </a:extLst>
+          </p:cNvPr>
+          <p:cNvSpPr>
+            <a:spLocks noGrp="1"/>
+          </p:cNvSpPr>
+          <p:nvPr>
+            <p:ph idx="1"/>
+          </p:nvPr>
+        </p:nvSpPr>
+        <p:spPr/>
+        <p:txBody>
+          <a:bodyPr vert="horz" lIns="45720" tIns="45720" rIns="45720" bIns="45720" rtlCol="0" anchor="t">
+            <a:normAutofit/>
+          </a:bodyPr>
+          <a:lstStyle/>
+          <a:p>
+            <a:r>
+              <a:rPr lang="en-US" dirty="0"/>
+              <a:t>Crea </a:t>
+            </a:r>
+            <a:r>
+              <a:rPr lang="en-US" dirty="0" err="1"/>
+              <a:t>una</a:t>
+            </a:r>
+            <a:r>
+              <a:rPr lang="en-US" dirty="0"/>
+              <a:t> red de </a:t>
+            </a:r>
+            <a:r>
+              <a:rPr lang="en-US" dirty="0" err="1"/>
+              <a:t>tipo</a:t>
+            </a:r>
+            <a:r>
+              <a:rPr lang="en-US" dirty="0"/>
+              <a:t> bridge con </a:t>
+            </a:r>
+            <a:r>
+              <a:rPr lang="en-US" dirty="0" err="1"/>
+              <a:t>nombre</a:t>
+            </a:r>
+            <a:r>
+              <a:rPr lang="en-US" dirty="0"/>
+              <a:t> </a:t>
+            </a:r>
+            <a:r>
+              <a:rPr lang="en-US" dirty="0" err="1">
+                <a:latin typeface="Consolas"/>
+                <a:ea typeface="+mn-lt"/>
+                <a:cs typeface="+mn-lt"/>
+              </a:rPr>
+              <a:t>bookReview_network</a:t>
+            </a:r>
+            <a:endParaRPr lang="en-US" dirty="0">
+              <a:latin typeface="Consolas"/>
+              <a:ea typeface="+mn-lt"/>
+              <a:cs typeface="+mn-lt"/>
+            </a:endParaRPr>
+          </a:p>
+          <a:p>
+            <a:r>
+              <a:rPr lang="en-US" dirty="0"/>
+              <a:t>Para y </a:t>
+            </a:r>
+            <a:r>
+              <a:rPr lang="en-US" dirty="0" err="1"/>
+              <a:t>elimina</a:t>
+            </a:r>
+            <a:r>
+              <a:rPr lang="en-US" dirty="0"/>
+              <a:t> </a:t>
+            </a:r>
+            <a:r>
+              <a:rPr lang="en-US" dirty="0" err="1"/>
+              <a:t>los</a:t>
+            </a:r>
+            <a:r>
+              <a:rPr lang="en-US" dirty="0"/>
+              <a:t> </a:t>
+            </a:r>
+            <a:r>
+              <a:rPr lang="en-US" dirty="0" err="1"/>
+              <a:t>contenedores</a:t>
+            </a:r>
+            <a:r>
+              <a:rPr lang="en-US" dirty="0"/>
+              <a:t> de la base de </a:t>
+            </a:r>
+            <a:r>
+              <a:rPr lang="en-US" dirty="0" err="1"/>
+              <a:t>datos</a:t>
+            </a:r>
+            <a:r>
+              <a:rPr lang="en-US" dirty="0"/>
+              <a:t> (</a:t>
+            </a:r>
+            <a:r>
+              <a:rPr lang="en-US" dirty="0" err="1">
+                <a:latin typeface="Consolas"/>
+                <a:ea typeface="+mn-lt"/>
+                <a:cs typeface="+mn-lt"/>
+              </a:rPr>
+              <a:t>bookReview_bdd</a:t>
+            </a:r>
+            <a:r>
+              <a:rPr lang="en-US" dirty="0"/>
+              <a:t>) y de la API (</a:t>
+            </a:r>
+            <a:r>
+              <a:rPr lang="en-US" dirty="0" err="1">
+                <a:latin typeface="Consolas"/>
+                <a:ea typeface="+mn-lt"/>
+                <a:cs typeface="+mn-lt"/>
+              </a:rPr>
+              <a:t>bookReview_back</a:t>
+            </a:r>
+            <a:r>
+              <a:rPr lang="en-US" dirty="0"/>
+              <a:t>)</a:t>
+            </a:r>
+          </a:p>
+          <a:p>
+            <a:r>
+              <a:rPr lang="en-US" dirty="0"/>
+              <a:t>Vuelve a </a:t>
+            </a:r>
+            <a:r>
+              <a:rPr lang="en-US" dirty="0" err="1"/>
+              <a:t>recrear</a:t>
+            </a:r>
+            <a:r>
+              <a:rPr lang="en-US" dirty="0"/>
+              <a:t> </a:t>
+            </a:r>
+            <a:r>
+              <a:rPr lang="en-US" dirty="0" err="1"/>
+              <a:t>estos</a:t>
+            </a:r>
+            <a:r>
+              <a:rPr lang="en-US" dirty="0"/>
+              <a:t> </a:t>
+            </a:r>
+            <a:r>
+              <a:rPr lang="en-US" dirty="0" err="1"/>
+              <a:t>contenedores</a:t>
+            </a:r>
+            <a:r>
+              <a:rPr lang="en-US" dirty="0"/>
+              <a:t>, </a:t>
+            </a:r>
+            <a:r>
+              <a:rPr lang="en-US" dirty="0" err="1"/>
+              <a:t>pero</a:t>
+            </a:r>
+            <a:r>
+              <a:rPr lang="en-US" dirty="0"/>
+              <a:t> </a:t>
+            </a:r>
+            <a:r>
+              <a:rPr lang="en-US" dirty="0" err="1"/>
+              <a:t>ahora</a:t>
+            </a:r>
+            <a:r>
+              <a:rPr lang="en-US" dirty="0"/>
+              <a:t> </a:t>
+            </a:r>
+            <a:r>
+              <a:rPr lang="en-US" dirty="0" err="1"/>
+              <a:t>conectándolos</a:t>
+            </a:r>
+            <a:r>
+              <a:rPr lang="en-US" dirty="0"/>
+              <a:t> a la </a:t>
+            </a:r>
+            <a:r>
+              <a:rPr lang="en-US"/>
+              <a:t>red </a:t>
+            </a:r>
+            <a:r>
+              <a:rPr lang="en-US">
+                <a:latin typeface="Consolas"/>
+                <a:ea typeface="+mn-lt"/>
+                <a:cs typeface="+mn-lt"/>
+              </a:rPr>
+              <a:t>bookReview</a:t>
+            </a:r>
+            <a:r>
+              <a:rPr lang="en-US" err="1">
+                <a:latin typeface="Consolas"/>
+                <a:ea typeface="+mn-lt"/>
+                <a:cs typeface="+mn-lt"/>
+              </a:rPr>
+              <a:t>_</a:t>
+            </a:r>
+            <a:r>
+              <a:rPr lang="en-US">
+                <a:latin typeface="Consolas"/>
+                <a:ea typeface="+mn-lt"/>
+                <a:cs typeface="+mn-lt"/>
+              </a:rPr>
+              <a:t>network</a:t>
+            </a:r>
+            <a:endParaRPr lang="en-US" dirty="0">
+              <a:latin typeface="Consolas"/>
+              <a:ea typeface="+mn-lt"/>
+              <a:cs typeface="+mn-lt"/>
+            </a:endParaRPr>
+          </a:p>
+        </p:txBody>
+      </p:sp>
+    </p:spTree>
+    <p:extLst>
+      <p:ext uri="{BB962C8B-B14F-4D97-AF65-F5344CB8AC3E}">
+        <p14:creationId xmlns:p14="http://schemas.microsoft.com/office/powerpoint/2010/main" val="1563564516"/>
+      </p:ext>
+    </p:extLst>
+  </p:cSld>
+  <p:clrMapOvr>
+    <a:masterClrMapping/>
+  </p:clrMapOvr>
+</p:sld>
+</file>
+
+<file path=ppt/slides/slide61.xml><?xml version="1.0" encoding="utf-8"?>
+<p:sld xmlns:a="http://schemas.openxmlformats.org/drawingml/2006/main" xmlns:r="http://schemas.openxmlformats.org/officeDocument/2006/relationships" xmlns:p="http://schemas.openxmlformats.org/presentationml/2006/main">
+  <p:cSld>
+    <p:spTree>
+      <p:nvGrpSpPr>
+        <p:cNvPr id="1" name=""/>
+        <p:cNvGrpSpPr/>
+        <p:nvPr/>
+      </p:nvGrpSpPr>
+      <p:grpSpPr>
+        <a:xfrm>
+          <a:off x="0" y="0"/>
+          <a:ext cx="0" cy="0"/>
+          <a:chOff x="0" y="0"/>
+          <a:chExt cx="0" cy="0"/>
+        </a:xfrm>
+      </p:grpSpPr>
+      <p:sp>
+        <p:nvSpPr>
+          <p:cNvPr id="2" name="Title 1">
+            <a:extLst>
+              <a:ext uri="{FF2B5EF4-FFF2-40B4-BE49-F238E27FC236}">
+                <a16:creationId xmlns:a16="http://schemas.microsoft.com/office/drawing/2014/main" id="{C1E90656-A6BA-C4F5-85FC-F343BE9D29A1}"/>
+              </a:ext>
+            </a:extLst>
+          </p:cNvPr>
+          <p:cNvSpPr>
+            <a:spLocks noGrp="1"/>
+          </p:cNvSpPr>
+          <p:nvPr>
+            <p:ph type="title"/>
+          </p:nvPr>
+        </p:nvSpPr>
+        <p:spPr/>
+        <p:txBody>
+          <a:bodyPr/>
+          <a:lstStyle/>
+          <a:p>
+            <a:r>
+              <a:rPr lang="en-US" dirty="0" err="1"/>
+              <a:t>Comunicando</a:t>
+            </a:r>
+            <a:r>
+              <a:rPr lang="en-US" dirty="0"/>
+              <a:t> API y base de </a:t>
+            </a:r>
+            <a:r>
+              <a:rPr lang="en-US" dirty="0" err="1"/>
+              <a:t>datos</a:t>
+            </a:r>
+          </a:p>
+        </p:txBody>
+      </p:sp>
+      <p:sp>
+        <p:nvSpPr>
+          <p:cNvPr id="5" name="TextBox 4">
+            <a:extLst>
+              <a:ext uri="{FF2B5EF4-FFF2-40B4-BE49-F238E27FC236}">
+                <a16:creationId xmlns:a16="http://schemas.microsoft.com/office/drawing/2014/main" id="{F8F80D7A-16DC-CFE0-0819-C16DAD1A8100}"/>
+              </a:ext>
+            </a:extLst>
+          </p:cNvPr>
+          <p:cNvSpPr txBox="1"/>
+          <p:nvPr/>
+        </p:nvSpPr>
+        <p:spPr>
+          <a:xfrm>
+            <a:off x="752311" y="2249680"/>
+            <a:ext cx="10684740" cy="4154984"/>
+          </a:xfrm>
+          <a:prstGeom prst="rect">
+            <a:avLst/>
+          </a:prstGeom>
+          <a:noFill/>
+        </p:spPr>
+        <p:txBody>
+          <a:bodyPr rot="0" spcFirstLastPara="0" vertOverflow="overflow" horzOverflow="overflow" vert="horz" wrap="square" lIns="91440" tIns="45720" rIns="91440" bIns="45720" numCol="1" spcCol="0" rtlCol="0" fromWordArt="0" anchor="t" anchorCtr="0" forceAA="0" compatLnSpc="1">
+            <a:prstTxWarp prst="textNoShape">
+              <a:avLst/>
+            </a:prstTxWarp>
+            <a:spAutoFit/>
+          </a:bodyPr>
+          <a:lstStyle/>
+          <a:p>
+            <a:r>
+              <a:rPr lang="en-US" dirty="0">
+                <a:latin typeface="Consolas"/>
+              </a:rPr>
+              <a:t>docker network create </a:t>
+            </a:r>
+            <a:r>
+              <a:rPr lang="en-US" dirty="0" err="1">
+                <a:latin typeface="Consolas"/>
+              </a:rPr>
+              <a:t>bookReview</a:t>
+            </a:r>
+            <a:endParaRPr lang="en-US" dirty="0">
+              <a:latin typeface="Consolas"/>
+            </a:endParaRPr>
+          </a:p>
+          <a:p>
+            <a:r>
+              <a:rPr lang="en-US" dirty="0">
+                <a:latin typeface="Consolas"/>
+              </a:rPr>
+              <a:t>docker run -d -p 5432:5432 --name </a:t>
+            </a:r>
+            <a:r>
+              <a:rPr lang="en-US" dirty="0" err="1">
+                <a:latin typeface="Consolas"/>
+              </a:rPr>
+              <a:t>bookReview_bdd</a:t>
+            </a:r>
+            <a:r>
+              <a:rPr lang="en-US" dirty="0">
+                <a:latin typeface="Consolas"/>
+              </a:rPr>
+              <a:t> \</a:t>
+            </a:r>
+            <a:endParaRPr lang="en-US" dirty="0"/>
+          </a:p>
+          <a:p>
+            <a:pPr marL="608965" lvl="1"/>
+            <a:r>
+              <a:rPr lang="en-US" dirty="0">
+                <a:latin typeface="Consolas"/>
+              </a:rPr>
+              <a:t>-e POSTGRES_PASSWORD=</a:t>
+            </a:r>
+            <a:r>
+              <a:rPr lang="en-US" dirty="0" err="1">
+                <a:latin typeface="Consolas"/>
+              </a:rPr>
+              <a:t>bookreview</a:t>
+            </a:r>
+            <a:r>
+              <a:rPr lang="en-US" dirty="0">
+                <a:latin typeface="Consolas"/>
+              </a:rPr>
+              <a:t> \</a:t>
+            </a:r>
+            <a:endParaRPr lang="en-US" dirty="0">
+              <a:latin typeface="Tw Cen MT" panose="020B0602020104020603"/>
+            </a:endParaRPr>
+          </a:p>
+          <a:p>
+            <a:pPr marL="608965" lvl="1"/>
+            <a:r>
+              <a:rPr lang="en-US" dirty="0">
+                <a:latin typeface="Consolas"/>
+              </a:rPr>
+              <a:t>-e POSTGRES_USER=</a:t>
+            </a:r>
+            <a:r>
+              <a:rPr lang="en-US" dirty="0" err="1">
+                <a:latin typeface="Consolas"/>
+              </a:rPr>
+              <a:t>bookreview</a:t>
+            </a:r>
+            <a:r>
+              <a:rPr lang="en-US" dirty="0">
+                <a:latin typeface="Consolas"/>
+              </a:rPr>
+              <a:t> \</a:t>
+            </a:r>
+            <a:endParaRPr lang="en-US" dirty="0">
+              <a:latin typeface="Tw Cen MT" panose="020B0602020104020603"/>
+            </a:endParaRPr>
+          </a:p>
+          <a:p>
+            <a:pPr marL="608965" lvl="1"/>
+            <a:r>
+              <a:rPr lang="en-US" dirty="0">
+                <a:latin typeface="Consolas"/>
+              </a:rPr>
+              <a:t>-e POSTGRES_DB=</a:t>
+            </a:r>
+            <a:r>
+              <a:rPr lang="en-US" dirty="0" err="1">
+                <a:latin typeface="Consolas"/>
+              </a:rPr>
+              <a:t>bookreview</a:t>
+            </a:r>
+            <a:r>
+              <a:rPr lang="en-US" dirty="0">
+                <a:latin typeface="Consolas"/>
+              </a:rPr>
+              <a:t> \</a:t>
+            </a:r>
+            <a:endParaRPr lang="en-US" dirty="0">
+              <a:latin typeface="Tw Cen MT" panose="020B0602020104020603"/>
+            </a:endParaRPr>
+          </a:p>
+          <a:p>
+            <a:pPr marL="608965" lvl="1"/>
+            <a:r>
+              <a:rPr lang="en-US" dirty="0">
+                <a:latin typeface="Consolas"/>
+              </a:rPr>
+              <a:t>-v </a:t>
+            </a:r>
+            <a:r>
+              <a:rPr lang="en-US" dirty="0" err="1">
+                <a:latin typeface="Consolas"/>
+              </a:rPr>
+              <a:t>bookReview_bdd_vol</a:t>
+            </a:r>
+            <a:r>
+              <a:rPr lang="en-US" dirty="0">
+                <a:latin typeface="Consolas"/>
+              </a:rPr>
+              <a:t>:/var/lib/</a:t>
+            </a:r>
+            <a:r>
+              <a:rPr lang="en-US" dirty="0" err="1">
+                <a:latin typeface="Consolas"/>
+              </a:rPr>
+              <a:t>postgresql</a:t>
+            </a:r>
+            <a:r>
+              <a:rPr lang="en-US" dirty="0">
+                <a:latin typeface="Consolas"/>
+              </a:rPr>
+              <a:t>/data \</a:t>
+            </a:r>
+            <a:endParaRPr lang="en-US" dirty="0">
+              <a:latin typeface="Tw Cen MT" panose="020B0602020104020603"/>
+            </a:endParaRPr>
+          </a:p>
+          <a:p>
+            <a:pPr marL="608965" lvl="1"/>
+            <a:r>
+              <a:rPr lang="en-US" dirty="0">
+                <a:latin typeface="Consolas"/>
+              </a:rPr>
+              <a:t>--network </a:t>
+            </a:r>
+            <a:r>
+              <a:rPr lang="en-US" dirty="0" err="1">
+                <a:latin typeface="Consolas"/>
+              </a:rPr>
+              <a:t>bookReview_network</a:t>
+            </a:r>
+            <a:r>
+              <a:rPr lang="en-US" dirty="0">
+                <a:latin typeface="Consolas"/>
+              </a:rPr>
+              <a:t> \</a:t>
+            </a:r>
+          </a:p>
+          <a:p>
+            <a:pPr marL="608965" lvl="1"/>
+            <a:r>
+              <a:rPr lang="en-US" dirty="0">
+                <a:latin typeface="Consolas"/>
+              </a:rPr>
+              <a:t>postgres:15.1</a:t>
+            </a:r>
+          </a:p>
+          <a:p>
+            <a:r>
+              <a:rPr lang="en-US" dirty="0">
+                <a:latin typeface="Consolas"/>
+              </a:rPr>
+              <a:t>docker run -p 8080:8080 --name </a:t>
+            </a:r>
+            <a:r>
+              <a:rPr lang="en-US" dirty="0" err="1">
+                <a:latin typeface="Consolas"/>
+              </a:rPr>
+              <a:t>bookReview_back</a:t>
+            </a:r>
+            <a:r>
+              <a:rPr lang="en-US" dirty="0">
+                <a:latin typeface="Consolas"/>
+              </a:rPr>
+              <a:t> \</a:t>
+            </a:r>
+          </a:p>
+          <a:p>
+            <a:pPr marL="608965" lvl="1"/>
+            <a:r>
+              <a:rPr lang="en-US" dirty="0">
+                <a:latin typeface="Consolas"/>
+              </a:rPr>
+              <a:t>--network </a:t>
+            </a:r>
+            <a:r>
+              <a:rPr lang="en-US" dirty="0" err="1">
+                <a:latin typeface="Consolas"/>
+              </a:rPr>
+              <a:t>bookReview_network</a:t>
+            </a:r>
+            <a:r>
+              <a:rPr lang="en-US" dirty="0">
+                <a:latin typeface="Consolas"/>
+              </a:rPr>
+              <a:t> \</a:t>
+            </a:r>
+          </a:p>
+          <a:p>
+            <a:pPr marL="608965" lvl="1"/>
+            <a:r>
+              <a:rPr lang="en-US" dirty="0" err="1">
+                <a:latin typeface="Consolas"/>
+              </a:rPr>
+              <a:t>bookreview_back</a:t>
+            </a:r>
+            <a:endParaRPr lang="en-US" dirty="0" err="1"/>
+          </a:p>
+        </p:txBody>
+      </p:sp>
+    </p:spTree>
+    <p:extLst>
+      <p:ext uri="{BB962C8B-B14F-4D97-AF65-F5344CB8AC3E}">
+        <p14:creationId xmlns:p14="http://schemas.microsoft.com/office/powerpoint/2010/main" val="1802725461"/>
+      </p:ext>
+    </p:extLst>
+  </p:cSld>
+  <p:clrMapOvr>
+    <a:masterClrMapping/>
+  </p:clrMapOvr>
+</p:sld>
+</file>
+
+<file path=ppt/slides/slide62.xml><?xml version="1.0" encoding="utf-8"?>
+<p:sld xmlns:a="http://schemas.openxmlformats.org/drawingml/2006/main" xmlns:r="http://schemas.openxmlformats.org/officeDocument/2006/relationships" xmlns:p="http://schemas.openxmlformats.org/presentationml/2006/main">
+  <p:cSld>
+    <p:spTree>
+      <p:nvGrpSpPr>
+        <p:cNvPr id="1" name=""/>
+        <p:cNvGrpSpPr/>
+        <p:nvPr/>
+      </p:nvGrpSpPr>
+      <p:grpSpPr>
+        <a:xfrm>
+          <a:off x="0" y="0"/>
+          <a:ext cx="0" cy="0"/>
+          <a:chOff x="0" y="0"/>
+          <a:chExt cx="0" cy="0"/>
+        </a:xfrm>
+      </p:grpSpPr>
+      <p:sp>
+        <p:nvSpPr>
+          <p:cNvPr id="2" name="Title 1">
+            <a:extLst>
+              <a:ext uri="{FF2B5EF4-FFF2-40B4-BE49-F238E27FC236}">
+                <a16:creationId xmlns:a16="http://schemas.microsoft.com/office/drawing/2014/main" id="{C1DD615F-64D5-DDB4-3D6E-1CB6EE049D25}"/>
+              </a:ext>
+            </a:extLst>
+          </p:cNvPr>
+          <p:cNvSpPr>
+            <a:spLocks noGrp="1"/>
+          </p:cNvSpPr>
+          <p:nvPr>
+            <p:ph type="title"/>
+          </p:nvPr>
+        </p:nvSpPr>
+        <p:spPr/>
+        <p:txBody>
+          <a:bodyPr/>
+          <a:lstStyle/>
+          <a:p>
+            <a:r>
+              <a:rPr lang="en-US"/>
+              <a:t>Docker Compose</a:t>
+            </a:r>
+          </a:p>
+        </p:txBody>
+      </p:sp>
+      <p:sp>
+        <p:nvSpPr>
+          <p:cNvPr id="3" name="Content Placeholder 2">
+            <a:extLst>
+              <a:ext uri="{FF2B5EF4-FFF2-40B4-BE49-F238E27FC236}">
+                <a16:creationId xmlns:a16="http://schemas.microsoft.com/office/drawing/2014/main" id="{8A7921A7-8953-6A98-8467-15B3FADD51E1}"/>
+              </a:ext>
+            </a:extLst>
+          </p:cNvPr>
+          <p:cNvSpPr>
+            <a:spLocks noGrp="1"/>
+          </p:cNvSpPr>
+          <p:nvPr>
+            <p:ph idx="1"/>
+          </p:nvPr>
+        </p:nvSpPr>
+        <p:spPr/>
+        <p:txBody>
+          <a:bodyPr vert="horz" lIns="45720" tIns="45720" rIns="45720" bIns="45720" rtlCol="0" anchor="t">
+            <a:normAutofit fontScale="92500" lnSpcReduction="10000"/>
+          </a:bodyPr>
+          <a:lstStyle/>
+          <a:p>
+            <a:r>
+              <a:rPr lang="en-US" dirty="0" err="1"/>
+              <a:t>Herramienta</a:t>
+            </a:r>
+            <a:r>
+              <a:rPr lang="en-US" dirty="0"/>
+              <a:t> que </a:t>
+            </a:r>
+            <a:r>
+              <a:rPr lang="en-US" dirty="0" err="1"/>
+              <a:t>permite</a:t>
+            </a:r>
+            <a:r>
+              <a:rPr lang="en-US" dirty="0"/>
+              <a:t> </a:t>
+            </a:r>
+            <a:r>
+              <a:rPr lang="en-US" dirty="0" err="1"/>
+              <a:t>definir</a:t>
+            </a:r>
+            <a:r>
+              <a:rPr lang="en-US" dirty="0"/>
+              <a:t> y </a:t>
+            </a:r>
+            <a:r>
+              <a:rPr lang="en-US" dirty="0" err="1"/>
+              <a:t>ejecutar</a:t>
+            </a:r>
+            <a:r>
+              <a:rPr lang="en-US" dirty="0"/>
+              <a:t> </a:t>
+            </a:r>
+            <a:r>
+              <a:rPr lang="en-US" dirty="0" err="1"/>
+              <a:t>múltiples</a:t>
+            </a:r>
+            <a:r>
+              <a:rPr lang="en-US" dirty="0"/>
+              <a:t> </a:t>
+            </a:r>
+            <a:r>
+              <a:rPr lang="en-US" dirty="0" err="1"/>
+              <a:t>contenedores</a:t>
+            </a:r>
+            <a:r>
+              <a:rPr lang="en-US" dirty="0"/>
+              <a:t> </a:t>
+            </a:r>
+            <a:r>
+              <a:rPr lang="en-US" dirty="0" err="1"/>
+              <a:t>en</a:t>
+            </a:r>
+            <a:r>
+              <a:rPr lang="en-US" dirty="0"/>
+              <a:t> un solo </a:t>
+            </a:r>
+            <a:r>
+              <a:rPr lang="en-US" dirty="0" err="1"/>
+              <a:t>archivo</a:t>
+            </a:r>
+            <a:r>
+              <a:rPr lang="en-US" dirty="0"/>
+              <a:t> de </a:t>
+            </a:r>
+            <a:r>
+              <a:rPr lang="en-US" dirty="0" err="1"/>
+              <a:t>texto</a:t>
+            </a:r>
+            <a:r>
+              <a:rPr lang="en-US" dirty="0"/>
+              <a:t>: </a:t>
+            </a:r>
+            <a:r>
+              <a:rPr lang="en-US" dirty="0">
+                <a:latin typeface="Consolas"/>
+              </a:rPr>
+              <a:t>docker-</a:t>
+            </a:r>
+            <a:r>
+              <a:rPr lang="en-US" dirty="0" err="1">
+                <a:latin typeface="Consolas"/>
+              </a:rPr>
+              <a:t>compose.yml</a:t>
+            </a:r>
+            <a:endParaRPr lang="en-US" dirty="0">
+              <a:latin typeface="Consolas"/>
+            </a:endParaRPr>
+          </a:p>
+          <a:p>
+            <a:r>
+              <a:rPr lang="en-US" dirty="0" err="1"/>
+              <a:t>Sustutiye</a:t>
+            </a:r>
+            <a:r>
+              <a:rPr lang="en-US" dirty="0"/>
+              <a:t> la </a:t>
+            </a:r>
+            <a:r>
+              <a:rPr lang="en-US" dirty="0" err="1"/>
+              <a:t>ejecución</a:t>
+            </a:r>
+            <a:r>
+              <a:rPr lang="en-US" dirty="0"/>
+              <a:t> de </a:t>
+            </a:r>
+            <a:r>
+              <a:rPr lang="en-US" dirty="0">
+                <a:latin typeface="Consolas"/>
+              </a:rPr>
+              <a:t>docker run</a:t>
+            </a:r>
+            <a:r>
+              <a:rPr lang="en-US" dirty="0"/>
+              <a:t>, </a:t>
+            </a:r>
+            <a:r>
+              <a:rPr lang="en-US" dirty="0" err="1"/>
+              <a:t>así</a:t>
+            </a:r>
+            <a:r>
+              <a:rPr lang="en-US" dirty="0"/>
+              <a:t> </a:t>
+            </a:r>
+            <a:r>
+              <a:rPr lang="en-US" dirty="0" err="1"/>
+              <a:t>como</a:t>
+            </a:r>
+            <a:r>
+              <a:rPr lang="en-US" dirty="0"/>
+              <a:t> de </a:t>
+            </a:r>
+            <a:r>
+              <a:rPr lang="en-US" dirty="0">
+                <a:latin typeface="Consolas"/>
+              </a:rPr>
+              <a:t>docker network create </a:t>
+            </a:r>
+            <a:r>
+              <a:rPr lang="en-US" dirty="0"/>
+              <a:t>y</a:t>
+            </a:r>
+            <a:r>
+              <a:rPr lang="en-US" dirty="0">
+                <a:latin typeface="Consolas"/>
+              </a:rPr>
+              <a:t> network volume create</a:t>
+            </a:r>
+          </a:p>
+          <a:p>
+            <a:pPr>
+              <a:buFont typeface="Tw Cen MT" pitchFamily="18" charset="2"/>
+              <a:buChar char=" "/>
+            </a:pPr>
+            <a:r>
+              <a:rPr lang="en-US" dirty="0"/>
+              <a:t>Archivo </a:t>
+            </a:r>
+            <a:r>
+              <a:rPr lang="en-US" dirty="0" err="1"/>
+              <a:t>en</a:t>
+            </a:r>
+            <a:r>
+              <a:rPr lang="en-US" dirty="0"/>
+              <a:t> </a:t>
+            </a:r>
+            <a:r>
+              <a:rPr lang="en-US" dirty="0" err="1"/>
+              <a:t>formato</a:t>
+            </a:r>
+            <a:r>
+              <a:rPr lang="en-US" dirty="0"/>
+              <a:t> YAML</a:t>
+            </a:r>
+          </a:p>
+          <a:p>
+            <a:pPr marL="264795" lvl="1"/>
+            <a:r>
+              <a:rPr lang="en-US" dirty="0" err="1">
+                <a:ea typeface="+mn-lt"/>
+                <a:cs typeface="+mn-lt"/>
+              </a:rPr>
+              <a:t>Uso</a:t>
+            </a:r>
+            <a:r>
+              <a:rPr lang="en-US" dirty="0">
+                <a:ea typeface="+mn-lt"/>
+                <a:cs typeface="+mn-lt"/>
+              </a:rPr>
+              <a:t> de </a:t>
+            </a:r>
+            <a:r>
+              <a:rPr lang="en-US" dirty="0" err="1">
+                <a:ea typeface="+mn-lt"/>
+                <a:cs typeface="+mn-lt"/>
+              </a:rPr>
+              <a:t>sangrías</a:t>
+            </a:r>
+            <a:r>
+              <a:rPr lang="en-US" dirty="0">
+                <a:ea typeface="+mn-lt"/>
+                <a:cs typeface="+mn-lt"/>
+              </a:rPr>
+              <a:t>: Las </a:t>
+            </a:r>
+            <a:r>
+              <a:rPr lang="en-US" dirty="0" err="1">
+                <a:ea typeface="+mn-lt"/>
+                <a:cs typeface="+mn-lt"/>
+              </a:rPr>
+              <a:t>estructuras</a:t>
+            </a:r>
+            <a:r>
+              <a:rPr lang="en-US" dirty="0">
+                <a:ea typeface="+mn-lt"/>
+                <a:cs typeface="+mn-lt"/>
+              </a:rPr>
+              <a:t> de </a:t>
+            </a:r>
+            <a:r>
+              <a:rPr lang="en-US" dirty="0" err="1">
+                <a:ea typeface="+mn-lt"/>
+                <a:cs typeface="+mn-lt"/>
+              </a:rPr>
+              <a:t>datos</a:t>
+            </a:r>
+            <a:r>
+              <a:rPr lang="en-US" dirty="0">
+                <a:ea typeface="+mn-lt"/>
+                <a:cs typeface="+mn-lt"/>
+              </a:rPr>
+              <a:t> </a:t>
+            </a:r>
+            <a:r>
+              <a:rPr lang="en-US" dirty="0" err="1">
+                <a:ea typeface="+mn-lt"/>
+                <a:cs typeface="+mn-lt"/>
+              </a:rPr>
+              <a:t>en</a:t>
+            </a:r>
+            <a:r>
+              <a:rPr lang="en-US" dirty="0">
+                <a:ea typeface="+mn-lt"/>
+                <a:cs typeface="+mn-lt"/>
+              </a:rPr>
+              <a:t> YAML se </a:t>
+            </a:r>
+            <a:r>
+              <a:rPr lang="en-US" dirty="0" err="1">
+                <a:ea typeface="+mn-lt"/>
+                <a:cs typeface="+mn-lt"/>
+              </a:rPr>
+              <a:t>definen</a:t>
+            </a:r>
+            <a:r>
+              <a:rPr lang="en-US" dirty="0">
+                <a:ea typeface="+mn-lt"/>
+                <a:cs typeface="+mn-lt"/>
+              </a:rPr>
+              <a:t> </a:t>
+            </a:r>
+            <a:r>
+              <a:rPr lang="en-US" dirty="0" err="1">
+                <a:ea typeface="+mn-lt"/>
+                <a:cs typeface="+mn-lt"/>
+              </a:rPr>
+              <a:t>mediante</a:t>
+            </a:r>
+            <a:r>
+              <a:rPr lang="en-US" dirty="0">
+                <a:ea typeface="+mn-lt"/>
+                <a:cs typeface="+mn-lt"/>
+              </a:rPr>
+              <a:t> </a:t>
+            </a:r>
+            <a:r>
+              <a:rPr lang="en-US" dirty="0" err="1">
+                <a:ea typeface="+mn-lt"/>
+                <a:cs typeface="+mn-lt"/>
+              </a:rPr>
+              <a:t>el</a:t>
+            </a:r>
+            <a:r>
+              <a:rPr lang="en-US" dirty="0">
+                <a:ea typeface="+mn-lt"/>
+                <a:cs typeface="+mn-lt"/>
+              </a:rPr>
+              <a:t> </a:t>
+            </a:r>
+            <a:r>
+              <a:rPr lang="en-US" dirty="0" err="1">
+                <a:ea typeface="+mn-lt"/>
+                <a:cs typeface="+mn-lt"/>
+              </a:rPr>
+              <a:t>uso</a:t>
+            </a:r>
+            <a:r>
+              <a:rPr lang="en-US" dirty="0">
+                <a:ea typeface="+mn-lt"/>
+                <a:cs typeface="+mn-lt"/>
+              </a:rPr>
+              <a:t> de </a:t>
+            </a:r>
+            <a:r>
+              <a:rPr lang="en-US" dirty="0" err="1">
+                <a:ea typeface="+mn-lt"/>
+                <a:cs typeface="+mn-lt"/>
+              </a:rPr>
+              <a:t>sangrías</a:t>
+            </a:r>
+            <a:r>
+              <a:rPr lang="en-US" dirty="0">
+                <a:ea typeface="+mn-lt"/>
+                <a:cs typeface="+mn-lt"/>
+              </a:rPr>
+              <a:t> o </a:t>
+            </a:r>
+            <a:r>
+              <a:rPr lang="en-US" dirty="0" err="1">
+                <a:ea typeface="+mn-lt"/>
+                <a:cs typeface="+mn-lt"/>
+              </a:rPr>
+              <a:t>tabulaciones</a:t>
+            </a:r>
+            <a:r>
+              <a:rPr lang="en-US" dirty="0">
+                <a:ea typeface="+mn-lt"/>
+                <a:cs typeface="+mn-lt"/>
+              </a:rPr>
+              <a:t> para </a:t>
+            </a:r>
+            <a:r>
+              <a:rPr lang="en-US" dirty="0" err="1">
+                <a:ea typeface="+mn-lt"/>
+                <a:cs typeface="+mn-lt"/>
+              </a:rPr>
+              <a:t>denotar</a:t>
+            </a:r>
+            <a:r>
+              <a:rPr lang="en-US" dirty="0">
+                <a:ea typeface="+mn-lt"/>
+                <a:cs typeface="+mn-lt"/>
+              </a:rPr>
+              <a:t> la </a:t>
+            </a:r>
+            <a:r>
+              <a:rPr lang="en-US" dirty="0" err="1">
+                <a:ea typeface="+mn-lt"/>
+                <a:cs typeface="+mn-lt"/>
+              </a:rPr>
+              <a:t>jerarquía</a:t>
+            </a:r>
+            <a:r>
+              <a:rPr lang="en-US" dirty="0">
+                <a:ea typeface="+mn-lt"/>
+                <a:cs typeface="+mn-lt"/>
+              </a:rPr>
+              <a:t> de </a:t>
+            </a:r>
+            <a:r>
+              <a:rPr lang="en-US" dirty="0" err="1">
+                <a:ea typeface="+mn-lt"/>
+                <a:cs typeface="+mn-lt"/>
+              </a:rPr>
+              <a:t>los</a:t>
+            </a:r>
+            <a:r>
+              <a:rPr lang="en-US" dirty="0">
+                <a:ea typeface="+mn-lt"/>
+                <a:cs typeface="+mn-lt"/>
+              </a:rPr>
+              <a:t> </a:t>
+            </a:r>
+            <a:r>
+              <a:rPr lang="en-US" dirty="0" err="1">
+                <a:ea typeface="+mn-lt"/>
+                <a:cs typeface="+mn-lt"/>
+              </a:rPr>
+              <a:t>elementos</a:t>
+            </a:r>
+            <a:r>
+              <a:rPr lang="en-US" dirty="0">
+                <a:ea typeface="+mn-lt"/>
+                <a:cs typeface="+mn-lt"/>
+              </a:rPr>
+              <a:t>.</a:t>
+            </a:r>
+            <a:endParaRPr lang="en-US" dirty="0"/>
+          </a:p>
+          <a:p>
+            <a:pPr marL="264795" lvl="1"/>
+            <a:r>
+              <a:rPr lang="en-US" dirty="0">
+                <a:ea typeface="+mn-lt"/>
+                <a:cs typeface="+mn-lt"/>
+              </a:rPr>
+              <a:t>Claves-Valor: YAML </a:t>
+            </a:r>
+            <a:r>
+              <a:rPr lang="en-US" dirty="0" err="1">
+                <a:ea typeface="+mn-lt"/>
+                <a:cs typeface="+mn-lt"/>
+              </a:rPr>
+              <a:t>está</a:t>
+            </a:r>
+            <a:r>
+              <a:rPr lang="en-US" dirty="0">
+                <a:ea typeface="+mn-lt"/>
+                <a:cs typeface="+mn-lt"/>
+              </a:rPr>
+              <a:t> </a:t>
+            </a:r>
+            <a:r>
+              <a:rPr lang="en-US" dirty="0" err="1">
+                <a:ea typeface="+mn-lt"/>
+                <a:cs typeface="+mn-lt"/>
+              </a:rPr>
+              <a:t>basado</a:t>
+            </a:r>
+            <a:r>
+              <a:rPr lang="en-US" dirty="0">
+                <a:ea typeface="+mn-lt"/>
+                <a:cs typeface="+mn-lt"/>
+              </a:rPr>
+              <a:t> </a:t>
+            </a:r>
+            <a:r>
+              <a:rPr lang="en-US" dirty="0" err="1">
+                <a:ea typeface="+mn-lt"/>
+                <a:cs typeface="+mn-lt"/>
+              </a:rPr>
+              <a:t>en</a:t>
+            </a:r>
+            <a:r>
+              <a:rPr lang="en-US" dirty="0">
+                <a:ea typeface="+mn-lt"/>
+                <a:cs typeface="+mn-lt"/>
+              </a:rPr>
+              <a:t> </a:t>
+            </a:r>
+            <a:r>
+              <a:rPr lang="en-US" dirty="0" err="1">
+                <a:ea typeface="+mn-lt"/>
+                <a:cs typeface="+mn-lt"/>
+              </a:rPr>
+              <a:t>una</a:t>
+            </a:r>
+            <a:r>
+              <a:rPr lang="en-US" dirty="0">
+                <a:ea typeface="+mn-lt"/>
+                <a:cs typeface="+mn-lt"/>
+              </a:rPr>
+              <a:t> </a:t>
+            </a:r>
+            <a:r>
+              <a:rPr lang="en-US" dirty="0" err="1">
+                <a:ea typeface="+mn-lt"/>
+                <a:cs typeface="+mn-lt"/>
+              </a:rPr>
+              <a:t>estructura</a:t>
+            </a:r>
+            <a:r>
+              <a:rPr lang="en-US" dirty="0">
+                <a:ea typeface="+mn-lt"/>
+                <a:cs typeface="+mn-lt"/>
+              </a:rPr>
+              <a:t> de claves y </a:t>
+            </a:r>
+            <a:r>
+              <a:rPr lang="en-US" dirty="0" err="1">
+                <a:ea typeface="+mn-lt"/>
+                <a:cs typeface="+mn-lt"/>
+              </a:rPr>
+              <a:t>valores</a:t>
+            </a:r>
+            <a:r>
+              <a:rPr lang="en-US" dirty="0">
+                <a:ea typeface="+mn-lt"/>
+                <a:cs typeface="+mn-lt"/>
+              </a:rPr>
+              <a:t>, </a:t>
+            </a:r>
+            <a:r>
+              <a:rPr lang="en-US" dirty="0" err="1">
+                <a:ea typeface="+mn-lt"/>
+                <a:cs typeface="+mn-lt"/>
+              </a:rPr>
+              <a:t>donde</a:t>
+            </a:r>
+            <a:r>
+              <a:rPr lang="en-US" dirty="0">
+                <a:ea typeface="+mn-lt"/>
+                <a:cs typeface="+mn-lt"/>
+              </a:rPr>
+              <a:t> </a:t>
+            </a:r>
+            <a:r>
+              <a:rPr lang="en-US" dirty="0" err="1">
+                <a:ea typeface="+mn-lt"/>
+                <a:cs typeface="+mn-lt"/>
+              </a:rPr>
+              <a:t>cada</a:t>
+            </a:r>
+            <a:r>
+              <a:rPr lang="en-US" dirty="0">
+                <a:ea typeface="+mn-lt"/>
+                <a:cs typeface="+mn-lt"/>
+              </a:rPr>
+              <a:t> </a:t>
+            </a:r>
+            <a:r>
+              <a:rPr lang="en-US" dirty="0" err="1">
+                <a:ea typeface="+mn-lt"/>
+                <a:cs typeface="+mn-lt"/>
+              </a:rPr>
+              <a:t>elemento</a:t>
+            </a:r>
+            <a:r>
+              <a:rPr lang="en-US" dirty="0">
+                <a:ea typeface="+mn-lt"/>
+                <a:cs typeface="+mn-lt"/>
+              </a:rPr>
+              <a:t> </a:t>
+            </a:r>
+            <a:r>
+              <a:rPr lang="en-US" dirty="0" err="1">
+                <a:ea typeface="+mn-lt"/>
+                <a:cs typeface="+mn-lt"/>
+              </a:rPr>
+              <a:t>tiene</a:t>
+            </a:r>
+            <a:r>
+              <a:rPr lang="en-US" dirty="0">
+                <a:ea typeface="+mn-lt"/>
+                <a:cs typeface="+mn-lt"/>
+              </a:rPr>
+              <a:t> </a:t>
+            </a:r>
+            <a:r>
+              <a:rPr lang="en-US" dirty="0" err="1">
+                <a:ea typeface="+mn-lt"/>
+                <a:cs typeface="+mn-lt"/>
+              </a:rPr>
+              <a:t>una</a:t>
+            </a:r>
+            <a:r>
+              <a:rPr lang="en-US" dirty="0">
+                <a:ea typeface="+mn-lt"/>
+                <a:cs typeface="+mn-lt"/>
+              </a:rPr>
+              <a:t> clave </a:t>
+            </a:r>
+            <a:r>
+              <a:rPr lang="en-US" dirty="0" err="1">
+                <a:ea typeface="+mn-lt"/>
+                <a:cs typeface="+mn-lt"/>
+              </a:rPr>
+              <a:t>única</a:t>
+            </a:r>
+            <a:r>
+              <a:rPr lang="en-US" dirty="0">
+                <a:ea typeface="+mn-lt"/>
+                <a:cs typeface="+mn-lt"/>
+              </a:rPr>
+              <a:t> y un valor </a:t>
+            </a:r>
+            <a:r>
+              <a:rPr lang="en-US" dirty="0" err="1">
+                <a:ea typeface="+mn-lt"/>
+                <a:cs typeface="+mn-lt"/>
+              </a:rPr>
+              <a:t>asociado</a:t>
+            </a:r>
+            <a:r>
+              <a:rPr lang="en-US" dirty="0">
+                <a:ea typeface="+mn-lt"/>
+                <a:cs typeface="+mn-lt"/>
+              </a:rPr>
+              <a:t>.</a:t>
+            </a:r>
+          </a:p>
+          <a:p>
+            <a:pPr>
+              <a:buFont typeface="Tw Cen MT" pitchFamily="18" charset="2"/>
+              <a:buChar char=" "/>
+            </a:pPr>
+            <a:r>
+              <a:rPr lang="en-US" dirty="0" err="1">
+                <a:ea typeface="+mn-lt"/>
+                <a:cs typeface="+mn-lt"/>
+              </a:rPr>
+              <a:t>Utilizaremos</a:t>
+            </a:r>
+            <a:r>
+              <a:rPr lang="en-US" dirty="0">
+                <a:ea typeface="+mn-lt"/>
+                <a:cs typeface="+mn-lt"/>
+              </a:rPr>
+              <a:t> </a:t>
+            </a:r>
+            <a:r>
+              <a:rPr lang="en-US" dirty="0" err="1">
+                <a:ea typeface="+mn-lt"/>
+                <a:cs typeface="+mn-lt"/>
+              </a:rPr>
+              <a:t>tres</a:t>
+            </a:r>
+            <a:r>
+              <a:rPr lang="en-US" dirty="0">
+                <a:ea typeface="+mn-lt"/>
+                <a:cs typeface="+mn-lt"/>
+              </a:rPr>
+              <a:t> </a:t>
+            </a:r>
+            <a:r>
+              <a:rPr lang="en-US" dirty="0" err="1">
+                <a:ea typeface="+mn-lt"/>
+                <a:cs typeface="+mn-lt"/>
+              </a:rPr>
+              <a:t>tipos</a:t>
+            </a:r>
+            <a:r>
+              <a:rPr lang="en-US" dirty="0">
+                <a:ea typeface="+mn-lt"/>
+                <a:cs typeface="+mn-lt"/>
+              </a:rPr>
+              <a:t> de </a:t>
+            </a:r>
+            <a:r>
+              <a:rPr lang="en-US" dirty="0" err="1">
+                <a:ea typeface="+mn-lt"/>
+                <a:cs typeface="+mn-lt"/>
+              </a:rPr>
+              <a:t>elementos</a:t>
+            </a:r>
+            <a:r>
+              <a:rPr lang="en-US" dirty="0">
+                <a:ea typeface="+mn-lt"/>
+                <a:cs typeface="+mn-lt"/>
+              </a:rPr>
+              <a:t> </a:t>
+            </a:r>
+            <a:r>
+              <a:rPr lang="en-US" dirty="0" err="1">
+                <a:ea typeface="+mn-lt"/>
+                <a:cs typeface="+mn-lt"/>
+              </a:rPr>
+              <a:t>en</a:t>
+            </a:r>
+            <a:r>
+              <a:rPr lang="en-US" dirty="0">
+                <a:ea typeface="+mn-lt"/>
+                <a:cs typeface="+mn-lt"/>
+              </a:rPr>
+              <a:t> </a:t>
+            </a:r>
+            <a:r>
+              <a:rPr lang="en-US" dirty="0" err="1">
+                <a:ea typeface="+mn-lt"/>
+                <a:cs typeface="+mn-lt"/>
+              </a:rPr>
+              <a:t>el</a:t>
+            </a:r>
+            <a:r>
+              <a:rPr lang="en-US" dirty="0">
+                <a:ea typeface="+mn-lt"/>
+                <a:cs typeface="+mn-lt"/>
+              </a:rPr>
+              <a:t> </a:t>
+            </a:r>
+            <a:r>
+              <a:rPr lang="en-US" dirty="0" err="1">
+                <a:ea typeface="+mn-lt"/>
+                <a:cs typeface="+mn-lt"/>
+              </a:rPr>
+              <a:t>nivel</a:t>
+            </a:r>
+            <a:r>
+              <a:rPr lang="en-US" dirty="0">
+                <a:ea typeface="+mn-lt"/>
+                <a:cs typeface="+mn-lt"/>
+              </a:rPr>
+              <a:t> </a:t>
+            </a:r>
+            <a:r>
+              <a:rPr lang="en-US" dirty="0" err="1">
+                <a:ea typeface="+mn-lt"/>
+                <a:cs typeface="+mn-lt"/>
+              </a:rPr>
+              <a:t>jerárquico</a:t>
+            </a:r>
+            <a:r>
+              <a:rPr lang="en-US" dirty="0">
+                <a:ea typeface="+mn-lt"/>
+                <a:cs typeface="+mn-lt"/>
+              </a:rPr>
+              <a:t> superior (sin </a:t>
+            </a:r>
+            <a:r>
+              <a:rPr lang="en-US" dirty="0" err="1">
+                <a:ea typeface="+mn-lt"/>
+                <a:cs typeface="+mn-lt"/>
+              </a:rPr>
+              <a:t>indentar</a:t>
+            </a:r>
+            <a:r>
+              <a:rPr lang="en-US" dirty="0">
+                <a:ea typeface="+mn-lt"/>
+                <a:cs typeface="+mn-lt"/>
+              </a:rPr>
+              <a:t>): </a:t>
+            </a:r>
+            <a:endParaRPr lang="en-US" dirty="0"/>
+          </a:p>
+          <a:p>
+            <a:pPr marL="264795" lvl="1"/>
+            <a:r>
+              <a:rPr lang="en-US" dirty="0">
+                <a:ea typeface="+mn-lt"/>
+                <a:cs typeface="+mn-lt"/>
+              </a:rPr>
+              <a:t>networks: Define las redes que se van a </a:t>
+            </a:r>
+            <a:r>
+              <a:rPr lang="en-US" dirty="0" err="1">
+                <a:ea typeface="+mn-lt"/>
+                <a:cs typeface="+mn-lt"/>
+              </a:rPr>
+              <a:t>conectar</a:t>
+            </a:r>
+            <a:r>
+              <a:rPr lang="en-US" dirty="0">
+                <a:ea typeface="+mn-lt"/>
+                <a:cs typeface="+mn-lt"/>
+              </a:rPr>
+              <a:t> a </a:t>
+            </a:r>
+            <a:r>
+              <a:rPr lang="en-US" dirty="0" err="1">
+                <a:ea typeface="+mn-lt"/>
+                <a:cs typeface="+mn-lt"/>
+              </a:rPr>
+              <a:t>los</a:t>
+            </a:r>
+            <a:r>
+              <a:rPr lang="en-US" dirty="0">
+                <a:ea typeface="+mn-lt"/>
+                <a:cs typeface="+mn-lt"/>
+              </a:rPr>
+              <a:t> </a:t>
+            </a:r>
+            <a:r>
+              <a:rPr lang="en-US" dirty="0" err="1">
+                <a:ea typeface="+mn-lt"/>
+                <a:cs typeface="+mn-lt"/>
+              </a:rPr>
+              <a:t>contenedores</a:t>
+            </a:r>
+            <a:r>
+              <a:rPr lang="en-US" dirty="0">
+                <a:ea typeface="+mn-lt"/>
+                <a:cs typeface="+mn-lt"/>
+              </a:rPr>
+              <a:t> </a:t>
+            </a:r>
+          </a:p>
+          <a:p>
+            <a:pPr marL="264795" lvl="1"/>
+            <a:r>
+              <a:rPr lang="en-US" dirty="0">
+                <a:ea typeface="+mn-lt"/>
+                <a:cs typeface="+mn-lt"/>
+              </a:rPr>
+              <a:t>services: Define </a:t>
+            </a:r>
+            <a:r>
+              <a:rPr lang="en-US" dirty="0" err="1">
+                <a:ea typeface="+mn-lt"/>
+                <a:cs typeface="+mn-lt"/>
+              </a:rPr>
+              <a:t>los</a:t>
+            </a:r>
+            <a:r>
+              <a:rPr lang="en-US" dirty="0">
+                <a:ea typeface="+mn-lt"/>
+                <a:cs typeface="+mn-lt"/>
+              </a:rPr>
+              <a:t> </a:t>
+            </a:r>
+            <a:r>
+              <a:rPr lang="en-US" dirty="0" err="1">
+                <a:ea typeface="+mn-lt"/>
+                <a:cs typeface="+mn-lt"/>
+              </a:rPr>
+              <a:t>contenedores</a:t>
+            </a:r>
+            <a:r>
+              <a:rPr lang="en-US" dirty="0">
+                <a:ea typeface="+mn-lt"/>
+                <a:cs typeface="+mn-lt"/>
+              </a:rPr>
+              <a:t> </a:t>
+            </a:r>
+          </a:p>
+          <a:p>
+            <a:pPr marL="264795" lvl="1"/>
+            <a:r>
+              <a:rPr lang="en-US" dirty="0">
+                <a:ea typeface="+mn-lt"/>
+                <a:cs typeface="+mn-lt"/>
+              </a:rPr>
+              <a:t>volumes: Define </a:t>
+            </a:r>
+            <a:r>
+              <a:rPr lang="en-US" dirty="0" err="1">
+                <a:ea typeface="+mn-lt"/>
+                <a:cs typeface="+mn-lt"/>
+              </a:rPr>
+              <a:t>los</a:t>
+            </a:r>
+            <a:r>
+              <a:rPr lang="en-US" dirty="0">
+                <a:ea typeface="+mn-lt"/>
+                <a:cs typeface="+mn-lt"/>
+              </a:rPr>
+              <a:t> </a:t>
+            </a:r>
+            <a:r>
+              <a:rPr lang="en-US" dirty="0" err="1">
+                <a:ea typeface="+mn-lt"/>
+                <a:cs typeface="+mn-lt"/>
+              </a:rPr>
+              <a:t>volúmenes</a:t>
+            </a:r>
+            <a:r>
+              <a:rPr lang="en-US" dirty="0">
+                <a:ea typeface="+mn-lt"/>
+                <a:cs typeface="+mn-lt"/>
+              </a:rPr>
+              <a:t> que se </a:t>
+            </a:r>
+            <a:r>
+              <a:rPr lang="en-US" dirty="0" err="1">
+                <a:ea typeface="+mn-lt"/>
+                <a:cs typeface="+mn-lt"/>
+              </a:rPr>
+              <a:t>va</a:t>
+            </a:r>
+            <a:r>
+              <a:rPr lang="en-US" dirty="0">
+                <a:ea typeface="+mn-lt"/>
+                <a:cs typeface="+mn-lt"/>
+              </a:rPr>
+              <a:t> a </a:t>
+            </a:r>
+            <a:r>
+              <a:rPr lang="en-US" dirty="0" err="1">
+                <a:ea typeface="+mn-lt"/>
+                <a:cs typeface="+mn-lt"/>
+              </a:rPr>
+              <a:t>asociar</a:t>
+            </a:r>
+            <a:r>
+              <a:rPr lang="en-US" dirty="0">
+                <a:ea typeface="+mn-lt"/>
+                <a:cs typeface="+mn-lt"/>
+              </a:rPr>
+              <a:t> a </a:t>
+            </a:r>
+            <a:r>
+              <a:rPr lang="en-US" dirty="0" err="1">
+                <a:ea typeface="+mn-lt"/>
+                <a:cs typeface="+mn-lt"/>
+              </a:rPr>
+              <a:t>los</a:t>
+            </a:r>
+            <a:r>
+              <a:rPr lang="en-US" dirty="0">
+                <a:ea typeface="+mn-lt"/>
+                <a:cs typeface="+mn-lt"/>
+              </a:rPr>
+              <a:t> </a:t>
+            </a:r>
+            <a:r>
+              <a:rPr lang="en-US" dirty="0" err="1">
+                <a:ea typeface="+mn-lt"/>
+                <a:cs typeface="+mn-lt"/>
+              </a:rPr>
+              <a:t>contenedores</a:t>
+            </a:r>
+            <a:endParaRPr lang="en-US" dirty="0">
+              <a:ea typeface="+mn-lt"/>
+              <a:cs typeface="+mn-lt"/>
+            </a:endParaRPr>
+          </a:p>
+        </p:txBody>
+      </p:sp>
+    </p:spTree>
+    <p:extLst>
+      <p:ext uri="{BB962C8B-B14F-4D97-AF65-F5344CB8AC3E}">
+        <p14:creationId xmlns:p14="http://schemas.microsoft.com/office/powerpoint/2010/main" val="1769932685"/>
+      </p:ext>
+    </p:extLst>
+  </p:cSld>
+  <p:clrMapOvr>
+    <a:masterClrMapping/>
+  </p:clrMapOvr>
+</p:sld>
+</file>
+
+<file path=ppt/slides/slide63.xml><?xml version="1.0" encoding="utf-8"?>
+<p:sld xmlns:a="http://schemas.openxmlformats.org/drawingml/2006/main" xmlns:r="http://schemas.openxmlformats.org/officeDocument/2006/relationships" xmlns:p="http://schemas.openxmlformats.org/presentationml/2006/main">
+  <p:cSld>
+    <p:spTree>
+      <p:nvGrpSpPr>
+        <p:cNvPr id="1" name=""/>
+        <p:cNvGrpSpPr/>
+        <p:nvPr/>
+      </p:nvGrpSpPr>
+      <p:grpSpPr>
+        <a:xfrm>
+          <a:off x="0" y="0"/>
+          <a:ext cx="0" cy="0"/>
+          <a:chOff x="0" y="0"/>
+          <a:chExt cx="0" cy="0"/>
+        </a:xfrm>
+      </p:grpSpPr>
+      <p:sp>
+        <p:nvSpPr>
+          <p:cNvPr id="2" name="Title 1">
+            <a:extLst>
+              <a:ext uri="{FF2B5EF4-FFF2-40B4-BE49-F238E27FC236}">
+                <a16:creationId xmlns:a16="http://schemas.microsoft.com/office/drawing/2014/main" id="{58B7934E-9ADF-93A8-F24C-BBC817D0B60A}"/>
+              </a:ext>
+            </a:extLst>
+          </p:cNvPr>
+          <p:cNvSpPr>
+            <a:spLocks noGrp="1"/>
+          </p:cNvSpPr>
+          <p:nvPr>
+            <p:ph type="title"/>
+          </p:nvPr>
+        </p:nvSpPr>
+        <p:spPr/>
+        <p:txBody>
+          <a:bodyPr/>
+          <a:lstStyle/>
+          <a:p>
+            <a:r>
+              <a:rPr lang="en-US" dirty="0" err="1"/>
+              <a:t>Pequeña</a:t>
+            </a:r>
+            <a:r>
+              <a:rPr lang="en-US" dirty="0"/>
+              <a:t> </a:t>
+            </a:r>
+            <a:r>
+              <a:rPr lang="en-US" dirty="0" err="1"/>
+              <a:t>referencia</a:t>
+            </a:r>
+            <a:r>
+              <a:rPr lang="en-US" dirty="0"/>
+              <a:t> de Docker Compose</a:t>
+            </a:r>
+          </a:p>
+        </p:txBody>
+      </p:sp>
+      <p:sp>
+        <p:nvSpPr>
+          <p:cNvPr id="3" name="Content Placeholder 2">
+            <a:extLst>
+              <a:ext uri="{FF2B5EF4-FFF2-40B4-BE49-F238E27FC236}">
+                <a16:creationId xmlns:a16="http://schemas.microsoft.com/office/drawing/2014/main" id="{36C28938-0F7E-D277-3F6A-6A5ADB13C7E1}"/>
+              </a:ext>
+            </a:extLst>
+          </p:cNvPr>
+          <p:cNvSpPr>
+            <a:spLocks noGrp="1"/>
+          </p:cNvSpPr>
+          <p:nvPr>
+            <p:ph idx="1"/>
+          </p:nvPr>
+        </p:nvSpPr>
+        <p:spPr/>
+        <p:txBody>
+          <a:bodyPr vert="horz" lIns="45720" tIns="45720" rIns="45720" bIns="45720" rtlCol="0" anchor="t">
+            <a:normAutofit/>
+          </a:bodyPr>
+          <a:lstStyle/>
+          <a:p>
+            <a:pPr>
+              <a:buFont typeface="Tw Cen MT" pitchFamily="18" charset="2"/>
+              <a:buChar char=" "/>
+            </a:pPr>
+            <a:r>
+              <a:rPr lang="en-US" dirty="0"/>
+              <a:t>Para </a:t>
+            </a:r>
+            <a:r>
+              <a:rPr lang="en-US" dirty="0" err="1"/>
+              <a:t>cada</a:t>
+            </a:r>
+            <a:r>
+              <a:rPr lang="en-US" dirty="0"/>
+              <a:t> </a:t>
+            </a:r>
+            <a:r>
+              <a:rPr lang="en-US" dirty="0" err="1"/>
+              <a:t>contenedor</a:t>
+            </a:r>
+            <a:r>
+              <a:rPr lang="en-US" dirty="0"/>
+              <a:t>, </a:t>
+            </a:r>
+            <a:r>
+              <a:rPr lang="en-US" dirty="0" err="1"/>
+              <a:t>utilizaremos</a:t>
+            </a:r>
+            <a:r>
+              <a:rPr lang="en-US" dirty="0"/>
+              <a:t> </a:t>
+            </a:r>
+            <a:r>
+              <a:rPr lang="en-US" dirty="0" err="1"/>
+              <a:t>los</a:t>
+            </a:r>
+            <a:r>
+              <a:rPr lang="en-US" dirty="0"/>
+              <a:t> </a:t>
+            </a:r>
+            <a:r>
+              <a:rPr lang="en-US" dirty="0" err="1"/>
+              <a:t>siguientes</a:t>
+            </a:r>
+            <a:r>
+              <a:rPr lang="en-US" dirty="0"/>
+              <a:t> </a:t>
+            </a:r>
+            <a:r>
+              <a:rPr lang="en-US" dirty="0" err="1"/>
+              <a:t>elementos</a:t>
+            </a:r>
+            <a:r>
+              <a:rPr lang="en-US" dirty="0"/>
+              <a:t>:</a:t>
+            </a:r>
+          </a:p>
+          <a:p>
+            <a:pPr marL="264795" lvl="1"/>
+            <a:r>
+              <a:rPr lang="en-US" dirty="0"/>
+              <a:t>image: Define la imagen que se </a:t>
+            </a:r>
+            <a:r>
+              <a:rPr lang="en-US" dirty="0" err="1"/>
+              <a:t>va</a:t>
+            </a:r>
+            <a:r>
+              <a:rPr lang="en-US" dirty="0"/>
+              <a:t> a </a:t>
+            </a:r>
+            <a:r>
+              <a:rPr lang="en-US" dirty="0" err="1"/>
+              <a:t>utilizar</a:t>
+            </a:r>
+            <a:r>
+              <a:rPr lang="en-US" dirty="0"/>
+              <a:t> para </a:t>
+            </a:r>
+            <a:r>
+              <a:rPr lang="en-US" dirty="0" err="1"/>
+              <a:t>construir</a:t>
+            </a:r>
+            <a:r>
+              <a:rPr lang="en-US" dirty="0"/>
+              <a:t> </a:t>
+            </a:r>
+            <a:r>
+              <a:rPr lang="en-US" dirty="0" err="1"/>
+              <a:t>el</a:t>
+            </a:r>
+            <a:r>
+              <a:rPr lang="en-US" dirty="0"/>
+              <a:t> </a:t>
+            </a:r>
+            <a:r>
+              <a:rPr lang="en-US" dirty="0" err="1"/>
+              <a:t>contenedor</a:t>
+            </a:r>
+            <a:endParaRPr lang="en-US"/>
+          </a:p>
+          <a:p>
+            <a:pPr marL="264795" lvl="1"/>
+            <a:r>
+              <a:rPr lang="en-US" dirty="0"/>
+              <a:t>build: Define </a:t>
+            </a:r>
+            <a:r>
+              <a:rPr lang="en-US" dirty="0" err="1"/>
+              <a:t>el</a:t>
+            </a:r>
+            <a:r>
+              <a:rPr lang="en-US" dirty="0"/>
+              <a:t> </a:t>
+            </a:r>
+            <a:r>
+              <a:rPr lang="en-US" dirty="0" err="1"/>
+              <a:t>directorio</a:t>
+            </a:r>
+            <a:r>
+              <a:rPr lang="en-US" dirty="0"/>
+              <a:t> (</a:t>
+            </a:r>
+            <a:r>
+              <a:rPr lang="en-US" dirty="0" err="1">
+                <a:ea typeface="+mn-lt"/>
+                <a:cs typeface="+mn-lt"/>
+              </a:rPr>
+              <a:t>contexto</a:t>
+            </a:r>
+            <a:r>
+              <a:rPr lang="en-US" dirty="0"/>
+              <a:t>) </a:t>
+            </a:r>
+            <a:r>
+              <a:rPr lang="en-US" dirty="0" err="1"/>
+              <a:t>donde</a:t>
+            </a:r>
+            <a:r>
+              <a:rPr lang="en-US" dirty="0"/>
+              <a:t> </a:t>
+            </a:r>
+            <a:r>
+              <a:rPr lang="en-US" dirty="0" err="1"/>
+              <a:t>está</a:t>
+            </a:r>
+            <a:r>
+              <a:rPr lang="en-US" dirty="0"/>
+              <a:t> </a:t>
+            </a:r>
+            <a:r>
+              <a:rPr lang="en-US" dirty="0" err="1"/>
+              <a:t>el</a:t>
+            </a:r>
+            <a:r>
+              <a:rPr lang="en-US" dirty="0"/>
+              <a:t> </a:t>
+            </a:r>
+            <a:r>
+              <a:rPr lang="en-US" dirty="0" err="1"/>
+              <a:t>Dockerfile</a:t>
+            </a:r>
+            <a:r>
+              <a:rPr lang="en-US" dirty="0"/>
+              <a:t> que se </a:t>
+            </a:r>
+            <a:r>
+              <a:rPr lang="en-US" dirty="0" err="1"/>
+              <a:t>va</a:t>
+            </a:r>
+            <a:r>
+              <a:rPr lang="en-US" dirty="0"/>
+              <a:t> a </a:t>
+            </a:r>
+            <a:r>
+              <a:rPr lang="en-US" dirty="0" err="1"/>
+              <a:t>utilizar</a:t>
+            </a:r>
+            <a:r>
+              <a:rPr lang="en-US" dirty="0"/>
+              <a:t> para </a:t>
+            </a:r>
+            <a:r>
+              <a:rPr lang="en-US" dirty="0" err="1"/>
+              <a:t>crear</a:t>
+            </a:r>
+            <a:r>
+              <a:rPr lang="en-US" dirty="0"/>
+              <a:t> la imagen. Si se </a:t>
+            </a:r>
+            <a:r>
+              <a:rPr lang="en-US" dirty="0" err="1"/>
+              <a:t>usa</a:t>
+            </a:r>
+            <a:r>
+              <a:rPr lang="en-US" dirty="0"/>
+              <a:t> </a:t>
+            </a:r>
+            <a:r>
+              <a:rPr lang="en-US" dirty="0" err="1"/>
+              <a:t>esta</a:t>
+            </a:r>
+            <a:r>
+              <a:rPr lang="en-US" dirty="0"/>
+              <a:t> </a:t>
+            </a:r>
+            <a:r>
+              <a:rPr lang="en-US" dirty="0" err="1"/>
+              <a:t>opción</a:t>
+            </a:r>
+            <a:r>
+              <a:rPr lang="en-US" dirty="0"/>
+              <a:t>, </a:t>
+            </a:r>
+            <a:r>
+              <a:rPr lang="en-US" dirty="0" err="1"/>
+              <a:t>el</a:t>
+            </a:r>
+            <a:r>
+              <a:rPr lang="en-US" dirty="0"/>
+              <a:t> </a:t>
+            </a:r>
+            <a:r>
+              <a:rPr lang="en-US" dirty="0" err="1"/>
+              <a:t>atributo</a:t>
+            </a:r>
+            <a:r>
+              <a:rPr lang="en-US" dirty="0"/>
+              <a:t> image define </a:t>
+            </a:r>
+            <a:r>
+              <a:rPr lang="en-US" dirty="0" err="1"/>
+              <a:t>el</a:t>
+            </a:r>
+            <a:r>
+              <a:rPr lang="en-US" dirty="0"/>
+              <a:t> </a:t>
+            </a:r>
+            <a:r>
+              <a:rPr lang="en-US" dirty="0" err="1"/>
+              <a:t>nombre</a:t>
+            </a:r>
+            <a:r>
+              <a:rPr lang="en-US" dirty="0"/>
+              <a:t> que se le </a:t>
+            </a:r>
+            <a:r>
+              <a:rPr lang="en-US" dirty="0" err="1"/>
+              <a:t>pondrá</a:t>
+            </a:r>
+            <a:r>
+              <a:rPr lang="en-US" dirty="0"/>
+              <a:t> a la </a:t>
+            </a:r>
+            <a:r>
+              <a:rPr lang="en-US" dirty="0" err="1"/>
+              <a:t>nueva</a:t>
+            </a:r>
+            <a:r>
+              <a:rPr lang="en-US" dirty="0"/>
+              <a:t> imagen</a:t>
+            </a:r>
+          </a:p>
+          <a:p>
+            <a:pPr marL="264795" lvl="1"/>
+            <a:r>
+              <a:rPr lang="en-US" dirty="0" err="1"/>
+              <a:t>container_name</a:t>
+            </a:r>
+            <a:r>
+              <a:rPr lang="en-US" dirty="0"/>
+              <a:t>: Nombre del </a:t>
+            </a:r>
+            <a:r>
+              <a:rPr lang="en-US" dirty="0" err="1"/>
+              <a:t>contenedor</a:t>
+            </a:r>
+            <a:endParaRPr lang="en-US"/>
+          </a:p>
+          <a:p>
+            <a:pPr marL="264795" lvl="1"/>
+            <a:r>
+              <a:rPr lang="en-US" dirty="0" err="1"/>
+              <a:t>depends_on</a:t>
+            </a:r>
+            <a:r>
+              <a:rPr lang="en-US" dirty="0"/>
+              <a:t>: Espera a que </a:t>
+            </a:r>
+            <a:r>
+              <a:rPr lang="en-US" dirty="0" err="1"/>
+              <a:t>los</a:t>
+            </a:r>
+            <a:r>
+              <a:rPr lang="en-US" dirty="0"/>
+              <a:t> </a:t>
+            </a:r>
+            <a:r>
+              <a:rPr lang="en-US" dirty="0" err="1"/>
+              <a:t>contenedores</a:t>
+            </a:r>
+            <a:r>
+              <a:rPr lang="en-US" dirty="0"/>
+              <a:t> que se </a:t>
+            </a:r>
+            <a:r>
+              <a:rPr lang="en-US" dirty="0" err="1"/>
+              <a:t>especifican</a:t>
+            </a:r>
+            <a:r>
+              <a:rPr lang="en-US" dirty="0"/>
+              <a:t> </a:t>
+            </a:r>
+            <a:r>
+              <a:rPr lang="en-US" dirty="0" err="1"/>
+              <a:t>en</a:t>
+            </a:r>
+            <a:r>
+              <a:rPr lang="en-US" dirty="0"/>
+              <a:t> la </a:t>
+            </a:r>
+            <a:r>
+              <a:rPr lang="en-US" dirty="0" err="1"/>
+              <a:t>lista</a:t>
+            </a:r>
+            <a:r>
+              <a:rPr lang="en-US" dirty="0"/>
+              <a:t> </a:t>
+            </a:r>
+            <a:r>
+              <a:rPr lang="en-US" dirty="0" err="1"/>
+              <a:t>estén</a:t>
+            </a:r>
+            <a:r>
+              <a:rPr lang="en-US" dirty="0"/>
+              <a:t> </a:t>
+            </a:r>
+            <a:r>
+              <a:rPr lang="en-US" dirty="0" err="1"/>
+              <a:t>operativos</a:t>
+            </a:r>
+            <a:r>
+              <a:rPr lang="en-US" dirty="0"/>
+              <a:t> antes de </a:t>
+            </a:r>
+            <a:r>
+              <a:rPr lang="en-US" dirty="0" err="1"/>
+              <a:t>iniciar</a:t>
+            </a:r>
+            <a:endParaRPr lang="en-US" dirty="0"/>
+          </a:p>
+          <a:p>
+            <a:pPr marL="264795" lvl="1"/>
+            <a:r>
+              <a:rPr lang="en-US" dirty="0"/>
+              <a:t>environment: Define variables de </a:t>
+            </a:r>
+            <a:r>
+              <a:rPr lang="en-US" dirty="0" err="1"/>
+              <a:t>entorno</a:t>
+            </a:r>
+            <a:r>
+              <a:rPr lang="en-US" dirty="0"/>
+              <a:t> para </a:t>
+            </a:r>
+            <a:r>
+              <a:rPr lang="en-US" dirty="0" err="1"/>
+              <a:t>el</a:t>
+            </a:r>
+            <a:r>
+              <a:rPr lang="en-US" dirty="0"/>
+              <a:t> </a:t>
+            </a:r>
+            <a:r>
+              <a:rPr lang="en-US" dirty="0" err="1"/>
+              <a:t>contenedor</a:t>
+            </a:r>
+            <a:r>
+              <a:rPr lang="en-US" dirty="0"/>
+              <a:t>.</a:t>
+            </a:r>
+          </a:p>
+          <a:p>
+            <a:pPr marL="264795" lvl="1"/>
+            <a:r>
+              <a:rPr lang="en-US" dirty="0"/>
+              <a:t>ports: Define la </a:t>
+            </a:r>
+            <a:r>
+              <a:rPr lang="en-US" dirty="0" err="1"/>
+              <a:t>publicación</a:t>
+            </a:r>
+            <a:r>
+              <a:rPr lang="en-US" dirty="0"/>
+              <a:t> de </a:t>
+            </a:r>
+            <a:r>
+              <a:rPr lang="en-US" dirty="0" err="1"/>
+              <a:t>puertos</a:t>
+            </a:r>
+            <a:r>
+              <a:rPr lang="en-US" dirty="0"/>
+              <a:t> del </a:t>
+            </a:r>
+            <a:r>
+              <a:rPr lang="en-US" dirty="0" err="1"/>
+              <a:t>contenedor</a:t>
+            </a:r>
+            <a:r>
+              <a:rPr lang="en-US" dirty="0"/>
+              <a:t> a </a:t>
+            </a:r>
+            <a:r>
+              <a:rPr lang="en-US" dirty="0" err="1"/>
+              <a:t>través</a:t>
+            </a:r>
+            <a:r>
+              <a:rPr lang="en-US" dirty="0"/>
+              <a:t> del host</a:t>
+            </a:r>
+          </a:p>
+          <a:p>
+            <a:pPr marL="264795" lvl="1"/>
+            <a:r>
+              <a:rPr lang="en-US" dirty="0"/>
+              <a:t>volumes: </a:t>
+            </a:r>
+            <a:r>
+              <a:rPr lang="en-US" dirty="0" err="1"/>
+              <a:t>Volúmenes</a:t>
+            </a:r>
+            <a:r>
+              <a:rPr lang="en-US" dirty="0"/>
+              <a:t> y bind mounts que se van a </a:t>
+            </a:r>
+            <a:r>
+              <a:rPr lang="en-US" dirty="0" err="1"/>
+              <a:t>asociar</a:t>
+            </a:r>
+            <a:r>
+              <a:rPr lang="en-US" dirty="0"/>
+              <a:t> al </a:t>
+            </a:r>
+            <a:r>
+              <a:rPr lang="en-US" dirty="0" err="1"/>
+              <a:t>contenedor</a:t>
+            </a:r>
+            <a:endParaRPr lang="en-US" dirty="0"/>
+          </a:p>
+          <a:p>
+            <a:pPr marL="264795" lvl="1"/>
+            <a:r>
+              <a:rPr lang="en-US" dirty="0"/>
+              <a:t>networks: Redes a las que se </a:t>
+            </a:r>
+            <a:r>
+              <a:rPr lang="en-US" dirty="0" err="1"/>
+              <a:t>va</a:t>
+            </a:r>
+            <a:r>
+              <a:rPr lang="en-US" dirty="0"/>
+              <a:t> a </a:t>
+            </a:r>
+            <a:r>
+              <a:rPr lang="en-US" dirty="0" err="1"/>
+              <a:t>conectar</a:t>
+            </a:r>
+            <a:r>
+              <a:rPr lang="en-US" dirty="0"/>
+              <a:t> </a:t>
+            </a:r>
+            <a:r>
+              <a:rPr lang="en-US" dirty="0" err="1"/>
+              <a:t>el</a:t>
+            </a:r>
+            <a:r>
+              <a:rPr lang="en-US" dirty="0"/>
+              <a:t> </a:t>
+            </a:r>
+            <a:r>
+              <a:rPr lang="en-US" dirty="0" err="1"/>
+              <a:t>contenedor</a:t>
+            </a:r>
+            <a:r>
+              <a:rPr lang="en-US" dirty="0"/>
+              <a:t>. Mediante la </a:t>
+            </a:r>
+            <a:r>
+              <a:rPr lang="en-US" dirty="0" err="1"/>
+              <a:t>propiedad</a:t>
+            </a:r>
+            <a:r>
+              <a:rPr lang="en-US" dirty="0"/>
+              <a:t> aliases, es </a:t>
+            </a:r>
+            <a:r>
+              <a:rPr lang="en-US" dirty="0" err="1"/>
+              <a:t>posible</a:t>
+            </a:r>
+            <a:r>
+              <a:rPr lang="en-US" dirty="0"/>
+              <a:t> </a:t>
+            </a:r>
+            <a:r>
+              <a:rPr lang="en-US" dirty="0" err="1"/>
+              <a:t>añadir</a:t>
+            </a:r>
+            <a:r>
+              <a:rPr lang="en-US" dirty="0"/>
+              <a:t> </a:t>
+            </a:r>
+            <a:r>
+              <a:rPr lang="en-US" dirty="0" err="1"/>
+              <a:t>nombres</a:t>
+            </a:r>
+            <a:r>
+              <a:rPr lang="en-US" dirty="0"/>
+              <a:t> </a:t>
+            </a:r>
+            <a:r>
+              <a:rPr lang="en-US" dirty="0" err="1"/>
+              <a:t>adicionales</a:t>
+            </a:r>
+            <a:r>
+              <a:rPr lang="en-US" dirty="0"/>
+              <a:t> al </a:t>
+            </a:r>
+            <a:r>
+              <a:rPr lang="en-US" dirty="0" err="1"/>
+              <a:t>contenedor</a:t>
+            </a:r>
+            <a:r>
+              <a:rPr lang="en-US" dirty="0"/>
+              <a:t> que </a:t>
+            </a:r>
+            <a:r>
+              <a:rPr lang="en-US" dirty="0" err="1"/>
+              <a:t>podrán</a:t>
+            </a:r>
+            <a:r>
+              <a:rPr lang="en-US" dirty="0"/>
+              <a:t> </a:t>
+            </a:r>
+            <a:r>
+              <a:rPr lang="en-US" dirty="0" err="1"/>
+              <a:t>utilizar</a:t>
+            </a:r>
+            <a:r>
+              <a:rPr lang="en-US" dirty="0"/>
+              <a:t> </a:t>
+            </a:r>
+            <a:r>
+              <a:rPr lang="en-US" dirty="0" err="1"/>
+              <a:t>otros</a:t>
+            </a:r>
+            <a:r>
+              <a:rPr lang="en-US" dirty="0"/>
+              <a:t> </a:t>
+            </a:r>
+            <a:r>
+              <a:rPr lang="en-US" dirty="0" err="1"/>
+              <a:t>contenedores</a:t>
+            </a:r>
+            <a:r>
+              <a:rPr lang="en-US" dirty="0"/>
+              <a:t> </a:t>
+            </a:r>
+            <a:r>
+              <a:rPr lang="en-US" dirty="0" err="1"/>
+              <a:t>conectados</a:t>
+            </a:r>
+            <a:r>
+              <a:rPr lang="en-US" dirty="0"/>
+              <a:t> a la </a:t>
+            </a:r>
+            <a:r>
+              <a:rPr lang="en-US" dirty="0" err="1"/>
+              <a:t>misma</a:t>
+            </a:r>
+            <a:r>
+              <a:rPr lang="en-US" dirty="0"/>
+              <a:t> red</a:t>
+            </a:r>
+          </a:p>
+          <a:p>
+            <a:pPr marL="264795" lvl="1"/>
+            <a:endParaRPr lang="en-US" dirty="0"/>
+          </a:p>
+        </p:txBody>
+      </p:sp>
+    </p:spTree>
+    <p:extLst>
+      <p:ext uri="{BB962C8B-B14F-4D97-AF65-F5344CB8AC3E}">
+        <p14:creationId xmlns:p14="http://schemas.microsoft.com/office/powerpoint/2010/main" val="4290294234"/>
+      </p:ext>
+    </p:extLst>
+  </p:cSld>
+  <p:clrMapOvr>
+    <a:masterClrMapping/>
+  </p:clrMapOvr>
+</p:sld>
+</file>
+
+<file path=ppt/slides/slide64.xml><?xml version="1.0" encoding="utf-8"?>
+<p:sld xmlns:a="http://schemas.openxmlformats.org/drawingml/2006/main" xmlns:r="http://schemas.openxmlformats.org/officeDocument/2006/relationships" xmlns:p="http://schemas.openxmlformats.org/presentationml/2006/main">
+  <p:cSld>
+    <p:spTree>
+      <p:nvGrpSpPr>
+        <p:cNvPr id="1" name=""/>
+        <p:cNvGrpSpPr/>
+        <p:nvPr/>
+      </p:nvGrpSpPr>
+      <p:grpSpPr>
+        <a:xfrm>
+          <a:off x="0" y="0"/>
+          <a:ext cx="0" cy="0"/>
+          <a:chOff x="0" y="0"/>
+          <a:chExt cx="0" cy="0"/>
+        </a:xfrm>
+      </p:grpSpPr>
+      <p:sp>
+        <p:nvSpPr>
+          <p:cNvPr id="2" name="Title 1">
+            <a:extLst>
+              <a:ext uri="{FF2B5EF4-FFF2-40B4-BE49-F238E27FC236}">
                 <a16:creationId xmlns:a16="http://schemas.microsoft.com/office/drawing/2014/main" id="{80E23ACC-EE4C-627E-5B92-713EC8DF63A3}"/>
               </a:ext>
             </a:extLst>
@@ -42219,7 +43089,7 @@
 </p:sld>
 </file>
 
-<file path=ppt/slides/slide61.xml><?xml version="1.0" encoding="utf-8"?>
+<file path=ppt/slides/slide65.xml><?xml version="1.0" encoding="utf-8"?>
 <p:sld xmlns:a="http://schemas.openxmlformats.org/drawingml/2006/main" xmlns:r="http://schemas.openxmlformats.org/officeDocument/2006/relationships" xmlns:p="http://schemas.openxmlformats.org/presentationml/2006/main">
   <p:cSld>
     <p:spTree>
@@ -42414,7 +43284,7 @@
 </p:sld>
 </file>
 
-<file path=ppt/slides/slide62.xml><?xml version="1.0" encoding="utf-8"?>
+<file path=ppt/slides/slide66.xml><?xml version="1.0" encoding="utf-8"?>
 <p:sld xmlns:a="http://schemas.openxmlformats.org/drawingml/2006/main" xmlns:r="http://schemas.openxmlformats.org/officeDocument/2006/relationships" xmlns:p="http://schemas.openxmlformats.org/presentationml/2006/main">
   <p:cSld>
     <p:spTree>
@@ -42568,7 +43438,7 @@
 </p:sld>
 </file>
 
-<file path=ppt/slides/slide63.xml><?xml version="1.0" encoding="utf-8"?>
+<file path=ppt/slides/slide67.xml><?xml version="1.0" encoding="utf-8"?>
 <p:sld xmlns:a="http://schemas.openxmlformats.org/drawingml/2006/main" xmlns:r="http://schemas.openxmlformats.org/officeDocument/2006/relationships" xmlns:p="http://schemas.openxmlformats.org/presentationml/2006/main">
   <p:cSld>
     <p:spTree>
@@ -44246,6 +45116,15 @@
 </file>
 
 <file path=customXml/item1.xml><?xml version="1.0" encoding="utf-8"?>
+<?mso-contentType ?>
+<FormTemplates xmlns="http://schemas.microsoft.com/sharepoint/v3/contenttype/forms">
+  <Display>DocumentLibraryForm</Display>
+  <Edit>DocumentLibraryForm</Edit>
+  <New>DocumentLibraryForm</New>
+</FormTemplates>
+</file>
+
+<file path=customXml/item2.xml><?xml version="1.0" encoding="utf-8"?>
 <ct:contentTypeSchema xmlns:ct="http://schemas.microsoft.com/office/2006/metadata/contentType" xmlns:ma="http://schemas.microsoft.com/office/2006/metadata/properties/metaAttributes" ct:_="" ma:_="" ma:contentTypeName="Document" ma:contentTypeID="0x01010079F111ED35F8CC479449609E8A0923A6" ma:contentTypeVersion="12" ma:contentTypeDescription="Create a new document." ma:contentTypeScope="" ma:versionID="7f9b5e87859ce6d7eedbdc6e4e4205ca">
   <xsd:schema xmlns:xsd="http://www.w3.org/2001/XMLSchema" xmlns:xs="http://www.w3.org/2001/XMLSchema" xmlns:p="http://schemas.microsoft.com/office/2006/metadata/properties" xmlns:ns2="71af3243-3dd4-4a8d-8c0d-dd76da1f02a5" xmlns:ns3="16c05727-aa75-4e4a-9b5f-8a80a1165891" targetNamespace="http://schemas.microsoft.com/office/2006/metadata/properties" ma:root="true" ma:fieldsID="a5e0075ee7624d6a846e01eb61837427" ns2:_="" ns3:_="">
     <xsd:import namespace="71af3243-3dd4-4a8d-8c0d-dd76da1f02a5"/>
@@ -44466,7 +45345,7 @@
 </ct:contentTypeSchema>
 </file>
 
-<file path=customXml/item2.xml><?xml version="1.0" encoding="utf-8"?>
+<file path=customXml/item3.xml><?xml version="1.0" encoding="utf-8"?>
 <p:properties xmlns:p="http://schemas.microsoft.com/office/2006/metadata/properties" xmlns:xsi="http://www.w3.org/2001/XMLSchema-instance" xmlns:pc="http://schemas.microsoft.com/office/infopath/2007/PartnerControls">
   <documentManagement>
     <MediaServiceKeyPoints xmlns="71af3243-3dd4-4a8d-8c0d-dd76da1f02a5" xsi:nil="true"/>
@@ -44475,16 +45354,15 @@
 </p:properties>
 </file>
 
-<file path=customXml/item3.xml><?xml version="1.0" encoding="utf-8"?>
-<?mso-contentType ?>
-<FormTemplates xmlns="http://schemas.microsoft.com/sharepoint/v3/contenttype/forms">
-  <Display>DocumentLibraryForm</Display>
-  <Edit>DocumentLibraryForm</Edit>
-  <New>DocumentLibraryForm</New>
-</FormTemplates>
+<file path=customXml/itemProps1.xml><?xml version="1.0" encoding="utf-8"?>
+<ds:datastoreItem xmlns:ds="http://schemas.openxmlformats.org/officeDocument/2006/customXml" ds:itemID="{764734E9-C274-4EB4-8E27-BAE9169A44EB}">
+  <ds:schemaRefs>
+    <ds:schemaRef ds:uri="http://schemas.microsoft.com/sharepoint/v3/contenttype/forms"/>
+  </ds:schemaRefs>
+</ds:datastoreItem>
 </file>
 
-<file path=customXml/itemProps1.xml><?xml version="1.0" encoding="utf-8"?>
+<file path=customXml/itemProps2.xml><?xml version="1.0" encoding="utf-8"?>
 <ds:datastoreItem xmlns:ds="http://schemas.openxmlformats.org/officeDocument/2006/customXml" ds:itemID="{8A6D9222-8445-4CAF-97EE-09B50EF08BBD}">
   <ds:schemaRefs>
     <ds:schemaRef ds:uri="http://schemas.microsoft.com/office/2006/metadata/contentType"/>
@@ -44503,7 +45381,7 @@
 </ds:datastoreItem>
 </file>
 
-<file path=customXml/itemProps2.xml><?xml version="1.0" encoding="utf-8"?>
+<file path=customXml/itemProps3.xml><?xml version="1.0" encoding="utf-8"?>
 <ds:datastoreItem xmlns:ds="http://schemas.openxmlformats.org/officeDocument/2006/customXml" ds:itemID="{77CF7ACA-83DF-48D1-85D1-C482ED91F651}">
   <ds:schemaRefs>
     <ds:schemaRef ds:uri="http://schemas.microsoft.com/office/2006/metadata/properties"/>
@@ -44511,12 +45389,4 @@
     <ds:schemaRef ds:uri="71af3243-3dd4-4a8d-8c0d-dd76da1f02a5"/>
   </ds:schemaRefs>
 </ds:datastoreItem>
-</file>
-
-<file path=customXml/itemProps3.xml><?xml version="1.0" encoding="utf-8"?>
-<ds:datastoreItem xmlns:ds="http://schemas.openxmlformats.org/officeDocument/2006/customXml" ds:itemID="{764734E9-C274-4EB4-8E27-BAE9169A44EB}">
-  <ds:schemaRefs>
-    <ds:schemaRef ds:uri="http://schemas.microsoft.com/sharepoint/v3/contenttype/forms"/>
-  </ds:schemaRefs>
-</ds:datastoreItem>
 </file>
--- a/ppt/curso-devops-ulpgc-docker.pptx
+++ b/ppt/curso-devops-ulpgc-docker.pptx
@@ -306,7 +306,7 @@
           <a:p>
             <a:fld id="{FE5B4EDC-59C0-49C7-8ADA-5A781B329E02}" type="datetimeFigureOut">
               <a:rPr lang="en-US"/>
-              <a:t>2/19/2024</a:t>
+              <a:t>2/21/2024</a:t>
             </a:fld>
             <a:endParaRPr dirty="0"/>
           </a:p>
@@ -471,7 +471,7 @@
           <a:p>
             <a:fld id="{F2D8D46A-B586-417D-BFBD-8C8FE0AAF762}" type="datetimeFigureOut">
               <a:rPr lang="en-US"/>
-              <a:t>2/19/2024</a:t>
+              <a:t>2/21/2024</a:t>
             </a:fld>
             <a:endParaRPr dirty="0"/>
           </a:p>
@@ -9484,7 +9484,7 @@
           <a:p>
             <a:fld id="{6AD6EE87-EBD5-4F12-A48A-63ACA297AC8F}" type="datetimeFigureOut">
               <a:rPr lang="en-US" dirty="0"/>
-              <a:t>2/19/2024</a:t>
+              <a:t>2/21/2024</a:t>
             </a:fld>
             <a:endParaRPr lang="en-US" dirty="0"/>
           </a:p>
@@ -9783,7 +9783,7 @@
           <a:p>
             <a:fld id="{4CD73815-2707-4475-8F1A-B873CB631BB4}" type="datetimeFigureOut">
               <a:rPr lang="en-US" dirty="0"/>
-              <a:t>2/19/2024</a:t>
+              <a:t>2/21/2024</a:t>
             </a:fld>
             <a:endParaRPr lang="en-US" dirty="0"/>
           </a:p>
@@ -9961,7 +9961,7 @@
           <a:p>
             <a:fld id="{2A4AFB99-0EAB-4182-AFF8-E214C82A68F6}" type="datetimeFigureOut">
               <a:rPr lang="en-US" dirty="0"/>
-              <a:t>2/19/2024</a:t>
+              <a:t>2/21/2024</a:t>
             </a:fld>
             <a:endParaRPr lang="en-US" dirty="0"/>
           </a:p>
@@ -10164,7 +10164,7 @@
           <a:p>
             <a:fld id="{A5D3794B-289A-4A80-97D7-111025398D45}" type="datetimeFigureOut">
               <a:rPr lang="en-US" dirty="0"/>
-              <a:t>2/19/2024</a:t>
+              <a:t>2/21/2024</a:t>
             </a:fld>
             <a:endParaRPr lang="en-US" dirty="0"/>
           </a:p>
@@ -19061,7 +19061,7 @@
           <a:p>
             <a:fld id="{5A61015F-7CC6-4D0A-9D87-873EA4C304CC}" type="datetimeFigureOut">
               <a:rPr lang="en-US" dirty="0"/>
-              <a:t>2/19/2024</a:t>
+              <a:t>2/21/2024</a:t>
             </a:fld>
             <a:endParaRPr lang="en-US" dirty="0"/>
           </a:p>
@@ -19332,7 +19332,7 @@
           <a:p>
             <a:fld id="{93C6A301-0538-44EC-B09D-202E1042A48B}" type="datetimeFigureOut">
               <a:rPr lang="en-US" dirty="0"/>
-              <a:t>2/19/2024</a:t>
+              <a:t>2/21/2024</a:t>
             </a:fld>
             <a:endParaRPr lang="en-US" dirty="0"/>
           </a:p>
@@ -19727,7 +19727,7 @@
           <a:p>
             <a:fld id="{D789574A-8875-45EF-8EA2-3CAA0F7ABC4C}" type="datetimeFigureOut">
               <a:rPr lang="en-US" dirty="0"/>
-              <a:t>2/19/2024</a:t>
+              <a:t>2/21/2024</a:t>
             </a:fld>
             <a:endParaRPr lang="en-US" dirty="0"/>
           </a:p>
@@ -19844,7 +19844,7 @@
           <a:p>
             <a:fld id="{67EF4D4C-5367-4C26-9E2B-D8088D7FCA81}" type="datetimeFigureOut">
               <a:rPr lang="en-US" dirty="0"/>
-              <a:t>2/19/2024</a:t>
+              <a:t>2/21/2024</a:t>
             </a:fld>
             <a:endParaRPr lang="en-US" dirty="0"/>
           </a:p>
@@ -19939,7 +19939,7 @@
           <a:p>
             <a:fld id="{56E91E96-98B0-4413-9547-46F3504108EF}" type="datetimeFigureOut">
               <a:rPr lang="en-US" dirty="0"/>
-              <a:t>2/19/2024</a:t>
+              <a:t>2/21/2024</a:t>
             </a:fld>
             <a:endParaRPr lang="en-US" dirty="0"/>
           </a:p>
@@ -20227,7 +20227,7 @@
           <a:p>
             <a:fld id="{05C68B11-C5A8-448C-8CE9-B1A273C79CFC}" type="datetimeFigureOut">
               <a:rPr lang="en-US" dirty="0"/>
-              <a:t>2/19/2024</a:t>
+              <a:t>2/21/2024</a:t>
             </a:fld>
             <a:endParaRPr lang="en-US" dirty="0"/>
           </a:p>
@@ -20502,7 +20502,7 @@
           <a:p>
             <a:fld id="{C7616CA0-919D-4A49-9C8A-62FDFB3A5183}" type="datetimeFigureOut">
               <a:rPr lang="en-US" dirty="0"/>
-              <a:t>2/19/2024</a:t>
+              <a:t>2/21/2024</a:t>
             </a:fld>
             <a:endParaRPr lang="en-US" dirty="0"/>
           </a:p>
@@ -20751,7 +20751,7 @@
             <a:fld id="{90298CD5-6C1E-4009-B41F-6DF62E31D3BE}" type="datetimeFigureOut">
               <a:rPr lang="en-US" dirty="0"/>
               <a:pPr/>
-              <a:t>2/19/2024</a:t>
+              <a:t>2/21/2024</a:t>
             </a:fld>
             <a:endParaRPr lang="en-US" dirty="0"/>
           </a:p>
@@ -29241,25 +29241,18 @@
           <a:p>
             <a:pPr marL="608965" lvl="1" indent="-231140"/>
             <a:r>
-              <a:rPr lang="en-US" dirty="0" err="1">
+              <a:rPr lang="en-US" dirty="0">
                 <a:latin typeface="Consolas"/>
                 <a:cs typeface="Calibri"/>
               </a:rPr>
-              <a:t>image-name</a:t>
-            </a:r>
-            <a:r>
-              <a:rPr lang="en-US" b="1" dirty="0" err="1">
+              <a:t>namespace/</a:t>
+            </a:r>
+            <a:r>
+              <a:rPr lang="en-US" dirty="0" err="1">
                 <a:latin typeface="Consolas"/>
                 <a:cs typeface="Calibri"/>
               </a:rPr>
-              <a:t>:</a:t>
-            </a:r>
-            <a:r>
-              <a:rPr lang="en-US" dirty="0" err="1">
-                <a:latin typeface="Consolas"/>
-                <a:cs typeface="Calibri"/>
-              </a:rPr>
-              <a:t>tag</a:t>
+              <a:t>image-name:tag</a:t>
             </a:r>
             <a:endParaRPr lang="en-US" dirty="0">
               <a:latin typeface="Consolas"/>
@@ -29269,201 +29262,322 @@
           <a:p>
             <a:pPr marL="608965" lvl="1" indent="-231140"/>
             <a:r>
-              <a:rPr lang="en-US" dirty="0">
-                <a:latin typeface="Calibri"/>
-                <a:cs typeface="Calibri"/>
-              </a:rPr>
-              <a:t>Image-Name (o </a:t>
-            </a:r>
-            <a:r>
-              <a:rPr lang="en-US" dirty="0" err="1">
-                <a:latin typeface="Calibri"/>
-                <a:cs typeface="Calibri"/>
-              </a:rPr>
-              <a:t>repositorio</a:t>
-            </a:r>
-            <a:r>
-              <a:rPr lang="en-US" dirty="0">
-                <a:latin typeface="Calibri"/>
-                <a:cs typeface="Calibri"/>
-              </a:rPr>
-              <a:t>) para </a:t>
-            </a:r>
-            <a:r>
-              <a:rPr lang="en-US" dirty="0" err="1">
-                <a:latin typeface="Calibri"/>
-                <a:cs typeface="Calibri"/>
-              </a:rPr>
-              <a:t>grupo</a:t>
-            </a:r>
-            <a:r>
-              <a:rPr lang="en-US" dirty="0">
-                <a:latin typeface="Calibri"/>
-                <a:cs typeface="Calibri"/>
-              </a:rPr>
-              <a:t> de </a:t>
-            </a:r>
-            <a:r>
-              <a:rPr lang="en-US" dirty="0" err="1">
-                <a:latin typeface="Calibri"/>
-                <a:cs typeface="Calibri"/>
-              </a:rPr>
-              <a:t>imágenes</a:t>
-            </a:r>
-            <a:r>
-              <a:rPr lang="en-US" dirty="0">
-                <a:latin typeface="Calibri"/>
-                <a:cs typeface="Calibri"/>
-              </a:rPr>
-              <a:t> (p. </a:t>
-            </a:r>
-            <a:r>
-              <a:rPr lang="en-US" dirty="0" err="1">
-                <a:latin typeface="Calibri"/>
-                <a:cs typeface="Calibri"/>
-              </a:rPr>
-              <a:t>ej</a:t>
-            </a:r>
-            <a:r>
-              <a:rPr lang="en-US" dirty="0">
-                <a:latin typeface="Calibri"/>
-                <a:cs typeface="Calibri"/>
-              </a:rPr>
-              <a:t>., </a:t>
-            </a:r>
-            <a:r>
-              <a:rPr lang="en-US" dirty="0">
+              <a:rPr lang="en-US" dirty="0" err="1">
                 <a:latin typeface="Consolas"/>
                 <a:cs typeface="Calibri"/>
               </a:rPr>
-              <a:t>node</a:t>
-            </a:r>
-            <a:r>
-              <a:rPr lang="en-US" dirty="0">
-                <a:latin typeface="Calibri"/>
-                <a:cs typeface="Calibri"/>
-              </a:rPr>
-              <a:t>)</a:t>
-            </a:r>
-          </a:p>
-          <a:p>
-            <a:pPr marL="608965" lvl="1" indent="-231140"/>
-            <a:r>
-              <a:rPr lang="en-US" dirty="0">
-                <a:latin typeface="Calibri"/>
-                <a:cs typeface="Calibri"/>
-              </a:rPr>
-              <a:t>Tag para imagen </a:t>
-            </a:r>
-            <a:r>
-              <a:rPr lang="en-US" dirty="0" err="1">
-                <a:latin typeface="Calibri"/>
-                <a:cs typeface="Calibri"/>
-              </a:rPr>
-              <a:t>específica</a:t>
-            </a:r>
-            <a:r>
-              <a:rPr lang="en-US" dirty="0">
-                <a:latin typeface="Calibri"/>
-                <a:cs typeface="Calibri"/>
-              </a:rPr>
-              <a:t>: </a:t>
-            </a:r>
-            <a:r>
-              <a:rPr lang="en-US" dirty="0" err="1">
-                <a:latin typeface="Calibri"/>
-                <a:cs typeface="Calibri"/>
-              </a:rPr>
-              <a:t>versión</a:t>
-            </a:r>
-            <a:r>
-              <a:rPr lang="en-US" dirty="0">
-                <a:latin typeface="Calibri"/>
-                <a:cs typeface="Calibri"/>
-              </a:rPr>
-              <a:t> (p. </a:t>
-            </a:r>
-            <a:r>
-              <a:rPr lang="en-US" dirty="0" err="1">
-                <a:latin typeface="Calibri"/>
-                <a:cs typeface="Calibri"/>
-              </a:rPr>
-              <a:t>ej</a:t>
-            </a:r>
-            <a:r>
-              <a:rPr lang="en-US" dirty="0">
-                <a:latin typeface="Calibri"/>
-                <a:cs typeface="Calibri"/>
-              </a:rPr>
-              <a:t>., </a:t>
+              <a:t>registry-fqdn:port</a:t>
             </a:r>
             <a:r>
               <a:rPr lang="en-US" dirty="0">
                 <a:latin typeface="Consolas"/>
                 <a:cs typeface="Calibri"/>
               </a:rPr>
-              <a:t>14</a:t>
-            </a:r>
-            <a:r>
-              <a:rPr lang="en-US" dirty="0">
-                <a:latin typeface="Calibri"/>
-                <a:cs typeface="Calibri"/>
-              </a:rPr>
-              <a:t>)</a:t>
-            </a:r>
-          </a:p>
-          <a:p>
-            <a:pPr marL="608965" lvl="1" indent="-231140"/>
-            <a:r>
-              <a:rPr lang="en-US" dirty="0">
-                <a:latin typeface="Calibri"/>
-                <a:cs typeface="Calibri"/>
-              </a:rPr>
-              <a:t>Tag </a:t>
-            </a:r>
-            <a:r>
-              <a:rPr lang="en-US" dirty="0" err="1">
-                <a:latin typeface="Calibri"/>
-                <a:cs typeface="Calibri"/>
-              </a:rPr>
-              <a:t>por</a:t>
-            </a:r>
-            <a:r>
-              <a:rPr lang="en-US" dirty="0">
-                <a:latin typeface="Calibri"/>
-                <a:cs typeface="Calibri"/>
-              </a:rPr>
-              <a:t> </a:t>
-            </a:r>
-            <a:r>
-              <a:rPr lang="en-US" dirty="0" err="1">
-                <a:latin typeface="Calibri"/>
-                <a:cs typeface="Calibri"/>
-              </a:rPr>
-              <a:t>defecto</a:t>
-            </a:r>
-            <a:r>
-              <a:rPr lang="en-US" dirty="0">
-                <a:latin typeface="Calibri"/>
-                <a:cs typeface="Calibri"/>
-              </a:rPr>
-              <a:t>: </a:t>
-            </a:r>
-            <a:r>
-              <a:rPr lang="en-US" dirty="0">
+              <a:t>/namespace/</a:t>
+            </a:r>
+            <a:r>
+              <a:rPr lang="en-US" dirty="0" err="1">
                 <a:latin typeface="Consolas"/>
                 <a:cs typeface="Calibri"/>
               </a:rPr>
-              <a:t>latest</a:t>
-            </a:r>
-            <a:endParaRPr lang="en-US" dirty="0"/>
-          </a:p>
-          <a:p>
-            <a:pPr marL="608965" lvl="1" indent="-231140"/>
+              <a:t>image-name:tag</a:t>
+            </a:r>
             <a:endParaRPr lang="en-US" dirty="0">
-              <a:latin typeface="Calibri"/>
+              <a:latin typeface="Consolas"/>
               <a:cs typeface="Calibri"/>
             </a:endParaRPr>
+          </a:p>
+          <a:p>
+            <a:pPr marL="608965" lvl="1" indent="-231140"/>
+            <a:r>
+              <a:rPr lang="en-US" dirty="0">
+                <a:latin typeface="Calibri"/>
+                <a:cs typeface="Calibri"/>
+              </a:rPr>
+              <a:t>Image-Name (o </a:t>
+            </a:r>
+            <a:r>
+              <a:rPr lang="en-US" dirty="0" err="1">
+                <a:latin typeface="Calibri"/>
+                <a:cs typeface="Calibri"/>
+              </a:rPr>
+              <a:t>repositorio</a:t>
+            </a:r>
+            <a:r>
+              <a:rPr lang="en-US" dirty="0">
+                <a:latin typeface="Calibri"/>
+                <a:cs typeface="Calibri"/>
+              </a:rPr>
+              <a:t>) para </a:t>
+            </a:r>
+            <a:r>
+              <a:rPr lang="en-US" dirty="0" err="1">
+                <a:latin typeface="Calibri"/>
+                <a:cs typeface="Calibri"/>
+              </a:rPr>
+              <a:t>grupo</a:t>
+            </a:r>
+            <a:r>
+              <a:rPr lang="en-US" dirty="0">
+                <a:latin typeface="Calibri"/>
+                <a:cs typeface="Calibri"/>
+              </a:rPr>
+              <a:t> de </a:t>
+            </a:r>
+            <a:r>
+              <a:rPr lang="en-US" dirty="0" err="1">
+                <a:latin typeface="Calibri"/>
+                <a:cs typeface="Calibri"/>
+              </a:rPr>
+              <a:t>imágenes</a:t>
+            </a:r>
+            <a:r>
+              <a:rPr lang="en-US" dirty="0">
+                <a:latin typeface="Calibri"/>
+                <a:cs typeface="Calibri"/>
+              </a:rPr>
+              <a:t> (p. </a:t>
+            </a:r>
+            <a:r>
+              <a:rPr lang="en-US" dirty="0" err="1">
+                <a:latin typeface="Calibri"/>
+                <a:cs typeface="Calibri"/>
+              </a:rPr>
+              <a:t>ej</a:t>
+            </a:r>
+            <a:r>
+              <a:rPr lang="en-US" dirty="0">
+                <a:latin typeface="Calibri"/>
+                <a:cs typeface="Calibri"/>
+              </a:rPr>
+              <a:t>., </a:t>
+            </a:r>
+            <a:r>
+              <a:rPr lang="en-US" dirty="0">
+                <a:latin typeface="Consolas"/>
+                <a:cs typeface="Calibri"/>
+              </a:rPr>
+              <a:t>node</a:t>
+            </a:r>
+            <a:r>
+              <a:rPr lang="en-US" dirty="0">
+                <a:latin typeface="Calibri"/>
+                <a:cs typeface="Calibri"/>
+              </a:rPr>
+              <a:t>)</a:t>
+            </a:r>
+          </a:p>
+          <a:p>
+            <a:pPr marL="608965" lvl="1" indent="-231140"/>
+            <a:r>
+              <a:rPr lang="en-US" dirty="0">
+                <a:latin typeface="Calibri"/>
+                <a:cs typeface="Calibri"/>
+              </a:rPr>
+              <a:t>Tag para imagen </a:t>
+            </a:r>
+            <a:r>
+              <a:rPr lang="en-US" dirty="0" err="1">
+                <a:latin typeface="Calibri"/>
+                <a:cs typeface="Calibri"/>
+              </a:rPr>
+              <a:t>específica</a:t>
+            </a:r>
+            <a:r>
+              <a:rPr lang="en-US" dirty="0">
+                <a:latin typeface="Calibri"/>
+                <a:cs typeface="Calibri"/>
+              </a:rPr>
+              <a:t>: </a:t>
+            </a:r>
+            <a:r>
+              <a:rPr lang="en-US" dirty="0" err="1">
+                <a:latin typeface="Calibri"/>
+                <a:cs typeface="Calibri"/>
+              </a:rPr>
+              <a:t>versión</a:t>
+            </a:r>
+            <a:r>
+              <a:rPr lang="en-US" dirty="0">
+                <a:latin typeface="Calibri"/>
+                <a:cs typeface="Calibri"/>
+              </a:rPr>
+              <a:t> (p. </a:t>
+            </a:r>
+            <a:r>
+              <a:rPr lang="en-US" dirty="0" err="1">
+                <a:latin typeface="Calibri"/>
+                <a:cs typeface="Calibri"/>
+              </a:rPr>
+              <a:t>ej</a:t>
+            </a:r>
+            <a:r>
+              <a:rPr lang="en-US" dirty="0">
+                <a:latin typeface="Calibri"/>
+                <a:cs typeface="Calibri"/>
+              </a:rPr>
+              <a:t>., </a:t>
+            </a:r>
+            <a:r>
+              <a:rPr lang="en-US" dirty="0">
+                <a:latin typeface="Consolas"/>
+                <a:cs typeface="Calibri"/>
+              </a:rPr>
+              <a:t>14</a:t>
+            </a:r>
+            <a:r>
+              <a:rPr lang="en-US" dirty="0">
+                <a:latin typeface="Calibri"/>
+                <a:cs typeface="Calibri"/>
+              </a:rPr>
+              <a:t>)</a:t>
+            </a:r>
+          </a:p>
+          <a:p>
+            <a:pPr marL="608965" lvl="1" indent="-231140"/>
+            <a:r>
+              <a:rPr lang="en-US" dirty="0">
+                <a:latin typeface="Calibri"/>
+                <a:cs typeface="Calibri"/>
+              </a:rPr>
+              <a:t>Tag </a:t>
+            </a:r>
+            <a:r>
+              <a:rPr lang="en-US" dirty="0" err="1">
+                <a:latin typeface="Calibri"/>
+                <a:cs typeface="Calibri"/>
+              </a:rPr>
+              <a:t>por</a:t>
+            </a:r>
+            <a:r>
+              <a:rPr lang="en-US" dirty="0">
+                <a:latin typeface="Calibri"/>
+                <a:cs typeface="Calibri"/>
+              </a:rPr>
+              <a:t> </a:t>
+            </a:r>
+            <a:r>
+              <a:rPr lang="en-US" dirty="0" err="1">
+                <a:latin typeface="Calibri"/>
+                <a:cs typeface="Calibri"/>
+              </a:rPr>
+              <a:t>defecto</a:t>
+            </a:r>
+            <a:r>
+              <a:rPr lang="en-US" dirty="0">
+                <a:latin typeface="Calibri"/>
+                <a:cs typeface="Calibri"/>
+              </a:rPr>
+              <a:t>: </a:t>
+            </a:r>
+            <a:r>
+              <a:rPr lang="en-US" dirty="0">
+                <a:latin typeface="Consolas"/>
+                <a:cs typeface="Calibri"/>
+              </a:rPr>
+              <a:t>latest</a:t>
+            </a:r>
+          </a:p>
+          <a:p>
+            <a:pPr marL="608965" lvl="1" indent="-231140"/>
+            <a:r>
+              <a:rPr lang="en-US" dirty="0" err="1">
+                <a:latin typeface="Calibri"/>
+                <a:cs typeface="Calibri"/>
+              </a:rPr>
+              <a:t>Crear</a:t>
+            </a:r>
+            <a:r>
+              <a:rPr lang="en-US" dirty="0">
+                <a:latin typeface="Calibri"/>
+                <a:cs typeface="Calibri"/>
+              </a:rPr>
+              <a:t> un nuevo </a:t>
+            </a:r>
+            <a:r>
+              <a:rPr lang="en-US" dirty="0" err="1">
+                <a:latin typeface="Calibri"/>
+                <a:cs typeface="Calibri"/>
+              </a:rPr>
+              <a:t>identificador</a:t>
+            </a:r>
+            <a:r>
+              <a:rPr lang="en-US" dirty="0">
+                <a:latin typeface="Calibri"/>
+                <a:cs typeface="Calibri"/>
+              </a:rPr>
+              <a:t> para </a:t>
+            </a:r>
+            <a:r>
+              <a:rPr lang="en-US" dirty="0" err="1">
+                <a:latin typeface="Calibri"/>
+                <a:cs typeface="Calibri"/>
+              </a:rPr>
+              <a:t>una</a:t>
+            </a:r>
+            <a:r>
+              <a:rPr lang="en-US" dirty="0">
+                <a:latin typeface="Calibri"/>
+                <a:cs typeface="Calibri"/>
+              </a:rPr>
+              <a:t> imagen:</a:t>
+            </a:r>
+          </a:p>
+          <a:p>
+            <a:pPr marL="377825" lvl="1" indent="0">
+              <a:buNone/>
+            </a:pPr>
+            <a:endParaRPr lang="en-US" dirty="0">
+              <a:latin typeface="Consolas"/>
+              <a:cs typeface="Calibri"/>
+            </a:endParaRPr>
+          </a:p>
+          <a:p>
+            <a:pPr marL="377825" lvl="1" indent="0" algn="ctr">
+              <a:buNone/>
+            </a:pPr>
+            <a:r>
+              <a:rPr lang="en-US" dirty="0">
+                <a:latin typeface="Consolas"/>
+                <a:cs typeface="Calibri"/>
+              </a:rPr>
+              <a:t>docker tag &lt;</a:t>
+            </a:r>
+            <a:r>
+              <a:rPr lang="en-US" dirty="0" err="1">
+                <a:latin typeface="Consolas"/>
+                <a:cs typeface="Calibri"/>
+              </a:rPr>
+              <a:t>source_image</a:t>
+            </a:r>
+            <a:r>
+              <a:rPr lang="en-US" dirty="0">
+                <a:latin typeface="Consolas"/>
+                <a:cs typeface="Calibri"/>
+              </a:rPr>
+              <a:t>[:tag]&gt; &lt;</a:t>
+            </a:r>
+            <a:r>
+              <a:rPr lang="en-US" dirty="0" err="1">
+                <a:latin typeface="Consolas"/>
+                <a:cs typeface="Calibri"/>
+              </a:rPr>
+              <a:t>target_image</a:t>
+            </a:r>
+            <a:r>
+              <a:rPr lang="en-US" dirty="0">
+                <a:latin typeface="Consolas"/>
+                <a:cs typeface="Calibri"/>
+              </a:rPr>
+              <a:t>[:tag]&gt;</a:t>
+            </a:r>
+            <a:r>
+              <a:rPr lang="en-US" dirty="0">
+                <a:latin typeface="Calibri"/>
+                <a:cs typeface="Calibri"/>
+              </a:rPr>
+              <a:t>:</a:t>
+            </a:r>
           </a:p>
         </p:txBody>
       </p:sp>
@@ -30239,7 +30353,7 @@
         <p:spPr/>
         <p:txBody>
           <a:bodyPr vert="horz" lIns="121899" tIns="60949" rIns="121899" bIns="60949" rtlCol="0" anchor="t">
-            <a:normAutofit/>
+            <a:normAutofit lnSpcReduction="10000"/>
           </a:bodyPr>
           <a:lstStyle/>
           <a:p>
@@ -30640,6 +30754,65 @@
                 <a:cs typeface="Calibri"/>
               </a:rPr>
               <a:t>: Sube imagen a Docker Hub</a:t>
+            </a:r>
+          </a:p>
+          <a:p>
+            <a:pPr marL="304165" indent="-304165"/>
+            <a:r>
+              <a:rPr lang="en-US" dirty="0">
+                <a:latin typeface="Consolas"/>
+                <a:cs typeface="Calibri"/>
+              </a:rPr>
+              <a:t>docker </a:t>
+            </a:r>
+            <a:r>
+              <a:rPr lang="en-US">
+                <a:latin typeface="Consolas"/>
+                <a:cs typeface="Calibri"/>
+              </a:rPr>
+              <a:t>tag SOURCE TARGET</a:t>
+            </a:r>
+            <a:r>
+              <a:rPr lang="en-US">
+                <a:cs typeface="Calibri"/>
+              </a:rPr>
+              <a:t>: </a:t>
+            </a:r>
+            <a:r>
+              <a:rPr lang="en-US" dirty="0" err="1">
+                <a:cs typeface="Calibri"/>
+              </a:rPr>
+              <a:t>Crea</a:t>
+            </a:r>
+            <a:r>
+              <a:rPr lang="en-US" dirty="0">
+                <a:cs typeface="Calibri"/>
+              </a:rPr>
+              <a:t> un nuevo </a:t>
+            </a:r>
+            <a:r>
+              <a:rPr lang="en-US" dirty="0" err="1">
+                <a:cs typeface="Calibri"/>
+              </a:rPr>
+              <a:t>nombre</a:t>
+            </a:r>
+            <a:r>
+              <a:rPr lang="en-US" dirty="0">
+                <a:cs typeface="Calibri"/>
+              </a:rPr>
+              <a:t> para </a:t>
+            </a:r>
+            <a:r>
+              <a:rPr lang="en-US" dirty="0" err="1">
+                <a:cs typeface="Calibri"/>
+              </a:rPr>
+              <a:t>una</a:t>
+            </a:r>
+            <a:r>
+              <a:rPr lang="en-US" dirty="0">
+                <a:cs typeface="Calibri"/>
+              </a:rPr>
+              <a:t> imagen</a:t>
             </a:r>
           </a:p>
         </p:txBody>
@@ -45116,6 +45289,15 @@
 </file>
 
 <file path=customXml/item1.xml><?xml version="1.0" encoding="utf-8"?>
+<p:properties xmlns:p="http://schemas.microsoft.com/office/2006/metadata/properties" xmlns:xsi="http://www.w3.org/2001/XMLSchema-instance" xmlns:pc="http://schemas.microsoft.com/office/infopath/2007/PartnerControls">
+  <documentManagement>
+    <MediaServiceKeyPoints xmlns="71af3243-3dd4-4a8d-8c0d-dd76da1f02a5" xsi:nil="true"/>
+    <Status xmlns="71af3243-3dd4-4a8d-8c0d-dd76da1f02a5">Not started</Status>
+  </documentManagement>
+</p:properties>
+</file>
+
+<file path=customXml/item2.xml><?xml version="1.0" encoding="utf-8"?>
 <?mso-contentType ?>
 <FormTemplates xmlns="http://schemas.microsoft.com/sharepoint/v3/contenttype/forms">
   <Display>DocumentLibraryForm</Display>
@@ -45124,7 +45306,7 @@
 </FormTemplates>
 </file>
 
-<file path=customXml/item2.xml><?xml version="1.0" encoding="utf-8"?>
+<file path=customXml/item3.xml><?xml version="1.0" encoding="utf-8"?>
 <ct:contentTypeSchema xmlns:ct="http://schemas.microsoft.com/office/2006/metadata/contentType" xmlns:ma="http://schemas.microsoft.com/office/2006/metadata/properties/metaAttributes" ct:_="" ma:_="" ma:contentTypeName="Document" ma:contentTypeID="0x01010079F111ED35F8CC479449609E8A0923A6" ma:contentTypeVersion="12" ma:contentTypeDescription="Create a new document." ma:contentTypeScope="" ma:versionID="7f9b5e87859ce6d7eedbdc6e4e4205ca">
   <xsd:schema xmlns:xsd="http://www.w3.org/2001/XMLSchema" xmlns:xs="http://www.w3.org/2001/XMLSchema" xmlns:p="http://schemas.microsoft.com/office/2006/metadata/properties" xmlns:ns2="71af3243-3dd4-4a8d-8c0d-dd76da1f02a5" xmlns:ns3="16c05727-aa75-4e4a-9b5f-8a80a1165891" targetNamespace="http://schemas.microsoft.com/office/2006/metadata/properties" ma:root="true" ma:fieldsID="a5e0075ee7624d6a846e01eb61837427" ns2:_="" ns3:_="">
     <xsd:import namespace="71af3243-3dd4-4a8d-8c0d-dd76da1f02a5"/>
@@ -45345,16 +45527,17 @@
 </ct:contentTypeSchema>
 </file>
 
-<file path=customXml/item3.xml><?xml version="1.0" encoding="utf-8"?>
-<p:properties xmlns:p="http://schemas.microsoft.com/office/2006/metadata/properties" xmlns:xsi="http://www.w3.org/2001/XMLSchema-instance" xmlns:pc="http://schemas.microsoft.com/office/infopath/2007/PartnerControls">
-  <documentManagement>
-    <MediaServiceKeyPoints xmlns="71af3243-3dd4-4a8d-8c0d-dd76da1f02a5" xsi:nil="true"/>
-    <Status xmlns="71af3243-3dd4-4a8d-8c0d-dd76da1f02a5">Not started</Status>
-  </documentManagement>
-</p:properties>
+<file path=customXml/itemProps1.xml><?xml version="1.0" encoding="utf-8"?>
+<ds:datastoreItem xmlns:ds="http://schemas.openxmlformats.org/officeDocument/2006/customXml" ds:itemID="{77CF7ACA-83DF-48D1-85D1-C482ED91F651}">
+  <ds:schemaRefs>
+    <ds:schemaRef ds:uri="http://schemas.microsoft.com/office/2006/metadata/properties"/>
+    <ds:schemaRef ds:uri="http://schemas.microsoft.com/office/infopath/2007/PartnerControls"/>
+    <ds:schemaRef ds:uri="71af3243-3dd4-4a8d-8c0d-dd76da1f02a5"/>
+  </ds:schemaRefs>
+</ds:datastoreItem>
 </file>
 
-<file path=customXml/itemProps1.xml><?xml version="1.0" encoding="utf-8"?>
+<file path=customXml/itemProps2.xml><?xml version="1.0" encoding="utf-8"?>
 <ds:datastoreItem xmlns:ds="http://schemas.openxmlformats.org/officeDocument/2006/customXml" ds:itemID="{764734E9-C274-4EB4-8E27-BAE9169A44EB}">
   <ds:schemaRefs>
     <ds:schemaRef ds:uri="http://schemas.microsoft.com/sharepoint/v3/contenttype/forms"/>
@@ -45362,7 +45545,7 @@
 </ds:datastoreItem>
 </file>
 
-<file path=customXml/itemProps2.xml><?xml version="1.0" encoding="utf-8"?>
+<file path=customXml/itemProps3.xml><?xml version="1.0" encoding="utf-8"?>
 <ds:datastoreItem xmlns:ds="http://schemas.openxmlformats.org/officeDocument/2006/customXml" ds:itemID="{8A6D9222-8445-4CAF-97EE-09B50EF08BBD}">
   <ds:schemaRefs>
     <ds:schemaRef ds:uri="http://schemas.microsoft.com/office/2006/metadata/contentType"/>
@@ -45379,14 +45562,4 @@
     <ds:schemaRef ds:uri="http://schemas.microsoft.com/internal/obd"/>
   </ds:schemaRefs>
 </ds:datastoreItem>
-</file>
-
-<file path=customXml/itemProps3.xml><?xml version="1.0" encoding="utf-8"?>
-<ds:datastoreItem xmlns:ds="http://schemas.openxmlformats.org/officeDocument/2006/customXml" ds:itemID="{77CF7ACA-83DF-48D1-85D1-C482ED91F651}">
-  <ds:schemaRefs>
-    <ds:schemaRef ds:uri="http://schemas.microsoft.com/office/2006/metadata/properties"/>
-    <ds:schemaRef ds:uri="http://schemas.microsoft.com/office/infopath/2007/PartnerControls"/>
-    <ds:schemaRef ds:uri="71af3243-3dd4-4a8d-8c0d-dd76da1f02a5"/>
-  </ds:schemaRefs>
-</ds:datastoreItem>
 </file>